--- a/_planning_and_organising/Presentation 1.pptx
+++ b/_planning_and_organising/Presentation 1.pptx
@@ -2,7 +2,7 @@
 <file path=ppt/presentation.xml><?xml version="1.0" encoding="utf-8"?>
 <p:presentation xmlns:a="http://schemas.openxmlformats.org/drawingml/2006/main" xmlns:r="http://schemas.openxmlformats.org/officeDocument/2006/relationships" xmlns:p="http://schemas.openxmlformats.org/presentationml/2006/main" saveSubsetFonts="1">
   <p:sldMasterIdLst>
-    <p:sldMasterId id="2147483660" r:id="rId1"/>
+    <p:sldMasterId id="2147483747" r:id="rId1"/>
   </p:sldMasterIdLst>
   <p:sldIdLst>
     <p:sldId id="256" r:id="rId2"/>
@@ -10,7 +10,8 @@
     <p:sldId id="258" r:id="rId4"/>
     <p:sldId id="259" r:id="rId5"/>
     <p:sldId id="260" r:id="rId6"/>
-    <p:sldId id="261" r:id="rId7"/>
+    <p:sldId id="262" r:id="rId7"/>
+    <p:sldId id="261" r:id="rId8"/>
   </p:sldIdLst>
   <p:sldSz cx="12192000" cy="6858000"/>
   <p:notesSz cx="6858000" cy="9144000"/>
@@ -18,7 +19,7 @@
     <a:defPPr>
       <a:defRPr lang="en-US"/>
     </a:defPPr>
-    <a:lvl1pPr marL="0" algn="l" defTabSz="914400" rtl="0" eaLnBrk="1" latinLnBrk="0" hangingPunct="1">
+    <a:lvl1pPr marL="0" algn="l" defTabSz="457200" rtl="0" eaLnBrk="1" latinLnBrk="0" hangingPunct="1">
       <a:defRPr sz="1800" kern="1200">
         <a:solidFill>
           <a:schemeClr val="tx1"/>
@@ -28,7 +29,7 @@
         <a:cs typeface="+mn-cs"/>
       </a:defRPr>
     </a:lvl1pPr>
-    <a:lvl2pPr marL="457200" algn="l" defTabSz="914400" rtl="0" eaLnBrk="1" latinLnBrk="0" hangingPunct="1">
+    <a:lvl2pPr marL="457200" algn="l" defTabSz="457200" rtl="0" eaLnBrk="1" latinLnBrk="0" hangingPunct="1">
       <a:defRPr sz="1800" kern="1200">
         <a:solidFill>
           <a:schemeClr val="tx1"/>
@@ -38,7 +39,7 @@
         <a:cs typeface="+mn-cs"/>
       </a:defRPr>
     </a:lvl2pPr>
-    <a:lvl3pPr marL="914400" algn="l" defTabSz="914400" rtl="0" eaLnBrk="1" latinLnBrk="0" hangingPunct="1">
+    <a:lvl3pPr marL="914400" algn="l" defTabSz="457200" rtl="0" eaLnBrk="1" latinLnBrk="0" hangingPunct="1">
       <a:defRPr sz="1800" kern="1200">
         <a:solidFill>
           <a:schemeClr val="tx1"/>
@@ -48,7 +49,7 @@
         <a:cs typeface="+mn-cs"/>
       </a:defRPr>
     </a:lvl3pPr>
-    <a:lvl4pPr marL="1371600" algn="l" defTabSz="914400" rtl="0" eaLnBrk="1" latinLnBrk="0" hangingPunct="1">
+    <a:lvl4pPr marL="1371600" algn="l" defTabSz="457200" rtl="0" eaLnBrk="1" latinLnBrk="0" hangingPunct="1">
       <a:defRPr sz="1800" kern="1200">
         <a:solidFill>
           <a:schemeClr val="tx1"/>
@@ -58,7 +59,7 @@
         <a:cs typeface="+mn-cs"/>
       </a:defRPr>
     </a:lvl4pPr>
-    <a:lvl5pPr marL="1828800" algn="l" defTabSz="914400" rtl="0" eaLnBrk="1" latinLnBrk="0" hangingPunct="1">
+    <a:lvl5pPr marL="1828800" algn="l" defTabSz="457200" rtl="0" eaLnBrk="1" latinLnBrk="0" hangingPunct="1">
       <a:defRPr sz="1800" kern="1200">
         <a:solidFill>
           <a:schemeClr val="tx1"/>
@@ -68,7 +69,7 @@
         <a:cs typeface="+mn-cs"/>
       </a:defRPr>
     </a:lvl5pPr>
-    <a:lvl6pPr marL="2286000" algn="l" defTabSz="914400" rtl="0" eaLnBrk="1" latinLnBrk="0" hangingPunct="1">
+    <a:lvl6pPr marL="2286000" algn="l" defTabSz="457200" rtl="0" eaLnBrk="1" latinLnBrk="0" hangingPunct="1">
       <a:defRPr sz="1800" kern="1200">
         <a:solidFill>
           <a:schemeClr val="tx1"/>
@@ -78,7 +79,7 @@
         <a:cs typeface="+mn-cs"/>
       </a:defRPr>
     </a:lvl6pPr>
-    <a:lvl7pPr marL="2743200" algn="l" defTabSz="914400" rtl="0" eaLnBrk="1" latinLnBrk="0" hangingPunct="1">
+    <a:lvl7pPr marL="2743200" algn="l" defTabSz="457200" rtl="0" eaLnBrk="1" latinLnBrk="0" hangingPunct="1">
       <a:defRPr sz="1800" kern="1200">
         <a:solidFill>
           <a:schemeClr val="tx1"/>
@@ -88,7 +89,7 @@
         <a:cs typeface="+mn-cs"/>
       </a:defRPr>
     </a:lvl7pPr>
-    <a:lvl8pPr marL="3200400" algn="l" defTabSz="914400" rtl="0" eaLnBrk="1" latinLnBrk="0" hangingPunct="1">
+    <a:lvl8pPr marL="3200400" algn="l" defTabSz="457200" rtl="0" eaLnBrk="1" latinLnBrk="0" hangingPunct="1">
       <a:defRPr sz="1800" kern="1200">
         <a:solidFill>
           <a:schemeClr val="tx1"/>
@@ -98,7 +99,7 @@
         <a:cs typeface="+mn-cs"/>
       </a:defRPr>
     </a:lvl8pPr>
-    <a:lvl9pPr marL="3657600" algn="l" defTabSz="914400" rtl="0" eaLnBrk="1" latinLnBrk="0" hangingPunct="1">
+    <a:lvl9pPr marL="3657600" algn="l" defTabSz="457200" rtl="0" eaLnBrk="1" latinLnBrk="0" hangingPunct="1">
       <a:defRPr sz="1800" kern="1200">
         <a:solidFill>
           <a:schemeClr val="tx1"/>
@@ -142,6 +143,36 @@
           <a:chExt cx="0" cy="0"/>
         </a:xfrm>
       </p:grpSpPr>
+      <p:pic>
+        <p:nvPicPr>
+          <p:cNvPr id="7" name="Picture 6" descr="Droplets-HD-Title-R1d.png"/>
+          <p:cNvPicPr>
+            <a:picLocks noChangeAspect="1"/>
+          </p:cNvPicPr>
+          <p:nvPr/>
+        </p:nvPicPr>
+        <p:blipFill>
+          <a:blip r:embed="rId2">
+            <a:extLst>
+              <a:ext uri="{28A0092B-C50C-407E-A947-70E740481C1C}">
+                <a14:useLocalDpi xmlns:a14="http://schemas.microsoft.com/office/drawing/2010/main" val="0"/>
+              </a:ext>
+            </a:extLst>
+          </a:blip>
+          <a:stretch>
+            <a:fillRect/>
+          </a:stretch>
+        </p:blipFill>
+        <p:spPr>
+          <a:xfrm>
+            <a:off x="0" y="0"/>
+            <a:ext cx="12192000" cy="6858000"/>
+          </a:xfrm>
+          <a:prstGeom prst="rect">
+            <a:avLst/>
+          </a:prstGeom>
+        </p:spPr>
+      </p:pic>
       <p:sp>
         <p:nvSpPr>
           <p:cNvPr id="2" name="Title 1"/>
@@ -154,15 +185,17 @@
         </p:nvSpPr>
         <p:spPr>
           <a:xfrm>
-            <a:off x="1524000" y="1122363"/>
-            <a:ext cx="9144000" cy="2387600"/>
-          </a:xfrm>
-        </p:spPr>
-        <p:txBody>
-          <a:bodyPr anchor="b"/>
+            <a:off x="1751012" y="1300785"/>
+            <a:ext cx="8689976" cy="2509213"/>
+          </a:xfrm>
+        </p:spPr>
+        <p:txBody>
+          <a:bodyPr anchor="b">
+            <a:normAutofit/>
+          </a:bodyPr>
           <a:lstStyle>
             <a:lvl1pPr algn="ctr">
-              <a:defRPr sz="6000"/>
+              <a:defRPr sz="4800"/>
             </a:lvl1pPr>
           </a:lstStyle>
           <a:p>
@@ -186,16 +219,24 @@
         </p:nvSpPr>
         <p:spPr>
           <a:xfrm>
-            <a:off x="1524000" y="3602038"/>
-            <a:ext cx="9144000" cy="1655762"/>
-          </a:xfrm>
-        </p:spPr>
-        <p:txBody>
-          <a:bodyPr/>
+            <a:off x="1751012" y="3886200"/>
+            <a:ext cx="8689976" cy="1371599"/>
+          </a:xfrm>
+        </p:spPr>
+        <p:txBody>
+          <a:bodyPr>
+            <a:normAutofit/>
+          </a:bodyPr>
           <a:lstStyle>
             <a:lvl1pPr marL="0" indent="0" algn="ctr">
               <a:buNone/>
-              <a:defRPr sz="2400"/>
+              <a:defRPr sz="2200">
+                <a:solidFill>
+                  <a:schemeClr val="bg1">
+                    <a:lumMod val="50000"/>
+                  </a:schemeClr>
+                </a:solidFill>
+              </a:defRPr>
             </a:lvl1pPr>
             <a:lvl2pPr marL="457200" indent="0" algn="ctr">
               <a:buNone/>
@@ -256,7 +297,7 @@
           <a:p>
             <a:fld id="{846CE7D5-CF57-46EF-B807-FDD0502418D4}" type="datetimeFigureOut">
               <a:rPr lang="en-US" smtClean="0"/>
-              <a:t>7/13/2021</a:t>
+              <a:t>13-Jul-21</a:t>
             </a:fld>
             <a:endParaRPr lang="en-US"/>
           </a:p>
@@ -307,7 +348,7 @@
     </p:spTree>
     <p:extLst>
       <p:ext uri="{BB962C8B-B14F-4D97-AF65-F5344CB8AC3E}">
-        <p14:creationId xmlns:p14="http://schemas.microsoft.com/office/powerpoint/2010/main" val="2385387890"/>
+        <p14:creationId xmlns:p14="http://schemas.microsoft.com/office/powerpoint/2010/main" val="3870657160"/>
       </p:ext>
     </p:extLst>
   </p:cSld>
@@ -318,6 +359,2713 @@
 </file>
 
 <file path=ppt/slideLayouts/slideLayout10.xml><?xml version="1.0" encoding="utf-8"?>
+<p:sldLayout xmlns:a="http://schemas.openxmlformats.org/drawingml/2006/main" xmlns:r="http://schemas.openxmlformats.org/officeDocument/2006/relationships" xmlns:p="http://schemas.openxmlformats.org/presentationml/2006/main" preserve="1">
+  <p:cSld name="Panoramic Picture with Caption">
+    <p:spTree>
+      <p:nvGrpSpPr>
+        <p:cNvPr id="1" name=""/>
+        <p:cNvGrpSpPr/>
+        <p:nvPr/>
+      </p:nvGrpSpPr>
+      <p:grpSpPr>
+        <a:xfrm>
+          <a:off x="0" y="0"/>
+          <a:ext cx="0" cy="0"/>
+          <a:chOff x="0" y="0"/>
+          <a:chExt cx="0" cy="0"/>
+        </a:xfrm>
+      </p:grpSpPr>
+      <p:pic>
+        <p:nvPicPr>
+          <p:cNvPr id="10" name="Picture 9" descr="Droplets-HD-Content-R1d.png"/>
+          <p:cNvPicPr>
+            <a:picLocks noChangeAspect="1"/>
+          </p:cNvPicPr>
+          <p:nvPr/>
+        </p:nvPicPr>
+        <p:blipFill>
+          <a:blip r:embed="rId2">
+            <a:extLst>
+              <a:ext uri="{28A0092B-C50C-407E-A947-70E740481C1C}">
+                <a14:useLocalDpi xmlns:a14="http://schemas.microsoft.com/office/drawing/2010/main" val="0"/>
+              </a:ext>
+            </a:extLst>
+          </a:blip>
+          <a:stretch>
+            <a:fillRect/>
+          </a:stretch>
+        </p:blipFill>
+        <p:spPr>
+          <a:xfrm>
+            <a:off x="0" y="0"/>
+            <a:ext cx="12192000" cy="6858000"/>
+          </a:xfrm>
+          <a:prstGeom prst="rect">
+            <a:avLst/>
+          </a:prstGeom>
+        </p:spPr>
+      </p:pic>
+      <p:sp>
+        <p:nvSpPr>
+          <p:cNvPr id="2" name="Title 1"/>
+          <p:cNvSpPr>
+            <a:spLocks noGrp="1"/>
+          </p:cNvSpPr>
+          <p:nvPr>
+            <p:ph type="title"/>
+          </p:nvPr>
+        </p:nvSpPr>
+        <p:spPr>
+          <a:xfrm>
+            <a:off x="913794" y="4289374"/>
+            <a:ext cx="10364432" cy="811610"/>
+          </a:xfrm>
+        </p:spPr>
+        <p:txBody>
+          <a:bodyPr anchor="b"/>
+          <a:lstStyle>
+            <a:lvl1pPr>
+              <a:defRPr sz="3200"/>
+            </a:lvl1pPr>
+          </a:lstStyle>
+          <a:p>
+            <a:r>
+              <a:rPr lang="en-US"/>
+              <a:t>Click to edit Master title style</a:t>
+            </a:r>
+            <a:endParaRPr lang="en-US" dirty="0"/>
+          </a:p>
+        </p:txBody>
+      </p:sp>
+      <p:sp>
+        <p:nvSpPr>
+          <p:cNvPr id="3" name="Picture Placeholder 2"/>
+          <p:cNvSpPr>
+            <a:spLocks noGrp="1" noChangeAspect="1"/>
+          </p:cNvSpPr>
+          <p:nvPr>
+            <p:ph type="pic" idx="1"/>
+          </p:nvPr>
+        </p:nvSpPr>
+        <p:spPr>
+          <a:xfrm>
+            <a:off x="1184744" y="698261"/>
+            <a:ext cx="9822532" cy="3214136"/>
+          </a:xfrm>
+          <a:prstGeom prst="roundRect">
+            <a:avLst>
+              <a:gd name="adj" fmla="val 4944"/>
+            </a:avLst>
+          </a:prstGeom>
+          <a:noFill/>
+          <a:ln w="82550" cap="sq">
+            <a:solidFill>
+              <a:srgbClr val="EAEAEA"/>
+            </a:solidFill>
+            <a:miter lim="800000"/>
+          </a:ln>
+          <a:effectLst/>
+          <a:scene3d>
+            <a:camera prst="orthographicFront"/>
+            <a:lightRig rig="threePt" dir="t">
+              <a:rot lat="0" lon="0" rev="2700000"/>
+            </a:lightRig>
+          </a:scene3d>
+          <a:sp3d contourW="6350">
+            <a:bevelT h="38100"/>
+            <a:contourClr>
+              <a:srgbClr val="C0C0C0"/>
+            </a:contourClr>
+          </a:sp3d>
+        </p:spPr>
+        <p:txBody>
+          <a:bodyPr anchor="t"/>
+          <a:lstStyle>
+            <a:lvl1pPr marL="0" indent="0" algn="ctr">
+              <a:buNone/>
+              <a:defRPr sz="3200"/>
+            </a:lvl1pPr>
+            <a:lvl2pPr marL="457200" indent="0">
+              <a:buNone/>
+              <a:defRPr sz="2800"/>
+            </a:lvl2pPr>
+            <a:lvl3pPr marL="914400" indent="0">
+              <a:buNone/>
+              <a:defRPr sz="2400"/>
+            </a:lvl3pPr>
+            <a:lvl4pPr marL="1371600" indent="0">
+              <a:buNone/>
+              <a:defRPr sz="2000"/>
+            </a:lvl4pPr>
+            <a:lvl5pPr marL="1828800" indent="0">
+              <a:buNone/>
+              <a:defRPr sz="2000"/>
+            </a:lvl5pPr>
+            <a:lvl6pPr marL="2286000" indent="0">
+              <a:buNone/>
+              <a:defRPr sz="2000"/>
+            </a:lvl6pPr>
+            <a:lvl7pPr marL="2743200" indent="0">
+              <a:buNone/>
+              <a:defRPr sz="2000"/>
+            </a:lvl7pPr>
+            <a:lvl8pPr marL="3200400" indent="0">
+              <a:buNone/>
+              <a:defRPr sz="2000"/>
+            </a:lvl8pPr>
+            <a:lvl9pPr marL="3657600" indent="0">
+              <a:buNone/>
+              <a:defRPr sz="2000"/>
+            </a:lvl9pPr>
+          </a:lstStyle>
+          <a:p>
+            <a:r>
+              <a:rPr lang="en-US"/>
+              <a:t>Click icon to add picture</a:t>
+            </a:r>
+            <a:endParaRPr lang="en-US" dirty="0"/>
+          </a:p>
+        </p:txBody>
+      </p:sp>
+      <p:sp>
+        <p:nvSpPr>
+          <p:cNvPr id="4" name="Text Placeholder 3"/>
+          <p:cNvSpPr>
+            <a:spLocks noGrp="1"/>
+          </p:cNvSpPr>
+          <p:nvPr>
+            <p:ph type="body" sz="half" idx="2"/>
+          </p:nvPr>
+        </p:nvSpPr>
+        <p:spPr>
+          <a:xfrm>
+            <a:off x="913774" y="5108728"/>
+            <a:ext cx="10364452" cy="682472"/>
+          </a:xfrm>
+        </p:spPr>
+        <p:txBody>
+          <a:bodyPr/>
+          <a:lstStyle>
+            <a:lvl1pPr marL="0" indent="0" algn="ctr">
+              <a:buNone/>
+              <a:defRPr sz="1600"/>
+            </a:lvl1pPr>
+            <a:lvl2pPr marL="457200" indent="0">
+              <a:buNone/>
+              <a:defRPr sz="1400"/>
+            </a:lvl2pPr>
+            <a:lvl3pPr marL="914400" indent="0">
+              <a:buNone/>
+              <a:defRPr sz="1200"/>
+            </a:lvl3pPr>
+            <a:lvl4pPr marL="1371600" indent="0">
+              <a:buNone/>
+              <a:defRPr sz="1000"/>
+            </a:lvl4pPr>
+            <a:lvl5pPr marL="1828800" indent="0">
+              <a:buNone/>
+              <a:defRPr sz="1000"/>
+            </a:lvl5pPr>
+            <a:lvl6pPr marL="2286000" indent="0">
+              <a:buNone/>
+              <a:defRPr sz="1000"/>
+            </a:lvl6pPr>
+            <a:lvl7pPr marL="2743200" indent="0">
+              <a:buNone/>
+              <a:defRPr sz="1000"/>
+            </a:lvl7pPr>
+            <a:lvl8pPr marL="3200400" indent="0">
+              <a:buNone/>
+              <a:defRPr sz="1000"/>
+            </a:lvl8pPr>
+            <a:lvl9pPr marL="3657600" indent="0">
+              <a:buNone/>
+              <a:defRPr sz="1000"/>
+            </a:lvl9pPr>
+          </a:lstStyle>
+          <a:p>
+            <a:pPr lvl="0"/>
+            <a:r>
+              <a:rPr lang="en-US"/>
+              <a:t>Click to edit Master text styles</a:t>
+            </a:r>
+          </a:p>
+        </p:txBody>
+      </p:sp>
+      <p:sp>
+        <p:nvSpPr>
+          <p:cNvPr id="5" name="Date Placeholder 4"/>
+          <p:cNvSpPr>
+            <a:spLocks noGrp="1"/>
+          </p:cNvSpPr>
+          <p:nvPr>
+            <p:ph type="dt" sz="half" idx="10"/>
+          </p:nvPr>
+        </p:nvSpPr>
+        <p:spPr/>
+        <p:txBody>
+          <a:bodyPr/>
+          <a:lstStyle/>
+          <a:p>
+            <a:fld id="{846CE7D5-CF57-46EF-B807-FDD0502418D4}" type="datetimeFigureOut">
+              <a:rPr lang="en-US" smtClean="0"/>
+              <a:t>13-Jul-21</a:t>
+            </a:fld>
+            <a:endParaRPr lang="en-US"/>
+          </a:p>
+        </p:txBody>
+      </p:sp>
+      <p:sp>
+        <p:nvSpPr>
+          <p:cNvPr id="6" name="Footer Placeholder 5"/>
+          <p:cNvSpPr>
+            <a:spLocks noGrp="1"/>
+          </p:cNvSpPr>
+          <p:nvPr>
+            <p:ph type="ftr" sz="quarter" idx="11"/>
+          </p:nvPr>
+        </p:nvSpPr>
+        <p:spPr/>
+        <p:txBody>
+          <a:bodyPr/>
+          <a:lstStyle/>
+          <a:p>
+            <a:endParaRPr lang="en-US"/>
+          </a:p>
+        </p:txBody>
+      </p:sp>
+      <p:sp>
+        <p:nvSpPr>
+          <p:cNvPr id="7" name="Slide Number Placeholder 6"/>
+          <p:cNvSpPr>
+            <a:spLocks noGrp="1"/>
+          </p:cNvSpPr>
+          <p:nvPr>
+            <p:ph type="sldNum" sz="quarter" idx="12"/>
+          </p:nvPr>
+        </p:nvSpPr>
+        <p:spPr/>
+        <p:txBody>
+          <a:bodyPr/>
+          <a:lstStyle/>
+          <a:p>
+            <a:fld id="{330EA680-D336-4FF7-8B7A-9848BB0A1C32}" type="slidenum">
+              <a:rPr lang="en-US" smtClean="0"/>
+              <a:t>‹#›</a:t>
+            </a:fld>
+            <a:endParaRPr lang="en-US"/>
+          </a:p>
+        </p:txBody>
+      </p:sp>
+    </p:spTree>
+    <p:extLst>
+      <p:ext uri="{BB962C8B-B14F-4D97-AF65-F5344CB8AC3E}">
+        <p14:creationId xmlns:p14="http://schemas.microsoft.com/office/powerpoint/2010/main" val="245210153"/>
+      </p:ext>
+    </p:extLst>
+  </p:cSld>
+  <p:clrMapOvr>
+    <a:masterClrMapping/>
+  </p:clrMapOvr>
+</p:sldLayout>
+</file>
+
+<file path=ppt/slideLayouts/slideLayout11.xml><?xml version="1.0" encoding="utf-8"?>
+<p:sldLayout xmlns:a="http://schemas.openxmlformats.org/drawingml/2006/main" xmlns:r="http://schemas.openxmlformats.org/officeDocument/2006/relationships" xmlns:p="http://schemas.openxmlformats.org/presentationml/2006/main" preserve="1">
+  <p:cSld name="Title and Caption">
+    <p:spTree>
+      <p:nvGrpSpPr>
+        <p:cNvPr id="1" name=""/>
+        <p:cNvGrpSpPr/>
+        <p:nvPr/>
+      </p:nvGrpSpPr>
+      <p:grpSpPr>
+        <a:xfrm>
+          <a:off x="0" y="0"/>
+          <a:ext cx="0" cy="0"/>
+          <a:chOff x="0" y="0"/>
+          <a:chExt cx="0" cy="0"/>
+        </a:xfrm>
+      </p:grpSpPr>
+      <p:pic>
+        <p:nvPicPr>
+          <p:cNvPr id="8" name="Picture 7" descr="Droplets-HD-Content-R1d.png"/>
+          <p:cNvPicPr>
+            <a:picLocks noChangeAspect="1"/>
+          </p:cNvPicPr>
+          <p:nvPr/>
+        </p:nvPicPr>
+        <p:blipFill>
+          <a:blip r:embed="rId2">
+            <a:extLst>
+              <a:ext uri="{28A0092B-C50C-407E-A947-70E740481C1C}">
+                <a14:useLocalDpi xmlns:a14="http://schemas.microsoft.com/office/drawing/2010/main" val="0"/>
+              </a:ext>
+            </a:extLst>
+          </a:blip>
+          <a:stretch>
+            <a:fillRect/>
+          </a:stretch>
+        </p:blipFill>
+        <p:spPr>
+          <a:xfrm>
+            <a:off x="0" y="0"/>
+            <a:ext cx="12192000" cy="6858000"/>
+          </a:xfrm>
+          <a:prstGeom prst="rect">
+            <a:avLst/>
+          </a:prstGeom>
+        </p:spPr>
+      </p:pic>
+      <p:sp>
+        <p:nvSpPr>
+          <p:cNvPr id="2" name="Title 1"/>
+          <p:cNvSpPr>
+            <a:spLocks noGrp="1"/>
+          </p:cNvSpPr>
+          <p:nvPr>
+            <p:ph type="title"/>
+          </p:nvPr>
+        </p:nvSpPr>
+        <p:spPr>
+          <a:xfrm>
+            <a:off x="913774" y="609599"/>
+            <a:ext cx="10364452" cy="3427245"/>
+          </a:xfrm>
+        </p:spPr>
+        <p:txBody>
+          <a:bodyPr anchor="ctr"/>
+          <a:lstStyle>
+            <a:lvl1pPr algn="ctr">
+              <a:defRPr sz="3200"/>
+            </a:lvl1pPr>
+          </a:lstStyle>
+          <a:p>
+            <a:r>
+              <a:rPr lang="en-US"/>
+              <a:t>Click to edit Master title style</a:t>
+            </a:r>
+            <a:endParaRPr lang="en-US" dirty="0"/>
+          </a:p>
+        </p:txBody>
+      </p:sp>
+      <p:sp>
+        <p:nvSpPr>
+          <p:cNvPr id="4" name="Text Placeholder 3"/>
+          <p:cNvSpPr>
+            <a:spLocks noGrp="1"/>
+          </p:cNvSpPr>
+          <p:nvPr>
+            <p:ph type="body" sz="half" idx="2"/>
+          </p:nvPr>
+        </p:nvSpPr>
+        <p:spPr>
+          <a:xfrm>
+            <a:off x="913775" y="4204821"/>
+            <a:ext cx="10364452" cy="1586380"/>
+          </a:xfrm>
+        </p:spPr>
+        <p:txBody>
+          <a:bodyPr anchor="ctr"/>
+          <a:lstStyle>
+            <a:lvl1pPr marL="0" indent="0" algn="ctr">
+              <a:buNone/>
+              <a:defRPr sz="1600"/>
+            </a:lvl1pPr>
+            <a:lvl2pPr marL="457200" indent="0">
+              <a:buNone/>
+              <a:defRPr sz="1400"/>
+            </a:lvl2pPr>
+            <a:lvl3pPr marL="914400" indent="0">
+              <a:buNone/>
+              <a:defRPr sz="1200"/>
+            </a:lvl3pPr>
+            <a:lvl4pPr marL="1371600" indent="0">
+              <a:buNone/>
+              <a:defRPr sz="1000"/>
+            </a:lvl4pPr>
+            <a:lvl5pPr marL="1828800" indent="0">
+              <a:buNone/>
+              <a:defRPr sz="1000"/>
+            </a:lvl5pPr>
+            <a:lvl6pPr marL="2286000" indent="0">
+              <a:buNone/>
+              <a:defRPr sz="1000"/>
+            </a:lvl6pPr>
+            <a:lvl7pPr marL="2743200" indent="0">
+              <a:buNone/>
+              <a:defRPr sz="1000"/>
+            </a:lvl7pPr>
+            <a:lvl8pPr marL="3200400" indent="0">
+              <a:buNone/>
+              <a:defRPr sz="1000"/>
+            </a:lvl8pPr>
+            <a:lvl9pPr marL="3657600" indent="0">
+              <a:buNone/>
+              <a:defRPr sz="1000"/>
+            </a:lvl9pPr>
+          </a:lstStyle>
+          <a:p>
+            <a:pPr lvl="0"/>
+            <a:r>
+              <a:rPr lang="en-US"/>
+              <a:t>Click to edit Master text styles</a:t>
+            </a:r>
+          </a:p>
+        </p:txBody>
+      </p:sp>
+      <p:sp>
+        <p:nvSpPr>
+          <p:cNvPr id="5" name="Date Placeholder 4"/>
+          <p:cNvSpPr>
+            <a:spLocks noGrp="1"/>
+          </p:cNvSpPr>
+          <p:nvPr>
+            <p:ph type="dt" sz="half" idx="10"/>
+          </p:nvPr>
+        </p:nvSpPr>
+        <p:spPr/>
+        <p:txBody>
+          <a:bodyPr/>
+          <a:lstStyle/>
+          <a:p>
+            <a:fld id="{846CE7D5-CF57-46EF-B807-FDD0502418D4}" type="datetimeFigureOut">
+              <a:rPr lang="en-US" smtClean="0"/>
+              <a:t>13-Jul-21</a:t>
+            </a:fld>
+            <a:endParaRPr lang="en-US"/>
+          </a:p>
+        </p:txBody>
+      </p:sp>
+      <p:sp>
+        <p:nvSpPr>
+          <p:cNvPr id="6" name="Footer Placeholder 5"/>
+          <p:cNvSpPr>
+            <a:spLocks noGrp="1"/>
+          </p:cNvSpPr>
+          <p:nvPr>
+            <p:ph type="ftr" sz="quarter" idx="11"/>
+          </p:nvPr>
+        </p:nvSpPr>
+        <p:spPr/>
+        <p:txBody>
+          <a:bodyPr/>
+          <a:lstStyle/>
+          <a:p>
+            <a:endParaRPr lang="en-US"/>
+          </a:p>
+        </p:txBody>
+      </p:sp>
+      <p:sp>
+        <p:nvSpPr>
+          <p:cNvPr id="7" name="Slide Number Placeholder 6"/>
+          <p:cNvSpPr>
+            <a:spLocks noGrp="1"/>
+          </p:cNvSpPr>
+          <p:nvPr>
+            <p:ph type="sldNum" sz="quarter" idx="12"/>
+          </p:nvPr>
+        </p:nvSpPr>
+        <p:spPr/>
+        <p:txBody>
+          <a:bodyPr/>
+          <a:lstStyle/>
+          <a:p>
+            <a:fld id="{330EA680-D336-4FF7-8B7A-9848BB0A1C32}" type="slidenum">
+              <a:rPr lang="en-US" smtClean="0"/>
+              <a:t>‹#›</a:t>
+            </a:fld>
+            <a:endParaRPr lang="en-US"/>
+          </a:p>
+        </p:txBody>
+      </p:sp>
+    </p:spTree>
+    <p:extLst>
+      <p:ext uri="{BB962C8B-B14F-4D97-AF65-F5344CB8AC3E}">
+        <p14:creationId xmlns:p14="http://schemas.microsoft.com/office/powerpoint/2010/main" val="561102868"/>
+      </p:ext>
+    </p:extLst>
+  </p:cSld>
+  <p:clrMapOvr>
+    <a:masterClrMapping/>
+  </p:clrMapOvr>
+</p:sldLayout>
+</file>
+
+<file path=ppt/slideLayouts/slideLayout12.xml><?xml version="1.0" encoding="utf-8"?>
+<p:sldLayout xmlns:a="http://schemas.openxmlformats.org/drawingml/2006/main" xmlns:r="http://schemas.openxmlformats.org/officeDocument/2006/relationships" xmlns:p="http://schemas.openxmlformats.org/presentationml/2006/main" preserve="1">
+  <p:cSld name="Quote with Caption">
+    <p:spTree>
+      <p:nvGrpSpPr>
+        <p:cNvPr id="1" name=""/>
+        <p:cNvGrpSpPr/>
+        <p:nvPr/>
+      </p:nvGrpSpPr>
+      <p:grpSpPr>
+        <a:xfrm>
+          <a:off x="0" y="0"/>
+          <a:ext cx="0" cy="0"/>
+          <a:chOff x="0" y="0"/>
+          <a:chExt cx="0" cy="0"/>
+        </a:xfrm>
+      </p:grpSpPr>
+      <p:pic>
+        <p:nvPicPr>
+          <p:cNvPr id="11" name="Picture 10" descr="Droplets-HD-Content-R1d.png"/>
+          <p:cNvPicPr>
+            <a:picLocks noChangeAspect="1"/>
+          </p:cNvPicPr>
+          <p:nvPr/>
+        </p:nvPicPr>
+        <p:blipFill>
+          <a:blip r:embed="rId2">
+            <a:extLst>
+              <a:ext uri="{28A0092B-C50C-407E-A947-70E740481C1C}">
+                <a14:useLocalDpi xmlns:a14="http://schemas.microsoft.com/office/drawing/2010/main" val="0"/>
+              </a:ext>
+            </a:extLst>
+          </a:blip>
+          <a:stretch>
+            <a:fillRect/>
+          </a:stretch>
+        </p:blipFill>
+        <p:spPr>
+          <a:xfrm>
+            <a:off x="0" y="0"/>
+            <a:ext cx="12192000" cy="6858000"/>
+          </a:xfrm>
+          <a:prstGeom prst="rect">
+            <a:avLst/>
+          </a:prstGeom>
+        </p:spPr>
+      </p:pic>
+      <p:sp>
+        <p:nvSpPr>
+          <p:cNvPr id="2" name="Title 1"/>
+          <p:cNvSpPr>
+            <a:spLocks noGrp="1"/>
+          </p:cNvSpPr>
+          <p:nvPr>
+            <p:ph type="title"/>
+          </p:nvPr>
+        </p:nvSpPr>
+        <p:spPr>
+          <a:xfrm>
+            <a:off x="1446212" y="609600"/>
+            <a:ext cx="9302752" cy="2992904"/>
+          </a:xfrm>
+        </p:spPr>
+        <p:txBody>
+          <a:bodyPr anchor="ctr"/>
+          <a:lstStyle>
+            <a:lvl1pPr>
+              <a:defRPr sz="3200"/>
+            </a:lvl1pPr>
+          </a:lstStyle>
+          <a:p>
+            <a:r>
+              <a:rPr lang="en-US"/>
+              <a:t>Click to edit Master title style</a:t>
+            </a:r>
+            <a:endParaRPr lang="en-US" dirty="0"/>
+          </a:p>
+        </p:txBody>
+      </p:sp>
+      <p:sp>
+        <p:nvSpPr>
+          <p:cNvPr id="12" name="Text Placeholder 3"/>
+          <p:cNvSpPr>
+            <a:spLocks noGrp="1"/>
+          </p:cNvSpPr>
+          <p:nvPr>
+            <p:ph type="body" sz="half" idx="13"/>
+          </p:nvPr>
+        </p:nvSpPr>
+        <p:spPr>
+          <a:xfrm>
+            <a:off x="1720644" y="3610032"/>
+            <a:ext cx="8752299" cy="594788"/>
+          </a:xfrm>
+        </p:spPr>
+        <p:txBody>
+          <a:bodyPr anchor="t">
+            <a:normAutofit/>
+          </a:bodyPr>
+          <a:lstStyle>
+            <a:lvl1pPr marL="0" indent="0">
+              <a:buNone/>
+              <a:defRPr sz="1400"/>
+            </a:lvl1pPr>
+            <a:lvl2pPr marL="457200" indent="0">
+              <a:buNone/>
+              <a:defRPr sz="1400"/>
+            </a:lvl2pPr>
+            <a:lvl3pPr marL="914400" indent="0">
+              <a:buNone/>
+              <a:defRPr sz="1200"/>
+            </a:lvl3pPr>
+            <a:lvl4pPr marL="1371600" indent="0">
+              <a:buNone/>
+              <a:defRPr sz="1000"/>
+            </a:lvl4pPr>
+            <a:lvl5pPr marL="1828800" indent="0">
+              <a:buNone/>
+              <a:defRPr sz="1000"/>
+            </a:lvl5pPr>
+            <a:lvl6pPr marL="2286000" indent="0">
+              <a:buNone/>
+              <a:defRPr sz="1000"/>
+            </a:lvl6pPr>
+            <a:lvl7pPr marL="2743200" indent="0">
+              <a:buNone/>
+              <a:defRPr sz="1000"/>
+            </a:lvl7pPr>
+            <a:lvl8pPr marL="3200400" indent="0">
+              <a:buNone/>
+              <a:defRPr sz="1000"/>
+            </a:lvl8pPr>
+            <a:lvl9pPr marL="3657600" indent="0">
+              <a:buNone/>
+              <a:defRPr sz="1000"/>
+            </a:lvl9pPr>
+          </a:lstStyle>
+          <a:p>
+            <a:pPr lvl="0"/>
+            <a:r>
+              <a:rPr lang="en-US"/>
+              <a:t>Click to edit Master text styles</a:t>
+            </a:r>
+          </a:p>
+        </p:txBody>
+      </p:sp>
+      <p:sp>
+        <p:nvSpPr>
+          <p:cNvPr id="4" name="Text Placeholder 3"/>
+          <p:cNvSpPr>
+            <a:spLocks noGrp="1"/>
+          </p:cNvSpPr>
+          <p:nvPr>
+            <p:ph type="body" sz="half" idx="2"/>
+          </p:nvPr>
+        </p:nvSpPr>
+        <p:spPr>
+          <a:xfrm>
+            <a:off x="913774" y="4372796"/>
+            <a:ext cx="10364452" cy="1421053"/>
+          </a:xfrm>
+        </p:spPr>
+        <p:txBody>
+          <a:bodyPr anchor="ctr">
+            <a:normAutofit/>
+          </a:bodyPr>
+          <a:lstStyle>
+            <a:lvl1pPr marL="0" indent="0" algn="ctr">
+              <a:buNone/>
+              <a:defRPr sz="1600"/>
+            </a:lvl1pPr>
+            <a:lvl2pPr marL="457200" indent="0">
+              <a:buNone/>
+              <a:defRPr sz="1400"/>
+            </a:lvl2pPr>
+            <a:lvl3pPr marL="914400" indent="0">
+              <a:buNone/>
+              <a:defRPr sz="1200"/>
+            </a:lvl3pPr>
+            <a:lvl4pPr marL="1371600" indent="0">
+              <a:buNone/>
+              <a:defRPr sz="1000"/>
+            </a:lvl4pPr>
+            <a:lvl5pPr marL="1828800" indent="0">
+              <a:buNone/>
+              <a:defRPr sz="1000"/>
+            </a:lvl5pPr>
+            <a:lvl6pPr marL="2286000" indent="0">
+              <a:buNone/>
+              <a:defRPr sz="1000"/>
+            </a:lvl6pPr>
+            <a:lvl7pPr marL="2743200" indent="0">
+              <a:buNone/>
+              <a:defRPr sz="1000"/>
+            </a:lvl7pPr>
+            <a:lvl8pPr marL="3200400" indent="0">
+              <a:buNone/>
+              <a:defRPr sz="1000"/>
+            </a:lvl8pPr>
+            <a:lvl9pPr marL="3657600" indent="0">
+              <a:buNone/>
+              <a:defRPr sz="1000"/>
+            </a:lvl9pPr>
+          </a:lstStyle>
+          <a:p>
+            <a:pPr lvl="0"/>
+            <a:r>
+              <a:rPr lang="en-US"/>
+              <a:t>Click to edit Master text styles</a:t>
+            </a:r>
+          </a:p>
+        </p:txBody>
+      </p:sp>
+      <p:sp>
+        <p:nvSpPr>
+          <p:cNvPr id="5" name="Date Placeholder 4"/>
+          <p:cNvSpPr>
+            <a:spLocks noGrp="1"/>
+          </p:cNvSpPr>
+          <p:nvPr>
+            <p:ph type="dt" sz="half" idx="10"/>
+          </p:nvPr>
+        </p:nvSpPr>
+        <p:spPr/>
+        <p:txBody>
+          <a:bodyPr/>
+          <a:lstStyle/>
+          <a:p>
+            <a:fld id="{846CE7D5-CF57-46EF-B807-FDD0502418D4}" type="datetimeFigureOut">
+              <a:rPr lang="en-US" smtClean="0"/>
+              <a:t>13-Jul-21</a:t>
+            </a:fld>
+            <a:endParaRPr lang="en-US"/>
+          </a:p>
+        </p:txBody>
+      </p:sp>
+      <p:sp>
+        <p:nvSpPr>
+          <p:cNvPr id="6" name="Footer Placeholder 5"/>
+          <p:cNvSpPr>
+            <a:spLocks noGrp="1"/>
+          </p:cNvSpPr>
+          <p:nvPr>
+            <p:ph type="ftr" sz="quarter" idx="11"/>
+          </p:nvPr>
+        </p:nvSpPr>
+        <p:spPr/>
+        <p:txBody>
+          <a:bodyPr/>
+          <a:lstStyle/>
+          <a:p>
+            <a:endParaRPr lang="en-US"/>
+          </a:p>
+        </p:txBody>
+      </p:sp>
+      <p:sp>
+        <p:nvSpPr>
+          <p:cNvPr id="7" name="Slide Number Placeholder 6"/>
+          <p:cNvSpPr>
+            <a:spLocks noGrp="1"/>
+          </p:cNvSpPr>
+          <p:nvPr>
+            <p:ph type="sldNum" sz="quarter" idx="12"/>
+          </p:nvPr>
+        </p:nvSpPr>
+        <p:spPr/>
+        <p:txBody>
+          <a:bodyPr/>
+          <a:lstStyle/>
+          <a:p>
+            <a:fld id="{330EA680-D336-4FF7-8B7A-9848BB0A1C32}" type="slidenum">
+              <a:rPr lang="en-US" smtClean="0"/>
+              <a:t>‹#›</a:t>
+            </a:fld>
+            <a:endParaRPr lang="en-US"/>
+          </a:p>
+        </p:txBody>
+      </p:sp>
+      <p:sp>
+        <p:nvSpPr>
+          <p:cNvPr id="13" name="TextBox 12"/>
+          <p:cNvSpPr txBox="1"/>
+          <p:nvPr/>
+        </p:nvSpPr>
+        <p:spPr>
+          <a:xfrm>
+            <a:off x="1001488" y="754166"/>
+            <a:ext cx="609600" cy="584776"/>
+          </a:xfrm>
+          <a:prstGeom prst="rect">
+            <a:avLst/>
+          </a:prstGeom>
+        </p:spPr>
+        <p:txBody>
+          <a:bodyPr vert="horz" lIns="91440" tIns="45720" rIns="91440" bIns="45720" rtlCol="0" anchor="ctr">
+            <a:noAutofit/>
+          </a:bodyPr>
+          <a:lstStyle>
+            <a:lvl1pPr>
+              <a:spcBef>
+                <a:spcPct val="0"/>
+              </a:spcBef>
+              <a:buNone/>
+              <a:defRPr sz="3200" b="0" cap="all">
+                <a:ln w="3175" cmpd="sng">
+                  <a:noFill/>
+                </a:ln>
+                <a:effectLst>
+                  <a:glow rad="38100">
+                    <a:schemeClr val="bg1">
+                      <a:lumMod val="65000"/>
+                      <a:lumOff val="35000"/>
+                      <a:alpha val="40000"/>
+                    </a:schemeClr>
+                  </a:glow>
+                  <a:outerShdw blurRad="28575" dist="38100" dir="14040000" algn="tl" rotWithShape="0">
+                    <a:srgbClr val="000000">
+                      <a:alpha val="25000"/>
+                    </a:srgbClr>
+                  </a:outerShdw>
+                </a:effectLst>
+              </a:defRPr>
+            </a:lvl1pPr>
+            <a:lvl2pPr>
+              <a:defRPr>
+                <a:solidFill>
+                  <a:schemeClr val="tx2"/>
+                </a:solidFill>
+              </a:defRPr>
+            </a:lvl2pPr>
+            <a:lvl3pPr>
+              <a:defRPr>
+                <a:solidFill>
+                  <a:schemeClr val="tx2"/>
+                </a:solidFill>
+              </a:defRPr>
+            </a:lvl3pPr>
+            <a:lvl4pPr>
+              <a:defRPr>
+                <a:solidFill>
+                  <a:schemeClr val="tx2"/>
+                </a:solidFill>
+              </a:defRPr>
+            </a:lvl4pPr>
+            <a:lvl5pPr>
+              <a:defRPr>
+                <a:solidFill>
+                  <a:schemeClr val="tx2"/>
+                </a:solidFill>
+              </a:defRPr>
+            </a:lvl5pPr>
+            <a:lvl6pPr>
+              <a:defRPr>
+                <a:solidFill>
+                  <a:schemeClr val="tx2"/>
+                </a:solidFill>
+              </a:defRPr>
+            </a:lvl6pPr>
+            <a:lvl7pPr>
+              <a:defRPr>
+                <a:solidFill>
+                  <a:schemeClr val="tx2"/>
+                </a:solidFill>
+              </a:defRPr>
+            </a:lvl7pPr>
+            <a:lvl8pPr>
+              <a:defRPr>
+                <a:solidFill>
+                  <a:schemeClr val="tx2"/>
+                </a:solidFill>
+              </a:defRPr>
+            </a:lvl8pPr>
+            <a:lvl9pPr>
+              <a:defRPr>
+                <a:solidFill>
+                  <a:schemeClr val="tx2"/>
+                </a:solidFill>
+              </a:defRPr>
+            </a:lvl9pPr>
+          </a:lstStyle>
+          <a:p>
+            <a:pPr lvl="0"/>
+            <a:r>
+              <a:rPr lang="en-US" sz="8000" dirty="0">
+                <a:solidFill>
+                  <a:schemeClr val="tx1"/>
+                </a:solidFill>
+                <a:effectLst/>
+              </a:rPr>
+              <a:t>“</a:t>
+            </a:r>
+          </a:p>
+        </p:txBody>
+      </p:sp>
+      <p:sp>
+        <p:nvSpPr>
+          <p:cNvPr id="14" name="TextBox 13"/>
+          <p:cNvSpPr txBox="1"/>
+          <p:nvPr/>
+        </p:nvSpPr>
+        <p:spPr>
+          <a:xfrm>
+            <a:off x="10557558" y="2993578"/>
+            <a:ext cx="609600" cy="584776"/>
+          </a:xfrm>
+          <a:prstGeom prst="rect">
+            <a:avLst/>
+          </a:prstGeom>
+        </p:spPr>
+        <p:txBody>
+          <a:bodyPr vert="horz" lIns="91440" tIns="45720" rIns="91440" bIns="45720" rtlCol="0" anchor="ctr">
+            <a:noAutofit/>
+          </a:bodyPr>
+          <a:lstStyle>
+            <a:lvl1pPr>
+              <a:spcBef>
+                <a:spcPct val="0"/>
+              </a:spcBef>
+              <a:buNone/>
+              <a:defRPr sz="3200" b="0" cap="all">
+                <a:ln w="3175" cmpd="sng">
+                  <a:noFill/>
+                </a:ln>
+                <a:effectLst>
+                  <a:glow rad="38100">
+                    <a:schemeClr val="bg1">
+                      <a:lumMod val="65000"/>
+                      <a:lumOff val="35000"/>
+                      <a:alpha val="40000"/>
+                    </a:schemeClr>
+                  </a:glow>
+                  <a:outerShdw blurRad="28575" dist="38100" dir="14040000" algn="tl" rotWithShape="0">
+                    <a:srgbClr val="000000">
+                      <a:alpha val="25000"/>
+                    </a:srgbClr>
+                  </a:outerShdw>
+                </a:effectLst>
+              </a:defRPr>
+            </a:lvl1pPr>
+            <a:lvl2pPr>
+              <a:defRPr>
+                <a:solidFill>
+                  <a:schemeClr val="tx2"/>
+                </a:solidFill>
+              </a:defRPr>
+            </a:lvl2pPr>
+            <a:lvl3pPr>
+              <a:defRPr>
+                <a:solidFill>
+                  <a:schemeClr val="tx2"/>
+                </a:solidFill>
+              </a:defRPr>
+            </a:lvl3pPr>
+            <a:lvl4pPr>
+              <a:defRPr>
+                <a:solidFill>
+                  <a:schemeClr val="tx2"/>
+                </a:solidFill>
+              </a:defRPr>
+            </a:lvl4pPr>
+            <a:lvl5pPr>
+              <a:defRPr>
+                <a:solidFill>
+                  <a:schemeClr val="tx2"/>
+                </a:solidFill>
+              </a:defRPr>
+            </a:lvl5pPr>
+            <a:lvl6pPr>
+              <a:defRPr>
+                <a:solidFill>
+                  <a:schemeClr val="tx2"/>
+                </a:solidFill>
+              </a:defRPr>
+            </a:lvl6pPr>
+            <a:lvl7pPr>
+              <a:defRPr>
+                <a:solidFill>
+                  <a:schemeClr val="tx2"/>
+                </a:solidFill>
+              </a:defRPr>
+            </a:lvl7pPr>
+            <a:lvl8pPr>
+              <a:defRPr>
+                <a:solidFill>
+                  <a:schemeClr val="tx2"/>
+                </a:solidFill>
+              </a:defRPr>
+            </a:lvl8pPr>
+            <a:lvl9pPr>
+              <a:defRPr>
+                <a:solidFill>
+                  <a:schemeClr val="tx2"/>
+                </a:solidFill>
+              </a:defRPr>
+            </a:lvl9pPr>
+          </a:lstStyle>
+          <a:p>
+            <a:pPr lvl="0" algn="r"/>
+            <a:r>
+              <a:rPr lang="en-US" sz="8000" dirty="0">
+                <a:solidFill>
+                  <a:schemeClr val="tx1"/>
+                </a:solidFill>
+                <a:effectLst/>
+              </a:rPr>
+              <a:t>”</a:t>
+            </a:r>
+          </a:p>
+        </p:txBody>
+      </p:sp>
+    </p:spTree>
+    <p:extLst>
+      <p:ext uri="{BB962C8B-B14F-4D97-AF65-F5344CB8AC3E}">
+        <p14:creationId xmlns:p14="http://schemas.microsoft.com/office/powerpoint/2010/main" val="3091499466"/>
+      </p:ext>
+    </p:extLst>
+  </p:cSld>
+  <p:clrMapOvr>
+    <a:masterClrMapping/>
+  </p:clrMapOvr>
+</p:sldLayout>
+</file>
+
+<file path=ppt/slideLayouts/slideLayout13.xml><?xml version="1.0" encoding="utf-8"?>
+<p:sldLayout xmlns:a="http://schemas.openxmlformats.org/drawingml/2006/main" xmlns:r="http://schemas.openxmlformats.org/officeDocument/2006/relationships" xmlns:p="http://schemas.openxmlformats.org/presentationml/2006/main" preserve="1">
+  <p:cSld name="Name Card">
+    <p:spTree>
+      <p:nvGrpSpPr>
+        <p:cNvPr id="1" name=""/>
+        <p:cNvGrpSpPr/>
+        <p:nvPr/>
+      </p:nvGrpSpPr>
+      <p:grpSpPr>
+        <a:xfrm>
+          <a:off x="0" y="0"/>
+          <a:ext cx="0" cy="0"/>
+          <a:chOff x="0" y="0"/>
+          <a:chExt cx="0" cy="0"/>
+        </a:xfrm>
+      </p:grpSpPr>
+      <p:pic>
+        <p:nvPicPr>
+          <p:cNvPr id="8" name="Picture 7" descr="Droplets-HD-Content-R1d.png"/>
+          <p:cNvPicPr>
+            <a:picLocks noChangeAspect="1"/>
+          </p:cNvPicPr>
+          <p:nvPr/>
+        </p:nvPicPr>
+        <p:blipFill>
+          <a:blip r:embed="rId2">
+            <a:extLst>
+              <a:ext uri="{28A0092B-C50C-407E-A947-70E740481C1C}">
+                <a14:useLocalDpi xmlns:a14="http://schemas.microsoft.com/office/drawing/2010/main" val="0"/>
+              </a:ext>
+            </a:extLst>
+          </a:blip>
+          <a:stretch>
+            <a:fillRect/>
+          </a:stretch>
+        </p:blipFill>
+        <p:spPr>
+          <a:xfrm>
+            <a:off x="0" y="0"/>
+            <a:ext cx="12192000" cy="6858000"/>
+          </a:xfrm>
+          <a:prstGeom prst="rect">
+            <a:avLst/>
+          </a:prstGeom>
+        </p:spPr>
+      </p:pic>
+      <p:sp>
+        <p:nvSpPr>
+          <p:cNvPr id="2" name="Title 1"/>
+          <p:cNvSpPr>
+            <a:spLocks noGrp="1"/>
+          </p:cNvSpPr>
+          <p:nvPr>
+            <p:ph type="title"/>
+          </p:nvPr>
+        </p:nvSpPr>
+        <p:spPr>
+          <a:xfrm>
+            <a:off x="913775" y="2138721"/>
+            <a:ext cx="10364452" cy="2511835"/>
+          </a:xfrm>
+        </p:spPr>
+        <p:txBody>
+          <a:bodyPr anchor="b"/>
+          <a:lstStyle>
+            <a:lvl1pPr algn="ctr">
+              <a:defRPr sz="3200"/>
+            </a:lvl1pPr>
+          </a:lstStyle>
+          <a:p>
+            <a:r>
+              <a:rPr lang="en-US"/>
+              <a:t>Click to edit Master title style</a:t>
+            </a:r>
+            <a:endParaRPr lang="en-US" dirty="0"/>
+          </a:p>
+        </p:txBody>
+      </p:sp>
+      <p:sp>
+        <p:nvSpPr>
+          <p:cNvPr id="4" name="Text Placeholder 3"/>
+          <p:cNvSpPr>
+            <a:spLocks noGrp="1"/>
+          </p:cNvSpPr>
+          <p:nvPr>
+            <p:ph type="body" sz="half" idx="2"/>
+          </p:nvPr>
+        </p:nvSpPr>
+        <p:spPr>
+          <a:xfrm>
+            <a:off x="913775" y="4662335"/>
+            <a:ext cx="10364452" cy="1140644"/>
+          </a:xfrm>
+        </p:spPr>
+        <p:txBody>
+          <a:bodyPr anchor="t"/>
+          <a:lstStyle>
+            <a:lvl1pPr marL="0" indent="0" algn="ctr">
+              <a:buNone/>
+              <a:defRPr sz="1600"/>
+            </a:lvl1pPr>
+            <a:lvl2pPr marL="457200" indent="0">
+              <a:buNone/>
+              <a:defRPr sz="1400"/>
+            </a:lvl2pPr>
+            <a:lvl3pPr marL="914400" indent="0">
+              <a:buNone/>
+              <a:defRPr sz="1200"/>
+            </a:lvl3pPr>
+            <a:lvl4pPr marL="1371600" indent="0">
+              <a:buNone/>
+              <a:defRPr sz="1000"/>
+            </a:lvl4pPr>
+            <a:lvl5pPr marL="1828800" indent="0">
+              <a:buNone/>
+              <a:defRPr sz="1000"/>
+            </a:lvl5pPr>
+            <a:lvl6pPr marL="2286000" indent="0">
+              <a:buNone/>
+              <a:defRPr sz="1000"/>
+            </a:lvl6pPr>
+            <a:lvl7pPr marL="2743200" indent="0">
+              <a:buNone/>
+              <a:defRPr sz="1000"/>
+            </a:lvl7pPr>
+            <a:lvl8pPr marL="3200400" indent="0">
+              <a:buNone/>
+              <a:defRPr sz="1000"/>
+            </a:lvl8pPr>
+            <a:lvl9pPr marL="3657600" indent="0">
+              <a:buNone/>
+              <a:defRPr sz="1000"/>
+            </a:lvl9pPr>
+          </a:lstStyle>
+          <a:p>
+            <a:pPr lvl="0"/>
+            <a:r>
+              <a:rPr lang="en-US"/>
+              <a:t>Click to edit Master text styles</a:t>
+            </a:r>
+          </a:p>
+        </p:txBody>
+      </p:sp>
+      <p:sp>
+        <p:nvSpPr>
+          <p:cNvPr id="5" name="Date Placeholder 4"/>
+          <p:cNvSpPr>
+            <a:spLocks noGrp="1"/>
+          </p:cNvSpPr>
+          <p:nvPr>
+            <p:ph type="dt" sz="half" idx="10"/>
+          </p:nvPr>
+        </p:nvSpPr>
+        <p:spPr/>
+        <p:txBody>
+          <a:bodyPr/>
+          <a:lstStyle/>
+          <a:p>
+            <a:fld id="{846CE7D5-CF57-46EF-B807-FDD0502418D4}" type="datetimeFigureOut">
+              <a:rPr lang="en-US" smtClean="0"/>
+              <a:t>13-Jul-21</a:t>
+            </a:fld>
+            <a:endParaRPr lang="en-US"/>
+          </a:p>
+        </p:txBody>
+      </p:sp>
+      <p:sp>
+        <p:nvSpPr>
+          <p:cNvPr id="6" name="Footer Placeholder 5"/>
+          <p:cNvSpPr>
+            <a:spLocks noGrp="1"/>
+          </p:cNvSpPr>
+          <p:nvPr>
+            <p:ph type="ftr" sz="quarter" idx="11"/>
+          </p:nvPr>
+        </p:nvSpPr>
+        <p:spPr/>
+        <p:txBody>
+          <a:bodyPr/>
+          <a:lstStyle/>
+          <a:p>
+            <a:endParaRPr lang="en-US"/>
+          </a:p>
+        </p:txBody>
+      </p:sp>
+      <p:sp>
+        <p:nvSpPr>
+          <p:cNvPr id="7" name="Slide Number Placeholder 6"/>
+          <p:cNvSpPr>
+            <a:spLocks noGrp="1"/>
+          </p:cNvSpPr>
+          <p:nvPr>
+            <p:ph type="sldNum" sz="quarter" idx="12"/>
+          </p:nvPr>
+        </p:nvSpPr>
+        <p:spPr/>
+        <p:txBody>
+          <a:bodyPr/>
+          <a:lstStyle/>
+          <a:p>
+            <a:fld id="{330EA680-D336-4FF7-8B7A-9848BB0A1C32}" type="slidenum">
+              <a:rPr lang="en-US" smtClean="0"/>
+              <a:t>‹#›</a:t>
+            </a:fld>
+            <a:endParaRPr lang="en-US"/>
+          </a:p>
+        </p:txBody>
+      </p:sp>
+    </p:spTree>
+    <p:extLst>
+      <p:ext uri="{BB962C8B-B14F-4D97-AF65-F5344CB8AC3E}">
+        <p14:creationId xmlns:p14="http://schemas.microsoft.com/office/powerpoint/2010/main" val="267794928"/>
+      </p:ext>
+    </p:extLst>
+  </p:cSld>
+  <p:clrMapOvr>
+    <a:masterClrMapping/>
+  </p:clrMapOvr>
+</p:sldLayout>
+</file>
+
+<file path=ppt/slideLayouts/slideLayout14.xml><?xml version="1.0" encoding="utf-8"?>
+<p:sldLayout xmlns:a="http://schemas.openxmlformats.org/drawingml/2006/main" xmlns:r="http://schemas.openxmlformats.org/officeDocument/2006/relationships" xmlns:p="http://schemas.openxmlformats.org/presentationml/2006/main" preserve="1">
+  <p:cSld name="3 Column">
+    <p:spTree>
+      <p:nvGrpSpPr>
+        <p:cNvPr id="1" name=""/>
+        <p:cNvGrpSpPr/>
+        <p:nvPr/>
+      </p:nvGrpSpPr>
+      <p:grpSpPr>
+        <a:xfrm>
+          <a:off x="0" y="0"/>
+          <a:ext cx="0" cy="0"/>
+          <a:chOff x="0" y="0"/>
+          <a:chExt cx="0" cy="0"/>
+        </a:xfrm>
+      </p:grpSpPr>
+      <p:pic>
+        <p:nvPicPr>
+          <p:cNvPr id="13" name="Picture 12" descr="Droplets-HD-Content-R1d.png"/>
+          <p:cNvPicPr>
+            <a:picLocks noChangeAspect="1"/>
+          </p:cNvPicPr>
+          <p:nvPr/>
+        </p:nvPicPr>
+        <p:blipFill>
+          <a:blip r:embed="rId2">
+            <a:extLst>
+              <a:ext uri="{28A0092B-C50C-407E-A947-70E740481C1C}">
+                <a14:useLocalDpi xmlns:a14="http://schemas.microsoft.com/office/drawing/2010/main" val="0"/>
+              </a:ext>
+            </a:extLst>
+          </a:blip>
+          <a:stretch>
+            <a:fillRect/>
+          </a:stretch>
+        </p:blipFill>
+        <p:spPr>
+          <a:xfrm>
+            <a:off x="0" y="0"/>
+            <a:ext cx="12192000" cy="6858000"/>
+          </a:xfrm>
+          <a:prstGeom prst="rect">
+            <a:avLst/>
+          </a:prstGeom>
+        </p:spPr>
+      </p:pic>
+      <p:sp>
+        <p:nvSpPr>
+          <p:cNvPr id="15" name="Title 1"/>
+          <p:cNvSpPr>
+            <a:spLocks noGrp="1"/>
+          </p:cNvSpPr>
+          <p:nvPr>
+            <p:ph type="title"/>
+          </p:nvPr>
+        </p:nvSpPr>
+        <p:spPr>
+          <a:xfrm>
+            <a:off x="913774" y="609600"/>
+            <a:ext cx="10364452" cy="1605094"/>
+          </a:xfrm>
+        </p:spPr>
+        <p:txBody>
+          <a:bodyPr/>
+          <a:lstStyle/>
+          <a:p>
+            <a:r>
+              <a:rPr lang="en-US"/>
+              <a:t>Click to edit Master title style</a:t>
+            </a:r>
+            <a:endParaRPr lang="en-US" dirty="0"/>
+          </a:p>
+        </p:txBody>
+      </p:sp>
+      <p:sp>
+        <p:nvSpPr>
+          <p:cNvPr id="7" name="Text Placeholder 2"/>
+          <p:cNvSpPr>
+            <a:spLocks noGrp="1"/>
+          </p:cNvSpPr>
+          <p:nvPr>
+            <p:ph type="body" idx="1"/>
+          </p:nvPr>
+        </p:nvSpPr>
+        <p:spPr>
+          <a:xfrm>
+            <a:off x="913774" y="2367093"/>
+            <a:ext cx="3298976" cy="576262"/>
+          </a:xfrm>
+        </p:spPr>
+        <p:txBody>
+          <a:bodyPr anchor="b">
+            <a:noAutofit/>
+          </a:bodyPr>
+          <a:lstStyle>
+            <a:lvl1pPr marL="0" indent="0" algn="ctr">
+              <a:lnSpc>
+                <a:spcPct val="85000"/>
+              </a:lnSpc>
+              <a:buNone/>
+              <a:defRPr sz="2400" b="0">
+                <a:solidFill>
+                  <a:schemeClr val="tx1"/>
+                </a:solidFill>
+              </a:defRPr>
+            </a:lvl1pPr>
+            <a:lvl2pPr marL="457200" indent="0">
+              <a:buNone/>
+              <a:defRPr sz="2000" b="1"/>
+            </a:lvl2pPr>
+            <a:lvl3pPr marL="914400" indent="0">
+              <a:buNone/>
+              <a:defRPr sz="1800" b="1"/>
+            </a:lvl3pPr>
+            <a:lvl4pPr marL="1371600" indent="0">
+              <a:buNone/>
+              <a:defRPr sz="1600" b="1"/>
+            </a:lvl4pPr>
+            <a:lvl5pPr marL="1828800" indent="0">
+              <a:buNone/>
+              <a:defRPr sz="1600" b="1"/>
+            </a:lvl5pPr>
+            <a:lvl6pPr marL="2286000" indent="0">
+              <a:buNone/>
+              <a:defRPr sz="1600" b="1"/>
+            </a:lvl6pPr>
+            <a:lvl7pPr marL="2743200" indent="0">
+              <a:buNone/>
+              <a:defRPr sz="1600" b="1"/>
+            </a:lvl7pPr>
+            <a:lvl8pPr marL="3200400" indent="0">
+              <a:buNone/>
+              <a:defRPr sz="1600" b="1"/>
+            </a:lvl8pPr>
+            <a:lvl9pPr marL="3657600" indent="0">
+              <a:buNone/>
+              <a:defRPr sz="1600" b="1"/>
+            </a:lvl9pPr>
+          </a:lstStyle>
+          <a:p>
+            <a:pPr lvl="0"/>
+            <a:r>
+              <a:rPr lang="en-US"/>
+              <a:t>Click to edit Master text styles</a:t>
+            </a:r>
+          </a:p>
+        </p:txBody>
+      </p:sp>
+      <p:sp>
+        <p:nvSpPr>
+          <p:cNvPr id="8" name="Text Placeholder 3"/>
+          <p:cNvSpPr>
+            <a:spLocks noGrp="1"/>
+          </p:cNvSpPr>
+          <p:nvPr>
+            <p:ph type="body" sz="half" idx="15"/>
+          </p:nvPr>
+        </p:nvSpPr>
+        <p:spPr>
+          <a:xfrm>
+            <a:off x="913774" y="2943355"/>
+            <a:ext cx="3298976" cy="2847845"/>
+          </a:xfrm>
+        </p:spPr>
+        <p:txBody>
+          <a:bodyPr anchor="t">
+            <a:normAutofit/>
+          </a:bodyPr>
+          <a:lstStyle>
+            <a:lvl1pPr marL="0" indent="0" algn="ctr">
+              <a:buNone/>
+              <a:defRPr sz="1400"/>
+            </a:lvl1pPr>
+            <a:lvl2pPr marL="457200" indent="0">
+              <a:buNone/>
+              <a:defRPr sz="1200"/>
+            </a:lvl2pPr>
+            <a:lvl3pPr marL="914400" indent="0">
+              <a:buNone/>
+              <a:defRPr sz="1000"/>
+            </a:lvl3pPr>
+            <a:lvl4pPr marL="1371600" indent="0">
+              <a:buNone/>
+              <a:defRPr sz="900"/>
+            </a:lvl4pPr>
+            <a:lvl5pPr marL="1828800" indent="0">
+              <a:buNone/>
+              <a:defRPr sz="900"/>
+            </a:lvl5pPr>
+            <a:lvl6pPr marL="2286000" indent="0">
+              <a:buNone/>
+              <a:defRPr sz="900"/>
+            </a:lvl6pPr>
+            <a:lvl7pPr marL="2743200" indent="0">
+              <a:buNone/>
+              <a:defRPr sz="900"/>
+            </a:lvl7pPr>
+            <a:lvl8pPr marL="3200400" indent="0">
+              <a:buNone/>
+              <a:defRPr sz="900"/>
+            </a:lvl8pPr>
+            <a:lvl9pPr marL="3657600" indent="0">
+              <a:buNone/>
+              <a:defRPr sz="900"/>
+            </a:lvl9pPr>
+          </a:lstStyle>
+          <a:p>
+            <a:pPr lvl="0"/>
+            <a:r>
+              <a:rPr lang="en-US"/>
+              <a:t>Click to edit Master text styles</a:t>
+            </a:r>
+          </a:p>
+        </p:txBody>
+      </p:sp>
+      <p:sp>
+        <p:nvSpPr>
+          <p:cNvPr id="9" name="Text Placeholder 4"/>
+          <p:cNvSpPr>
+            <a:spLocks noGrp="1"/>
+          </p:cNvSpPr>
+          <p:nvPr>
+            <p:ph type="body" sz="quarter" idx="3"/>
+          </p:nvPr>
+        </p:nvSpPr>
+        <p:spPr>
+          <a:xfrm>
+            <a:off x="4452389" y="2367093"/>
+            <a:ext cx="3291521" cy="576262"/>
+          </a:xfrm>
+        </p:spPr>
+        <p:txBody>
+          <a:bodyPr anchor="b">
+            <a:noAutofit/>
+          </a:bodyPr>
+          <a:lstStyle>
+            <a:lvl1pPr marL="0" indent="0" algn="ctr">
+              <a:lnSpc>
+                <a:spcPct val="85000"/>
+              </a:lnSpc>
+              <a:buNone/>
+              <a:defRPr sz="2400" b="0">
+                <a:solidFill>
+                  <a:schemeClr val="tx1"/>
+                </a:solidFill>
+              </a:defRPr>
+            </a:lvl1pPr>
+            <a:lvl2pPr marL="457200" indent="0">
+              <a:buNone/>
+              <a:defRPr sz="2000" b="1"/>
+            </a:lvl2pPr>
+            <a:lvl3pPr marL="914400" indent="0">
+              <a:buNone/>
+              <a:defRPr sz="1800" b="1"/>
+            </a:lvl3pPr>
+            <a:lvl4pPr marL="1371600" indent="0">
+              <a:buNone/>
+              <a:defRPr sz="1600" b="1"/>
+            </a:lvl4pPr>
+            <a:lvl5pPr marL="1828800" indent="0">
+              <a:buNone/>
+              <a:defRPr sz="1600" b="1"/>
+            </a:lvl5pPr>
+            <a:lvl6pPr marL="2286000" indent="0">
+              <a:buNone/>
+              <a:defRPr sz="1600" b="1"/>
+            </a:lvl6pPr>
+            <a:lvl7pPr marL="2743200" indent="0">
+              <a:buNone/>
+              <a:defRPr sz="1600" b="1"/>
+            </a:lvl7pPr>
+            <a:lvl8pPr marL="3200400" indent="0">
+              <a:buNone/>
+              <a:defRPr sz="1600" b="1"/>
+            </a:lvl8pPr>
+            <a:lvl9pPr marL="3657600" indent="0">
+              <a:buNone/>
+              <a:defRPr sz="1600" b="1"/>
+            </a:lvl9pPr>
+          </a:lstStyle>
+          <a:p>
+            <a:pPr lvl="0"/>
+            <a:r>
+              <a:rPr lang="en-US"/>
+              <a:t>Click to edit Master text styles</a:t>
+            </a:r>
+          </a:p>
+        </p:txBody>
+      </p:sp>
+      <p:sp>
+        <p:nvSpPr>
+          <p:cNvPr id="10" name="Text Placeholder 3"/>
+          <p:cNvSpPr>
+            <a:spLocks noGrp="1"/>
+          </p:cNvSpPr>
+          <p:nvPr>
+            <p:ph type="body" sz="half" idx="16"/>
+          </p:nvPr>
+        </p:nvSpPr>
+        <p:spPr>
+          <a:xfrm>
+            <a:off x="4441348" y="2943355"/>
+            <a:ext cx="3303351" cy="2847845"/>
+          </a:xfrm>
+        </p:spPr>
+        <p:txBody>
+          <a:bodyPr anchor="t">
+            <a:normAutofit/>
+          </a:bodyPr>
+          <a:lstStyle>
+            <a:lvl1pPr marL="0" indent="0" algn="ctr">
+              <a:buNone/>
+              <a:defRPr sz="1400"/>
+            </a:lvl1pPr>
+            <a:lvl2pPr marL="457200" indent="0">
+              <a:buNone/>
+              <a:defRPr sz="1200"/>
+            </a:lvl2pPr>
+            <a:lvl3pPr marL="914400" indent="0">
+              <a:buNone/>
+              <a:defRPr sz="1000"/>
+            </a:lvl3pPr>
+            <a:lvl4pPr marL="1371600" indent="0">
+              <a:buNone/>
+              <a:defRPr sz="900"/>
+            </a:lvl4pPr>
+            <a:lvl5pPr marL="1828800" indent="0">
+              <a:buNone/>
+              <a:defRPr sz="900"/>
+            </a:lvl5pPr>
+            <a:lvl6pPr marL="2286000" indent="0">
+              <a:buNone/>
+              <a:defRPr sz="900"/>
+            </a:lvl6pPr>
+            <a:lvl7pPr marL="2743200" indent="0">
+              <a:buNone/>
+              <a:defRPr sz="900"/>
+            </a:lvl7pPr>
+            <a:lvl8pPr marL="3200400" indent="0">
+              <a:buNone/>
+              <a:defRPr sz="900"/>
+            </a:lvl8pPr>
+            <a:lvl9pPr marL="3657600" indent="0">
+              <a:buNone/>
+              <a:defRPr sz="900"/>
+            </a:lvl9pPr>
+          </a:lstStyle>
+          <a:p>
+            <a:pPr lvl="0"/>
+            <a:r>
+              <a:rPr lang="en-US"/>
+              <a:t>Click to edit Master text styles</a:t>
+            </a:r>
+          </a:p>
+        </p:txBody>
+      </p:sp>
+      <p:sp>
+        <p:nvSpPr>
+          <p:cNvPr id="11" name="Text Placeholder 4"/>
+          <p:cNvSpPr>
+            <a:spLocks noGrp="1"/>
+          </p:cNvSpPr>
+          <p:nvPr>
+            <p:ph type="body" sz="quarter" idx="13"/>
+          </p:nvPr>
+        </p:nvSpPr>
+        <p:spPr>
+          <a:xfrm>
+            <a:off x="7973298" y="2367093"/>
+            <a:ext cx="3304928" cy="576262"/>
+          </a:xfrm>
+        </p:spPr>
+        <p:txBody>
+          <a:bodyPr anchor="b">
+            <a:noAutofit/>
+          </a:bodyPr>
+          <a:lstStyle>
+            <a:lvl1pPr marL="0" indent="0" algn="ctr">
+              <a:lnSpc>
+                <a:spcPct val="85000"/>
+              </a:lnSpc>
+              <a:buNone/>
+              <a:defRPr sz="2400" b="0">
+                <a:solidFill>
+                  <a:schemeClr val="tx1"/>
+                </a:solidFill>
+              </a:defRPr>
+            </a:lvl1pPr>
+            <a:lvl2pPr marL="457200" indent="0">
+              <a:buNone/>
+              <a:defRPr sz="2000" b="1"/>
+            </a:lvl2pPr>
+            <a:lvl3pPr marL="914400" indent="0">
+              <a:buNone/>
+              <a:defRPr sz="1800" b="1"/>
+            </a:lvl3pPr>
+            <a:lvl4pPr marL="1371600" indent="0">
+              <a:buNone/>
+              <a:defRPr sz="1600" b="1"/>
+            </a:lvl4pPr>
+            <a:lvl5pPr marL="1828800" indent="0">
+              <a:buNone/>
+              <a:defRPr sz="1600" b="1"/>
+            </a:lvl5pPr>
+            <a:lvl6pPr marL="2286000" indent="0">
+              <a:buNone/>
+              <a:defRPr sz="1600" b="1"/>
+            </a:lvl6pPr>
+            <a:lvl7pPr marL="2743200" indent="0">
+              <a:buNone/>
+              <a:defRPr sz="1600" b="1"/>
+            </a:lvl7pPr>
+            <a:lvl8pPr marL="3200400" indent="0">
+              <a:buNone/>
+              <a:defRPr sz="1600" b="1"/>
+            </a:lvl8pPr>
+            <a:lvl9pPr marL="3657600" indent="0">
+              <a:buNone/>
+              <a:defRPr sz="1600" b="1"/>
+            </a:lvl9pPr>
+          </a:lstStyle>
+          <a:p>
+            <a:pPr lvl="0"/>
+            <a:r>
+              <a:rPr lang="en-US"/>
+              <a:t>Click to edit Master text styles</a:t>
+            </a:r>
+          </a:p>
+        </p:txBody>
+      </p:sp>
+      <p:sp>
+        <p:nvSpPr>
+          <p:cNvPr id="12" name="Text Placeholder 3"/>
+          <p:cNvSpPr>
+            <a:spLocks noGrp="1"/>
+          </p:cNvSpPr>
+          <p:nvPr>
+            <p:ph type="body" sz="half" idx="17"/>
+          </p:nvPr>
+        </p:nvSpPr>
+        <p:spPr>
+          <a:xfrm>
+            <a:off x="7973298" y="2943355"/>
+            <a:ext cx="3304928" cy="2847845"/>
+          </a:xfrm>
+        </p:spPr>
+        <p:txBody>
+          <a:bodyPr anchor="t">
+            <a:normAutofit/>
+          </a:bodyPr>
+          <a:lstStyle>
+            <a:lvl1pPr marL="0" indent="0" algn="ctr">
+              <a:buNone/>
+              <a:defRPr sz="1400"/>
+            </a:lvl1pPr>
+            <a:lvl2pPr marL="457200" indent="0">
+              <a:buNone/>
+              <a:defRPr sz="1200"/>
+            </a:lvl2pPr>
+            <a:lvl3pPr marL="914400" indent="0">
+              <a:buNone/>
+              <a:defRPr sz="1000"/>
+            </a:lvl3pPr>
+            <a:lvl4pPr marL="1371600" indent="0">
+              <a:buNone/>
+              <a:defRPr sz="900"/>
+            </a:lvl4pPr>
+            <a:lvl5pPr marL="1828800" indent="0">
+              <a:buNone/>
+              <a:defRPr sz="900"/>
+            </a:lvl5pPr>
+            <a:lvl6pPr marL="2286000" indent="0">
+              <a:buNone/>
+              <a:defRPr sz="900"/>
+            </a:lvl6pPr>
+            <a:lvl7pPr marL="2743200" indent="0">
+              <a:buNone/>
+              <a:defRPr sz="900"/>
+            </a:lvl7pPr>
+            <a:lvl8pPr marL="3200400" indent="0">
+              <a:buNone/>
+              <a:defRPr sz="900"/>
+            </a:lvl8pPr>
+            <a:lvl9pPr marL="3657600" indent="0">
+              <a:buNone/>
+              <a:defRPr sz="900"/>
+            </a:lvl9pPr>
+          </a:lstStyle>
+          <a:p>
+            <a:pPr lvl="0"/>
+            <a:r>
+              <a:rPr lang="en-US"/>
+              <a:t>Click to edit Master text styles</a:t>
+            </a:r>
+          </a:p>
+        </p:txBody>
+      </p:sp>
+      <p:sp>
+        <p:nvSpPr>
+          <p:cNvPr id="3" name="Date Placeholder 2"/>
+          <p:cNvSpPr>
+            <a:spLocks noGrp="1"/>
+          </p:cNvSpPr>
+          <p:nvPr>
+            <p:ph type="dt" sz="half" idx="10"/>
+          </p:nvPr>
+        </p:nvSpPr>
+        <p:spPr/>
+        <p:txBody>
+          <a:bodyPr/>
+          <a:lstStyle/>
+          <a:p>
+            <a:fld id="{846CE7D5-CF57-46EF-B807-FDD0502418D4}" type="datetimeFigureOut">
+              <a:rPr lang="en-US" smtClean="0"/>
+              <a:t>13-Jul-21</a:t>
+            </a:fld>
+            <a:endParaRPr lang="en-US"/>
+          </a:p>
+        </p:txBody>
+      </p:sp>
+      <p:sp>
+        <p:nvSpPr>
+          <p:cNvPr id="4" name="Footer Placeholder 3"/>
+          <p:cNvSpPr>
+            <a:spLocks noGrp="1"/>
+          </p:cNvSpPr>
+          <p:nvPr>
+            <p:ph type="ftr" sz="quarter" idx="11"/>
+          </p:nvPr>
+        </p:nvSpPr>
+        <p:spPr/>
+        <p:txBody>
+          <a:bodyPr/>
+          <a:lstStyle/>
+          <a:p>
+            <a:endParaRPr lang="en-US"/>
+          </a:p>
+        </p:txBody>
+      </p:sp>
+      <p:sp>
+        <p:nvSpPr>
+          <p:cNvPr id="5" name="Slide Number Placeholder 4"/>
+          <p:cNvSpPr>
+            <a:spLocks noGrp="1"/>
+          </p:cNvSpPr>
+          <p:nvPr>
+            <p:ph type="sldNum" sz="quarter" idx="12"/>
+          </p:nvPr>
+        </p:nvSpPr>
+        <p:spPr/>
+        <p:txBody>
+          <a:bodyPr/>
+          <a:lstStyle/>
+          <a:p>
+            <a:fld id="{330EA680-D336-4FF7-8B7A-9848BB0A1C32}" type="slidenum">
+              <a:rPr lang="en-US" smtClean="0"/>
+              <a:t>‹#›</a:t>
+            </a:fld>
+            <a:endParaRPr lang="en-US"/>
+          </a:p>
+        </p:txBody>
+      </p:sp>
+    </p:spTree>
+    <p:extLst>
+      <p:ext uri="{BB962C8B-B14F-4D97-AF65-F5344CB8AC3E}">
+        <p14:creationId xmlns:p14="http://schemas.microsoft.com/office/powerpoint/2010/main" val="1491196637"/>
+      </p:ext>
+    </p:extLst>
+  </p:cSld>
+  <p:clrMapOvr>
+    <a:masterClrMapping/>
+  </p:clrMapOvr>
+</p:sldLayout>
+</file>
+
+<file path=ppt/slideLayouts/slideLayout15.xml><?xml version="1.0" encoding="utf-8"?>
+<p:sldLayout xmlns:a="http://schemas.openxmlformats.org/drawingml/2006/main" xmlns:r="http://schemas.openxmlformats.org/officeDocument/2006/relationships" xmlns:p="http://schemas.openxmlformats.org/presentationml/2006/main" preserve="1">
+  <p:cSld name="3 Picture Column">
+    <p:spTree>
+      <p:nvGrpSpPr>
+        <p:cNvPr id="1" name=""/>
+        <p:cNvGrpSpPr/>
+        <p:nvPr/>
+      </p:nvGrpSpPr>
+      <p:grpSpPr>
+        <a:xfrm>
+          <a:off x="0" y="0"/>
+          <a:ext cx="0" cy="0"/>
+          <a:chOff x="0" y="0"/>
+          <a:chExt cx="0" cy="0"/>
+        </a:xfrm>
+      </p:grpSpPr>
+      <p:pic>
+        <p:nvPicPr>
+          <p:cNvPr id="16" name="Picture 15" descr="Droplets-HD-Content-R1d.png"/>
+          <p:cNvPicPr>
+            <a:picLocks noChangeAspect="1"/>
+          </p:cNvPicPr>
+          <p:nvPr/>
+        </p:nvPicPr>
+        <p:blipFill>
+          <a:blip r:embed="rId2">
+            <a:extLst>
+              <a:ext uri="{28A0092B-C50C-407E-A947-70E740481C1C}">
+                <a14:useLocalDpi xmlns:a14="http://schemas.microsoft.com/office/drawing/2010/main" val="0"/>
+              </a:ext>
+            </a:extLst>
+          </a:blip>
+          <a:stretch>
+            <a:fillRect/>
+          </a:stretch>
+        </p:blipFill>
+        <p:spPr>
+          <a:xfrm>
+            <a:off x="0" y="0"/>
+            <a:ext cx="12192000" cy="6858000"/>
+          </a:xfrm>
+          <a:prstGeom prst="rect">
+            <a:avLst/>
+          </a:prstGeom>
+        </p:spPr>
+      </p:pic>
+      <p:sp>
+        <p:nvSpPr>
+          <p:cNvPr id="30" name="Title 1"/>
+          <p:cNvSpPr>
+            <a:spLocks noGrp="1"/>
+          </p:cNvSpPr>
+          <p:nvPr>
+            <p:ph type="title"/>
+          </p:nvPr>
+        </p:nvSpPr>
+        <p:spPr>
+          <a:xfrm>
+            <a:off x="913774" y="610772"/>
+            <a:ext cx="10364452" cy="1603922"/>
+          </a:xfrm>
+        </p:spPr>
+        <p:txBody>
+          <a:bodyPr/>
+          <a:lstStyle/>
+          <a:p>
+            <a:r>
+              <a:rPr lang="en-US"/>
+              <a:t>Click to edit Master title style</a:t>
+            </a:r>
+            <a:endParaRPr lang="en-US" dirty="0"/>
+          </a:p>
+        </p:txBody>
+      </p:sp>
+      <p:sp>
+        <p:nvSpPr>
+          <p:cNvPr id="19" name="Text Placeholder 2"/>
+          <p:cNvSpPr>
+            <a:spLocks noGrp="1"/>
+          </p:cNvSpPr>
+          <p:nvPr>
+            <p:ph type="body" idx="1"/>
+          </p:nvPr>
+        </p:nvSpPr>
+        <p:spPr>
+          <a:xfrm>
+            <a:off x="913774" y="4204820"/>
+            <a:ext cx="3296409" cy="576262"/>
+          </a:xfrm>
+        </p:spPr>
+        <p:txBody>
+          <a:bodyPr anchor="b">
+            <a:noAutofit/>
+          </a:bodyPr>
+          <a:lstStyle>
+            <a:lvl1pPr marL="0" indent="0" algn="ctr">
+              <a:lnSpc>
+                <a:spcPct val="85000"/>
+              </a:lnSpc>
+              <a:buNone/>
+              <a:defRPr sz="2200" b="0">
+                <a:solidFill>
+                  <a:schemeClr val="tx1"/>
+                </a:solidFill>
+              </a:defRPr>
+            </a:lvl1pPr>
+            <a:lvl2pPr marL="457200" indent="0">
+              <a:buNone/>
+              <a:defRPr sz="2000" b="1"/>
+            </a:lvl2pPr>
+            <a:lvl3pPr marL="914400" indent="0">
+              <a:buNone/>
+              <a:defRPr sz="1800" b="1"/>
+            </a:lvl3pPr>
+            <a:lvl4pPr marL="1371600" indent="0">
+              <a:buNone/>
+              <a:defRPr sz="1600" b="1"/>
+            </a:lvl4pPr>
+            <a:lvl5pPr marL="1828800" indent="0">
+              <a:buNone/>
+              <a:defRPr sz="1600" b="1"/>
+            </a:lvl5pPr>
+            <a:lvl6pPr marL="2286000" indent="0">
+              <a:buNone/>
+              <a:defRPr sz="1600" b="1"/>
+            </a:lvl6pPr>
+            <a:lvl7pPr marL="2743200" indent="0">
+              <a:buNone/>
+              <a:defRPr sz="1600" b="1"/>
+            </a:lvl7pPr>
+            <a:lvl8pPr marL="3200400" indent="0">
+              <a:buNone/>
+              <a:defRPr sz="1600" b="1"/>
+            </a:lvl8pPr>
+            <a:lvl9pPr marL="3657600" indent="0">
+              <a:buNone/>
+              <a:defRPr sz="1600" b="1"/>
+            </a:lvl9pPr>
+          </a:lstStyle>
+          <a:p>
+            <a:pPr lvl="0"/>
+            <a:r>
+              <a:rPr lang="en-US"/>
+              <a:t>Click to edit Master text styles</a:t>
+            </a:r>
+          </a:p>
+        </p:txBody>
+      </p:sp>
+      <p:sp>
+        <p:nvSpPr>
+          <p:cNvPr id="20" name="Picture Placeholder 2"/>
+          <p:cNvSpPr>
+            <a:spLocks noGrp="1" noChangeAspect="1"/>
+          </p:cNvSpPr>
+          <p:nvPr>
+            <p:ph type="pic" idx="15"/>
+          </p:nvPr>
+        </p:nvSpPr>
+        <p:spPr>
+          <a:xfrm>
+            <a:off x="913774" y="2367093"/>
+            <a:ext cx="3296409" cy="1524000"/>
+          </a:xfrm>
+          <a:prstGeom prst="roundRect">
+            <a:avLst>
+              <a:gd name="adj" fmla="val 9363"/>
+            </a:avLst>
+          </a:prstGeom>
+          <a:noFill/>
+          <a:ln w="82550" cap="sq">
+            <a:solidFill>
+              <a:srgbClr val="EAEAEA"/>
+            </a:solidFill>
+            <a:miter lim="800000"/>
+          </a:ln>
+          <a:effectLst/>
+          <a:scene3d>
+            <a:camera prst="orthographicFront"/>
+            <a:lightRig rig="threePt" dir="t">
+              <a:rot lat="0" lon="0" rev="2700000"/>
+            </a:lightRig>
+          </a:scene3d>
+          <a:sp3d contourW="6350">
+            <a:bevelT h="38100"/>
+            <a:contourClr>
+              <a:srgbClr val="C0C0C0"/>
+            </a:contourClr>
+          </a:sp3d>
+        </p:spPr>
+        <p:txBody>
+          <a:bodyPr anchor="t">
+            <a:normAutofit/>
+          </a:bodyPr>
+          <a:lstStyle>
+            <a:lvl1pPr marL="0" indent="0" algn="ctr">
+              <a:buNone/>
+              <a:defRPr sz="1600"/>
+            </a:lvl1pPr>
+            <a:lvl2pPr marL="457200" indent="0">
+              <a:buNone/>
+              <a:defRPr sz="1600"/>
+            </a:lvl2pPr>
+            <a:lvl3pPr marL="914400" indent="0">
+              <a:buNone/>
+              <a:defRPr sz="1600"/>
+            </a:lvl3pPr>
+            <a:lvl4pPr marL="1371600" indent="0">
+              <a:buNone/>
+              <a:defRPr sz="1600"/>
+            </a:lvl4pPr>
+            <a:lvl5pPr marL="1828800" indent="0">
+              <a:buNone/>
+              <a:defRPr sz="1600"/>
+            </a:lvl5pPr>
+            <a:lvl6pPr marL="2286000" indent="0">
+              <a:buNone/>
+              <a:defRPr sz="1600"/>
+            </a:lvl6pPr>
+            <a:lvl7pPr marL="2743200" indent="0">
+              <a:buNone/>
+              <a:defRPr sz="1600"/>
+            </a:lvl7pPr>
+            <a:lvl8pPr marL="3200400" indent="0">
+              <a:buNone/>
+              <a:defRPr sz="1600"/>
+            </a:lvl8pPr>
+            <a:lvl9pPr marL="3657600" indent="0">
+              <a:buNone/>
+              <a:defRPr sz="1600"/>
+            </a:lvl9pPr>
+          </a:lstStyle>
+          <a:p>
+            <a:r>
+              <a:rPr lang="en-US"/>
+              <a:t>Click icon to add picture</a:t>
+            </a:r>
+            <a:endParaRPr lang="en-US" dirty="0"/>
+          </a:p>
+        </p:txBody>
+      </p:sp>
+      <p:sp>
+        <p:nvSpPr>
+          <p:cNvPr id="21" name="Text Placeholder 3"/>
+          <p:cNvSpPr>
+            <a:spLocks noGrp="1"/>
+          </p:cNvSpPr>
+          <p:nvPr>
+            <p:ph type="body" sz="half" idx="18"/>
+          </p:nvPr>
+        </p:nvSpPr>
+        <p:spPr>
+          <a:xfrm>
+            <a:off x="913774" y="4781082"/>
+            <a:ext cx="3296409" cy="1010118"/>
+          </a:xfrm>
+        </p:spPr>
+        <p:txBody>
+          <a:bodyPr anchor="t">
+            <a:normAutofit/>
+          </a:bodyPr>
+          <a:lstStyle>
+            <a:lvl1pPr marL="0" indent="0" algn="ctr">
+              <a:buNone/>
+              <a:defRPr sz="1400"/>
+            </a:lvl1pPr>
+            <a:lvl2pPr marL="457200" indent="0">
+              <a:buNone/>
+              <a:defRPr sz="1200"/>
+            </a:lvl2pPr>
+            <a:lvl3pPr marL="914400" indent="0">
+              <a:buNone/>
+              <a:defRPr sz="1000"/>
+            </a:lvl3pPr>
+            <a:lvl4pPr marL="1371600" indent="0">
+              <a:buNone/>
+              <a:defRPr sz="900"/>
+            </a:lvl4pPr>
+            <a:lvl5pPr marL="1828800" indent="0">
+              <a:buNone/>
+              <a:defRPr sz="900"/>
+            </a:lvl5pPr>
+            <a:lvl6pPr marL="2286000" indent="0">
+              <a:buNone/>
+              <a:defRPr sz="900"/>
+            </a:lvl6pPr>
+            <a:lvl7pPr marL="2743200" indent="0">
+              <a:buNone/>
+              <a:defRPr sz="900"/>
+            </a:lvl7pPr>
+            <a:lvl8pPr marL="3200400" indent="0">
+              <a:buNone/>
+              <a:defRPr sz="900"/>
+            </a:lvl8pPr>
+            <a:lvl9pPr marL="3657600" indent="0">
+              <a:buNone/>
+              <a:defRPr sz="900"/>
+            </a:lvl9pPr>
+          </a:lstStyle>
+          <a:p>
+            <a:pPr lvl="0"/>
+            <a:r>
+              <a:rPr lang="en-US"/>
+              <a:t>Click to edit Master text styles</a:t>
+            </a:r>
+          </a:p>
+        </p:txBody>
+      </p:sp>
+      <p:sp>
+        <p:nvSpPr>
+          <p:cNvPr id="22" name="Text Placeholder 4"/>
+          <p:cNvSpPr>
+            <a:spLocks noGrp="1"/>
+          </p:cNvSpPr>
+          <p:nvPr>
+            <p:ph type="body" sz="quarter" idx="3"/>
+          </p:nvPr>
+        </p:nvSpPr>
+        <p:spPr>
+          <a:xfrm>
+            <a:off x="4442759" y="4204820"/>
+            <a:ext cx="3301828" cy="576262"/>
+          </a:xfrm>
+        </p:spPr>
+        <p:txBody>
+          <a:bodyPr anchor="b">
+            <a:noAutofit/>
+          </a:bodyPr>
+          <a:lstStyle>
+            <a:lvl1pPr marL="0" indent="0" algn="ctr">
+              <a:lnSpc>
+                <a:spcPct val="85000"/>
+              </a:lnSpc>
+              <a:buNone/>
+              <a:defRPr sz="2200" b="0">
+                <a:solidFill>
+                  <a:schemeClr val="tx1"/>
+                </a:solidFill>
+              </a:defRPr>
+            </a:lvl1pPr>
+            <a:lvl2pPr marL="457200" indent="0">
+              <a:buNone/>
+              <a:defRPr sz="2000" b="1"/>
+            </a:lvl2pPr>
+            <a:lvl3pPr marL="914400" indent="0">
+              <a:buNone/>
+              <a:defRPr sz="1800" b="1"/>
+            </a:lvl3pPr>
+            <a:lvl4pPr marL="1371600" indent="0">
+              <a:buNone/>
+              <a:defRPr sz="1600" b="1"/>
+            </a:lvl4pPr>
+            <a:lvl5pPr marL="1828800" indent="0">
+              <a:buNone/>
+              <a:defRPr sz="1600" b="1"/>
+            </a:lvl5pPr>
+            <a:lvl6pPr marL="2286000" indent="0">
+              <a:buNone/>
+              <a:defRPr sz="1600" b="1"/>
+            </a:lvl6pPr>
+            <a:lvl7pPr marL="2743200" indent="0">
+              <a:buNone/>
+              <a:defRPr sz="1600" b="1"/>
+            </a:lvl7pPr>
+            <a:lvl8pPr marL="3200400" indent="0">
+              <a:buNone/>
+              <a:defRPr sz="1600" b="1"/>
+            </a:lvl8pPr>
+            <a:lvl9pPr marL="3657600" indent="0">
+              <a:buNone/>
+              <a:defRPr sz="1600" b="1"/>
+            </a:lvl9pPr>
+          </a:lstStyle>
+          <a:p>
+            <a:pPr lvl="0"/>
+            <a:r>
+              <a:rPr lang="en-US"/>
+              <a:t>Click to edit Master text styles</a:t>
+            </a:r>
+          </a:p>
+        </p:txBody>
+      </p:sp>
+      <p:sp>
+        <p:nvSpPr>
+          <p:cNvPr id="23" name="Picture Placeholder 2"/>
+          <p:cNvSpPr>
+            <a:spLocks noGrp="1" noChangeAspect="1"/>
+          </p:cNvSpPr>
+          <p:nvPr>
+            <p:ph type="pic" idx="21"/>
+          </p:nvPr>
+        </p:nvSpPr>
+        <p:spPr>
+          <a:xfrm>
+            <a:off x="4441348" y="2367093"/>
+            <a:ext cx="3303352" cy="1524000"/>
+          </a:xfrm>
+          <a:prstGeom prst="roundRect">
+            <a:avLst>
+              <a:gd name="adj" fmla="val 8841"/>
+            </a:avLst>
+          </a:prstGeom>
+          <a:noFill/>
+          <a:ln w="82550" cap="sq">
+            <a:solidFill>
+              <a:srgbClr val="EAEAEA"/>
+            </a:solidFill>
+            <a:miter lim="800000"/>
+          </a:ln>
+          <a:effectLst/>
+          <a:scene3d>
+            <a:camera prst="orthographicFront"/>
+            <a:lightRig rig="threePt" dir="t">
+              <a:rot lat="0" lon="0" rev="2700000"/>
+            </a:lightRig>
+          </a:scene3d>
+          <a:sp3d contourW="6350">
+            <a:bevelT h="38100"/>
+            <a:contourClr>
+              <a:srgbClr val="C0C0C0"/>
+            </a:contourClr>
+          </a:sp3d>
+        </p:spPr>
+        <p:txBody>
+          <a:bodyPr anchor="t">
+            <a:normAutofit/>
+          </a:bodyPr>
+          <a:lstStyle>
+            <a:lvl1pPr marL="0" indent="0" algn="ctr">
+              <a:buNone/>
+              <a:defRPr sz="1600"/>
+            </a:lvl1pPr>
+            <a:lvl2pPr marL="457200" indent="0">
+              <a:buNone/>
+              <a:defRPr sz="1600"/>
+            </a:lvl2pPr>
+            <a:lvl3pPr marL="914400" indent="0">
+              <a:buNone/>
+              <a:defRPr sz="1600"/>
+            </a:lvl3pPr>
+            <a:lvl4pPr marL="1371600" indent="0">
+              <a:buNone/>
+              <a:defRPr sz="1600"/>
+            </a:lvl4pPr>
+            <a:lvl5pPr marL="1828800" indent="0">
+              <a:buNone/>
+              <a:defRPr sz="1600"/>
+            </a:lvl5pPr>
+            <a:lvl6pPr marL="2286000" indent="0">
+              <a:buNone/>
+              <a:defRPr sz="1600"/>
+            </a:lvl6pPr>
+            <a:lvl7pPr marL="2743200" indent="0">
+              <a:buNone/>
+              <a:defRPr sz="1600"/>
+            </a:lvl7pPr>
+            <a:lvl8pPr marL="3200400" indent="0">
+              <a:buNone/>
+              <a:defRPr sz="1600"/>
+            </a:lvl8pPr>
+            <a:lvl9pPr marL="3657600" indent="0">
+              <a:buNone/>
+              <a:defRPr sz="1600"/>
+            </a:lvl9pPr>
+          </a:lstStyle>
+          <a:p>
+            <a:r>
+              <a:rPr lang="en-US"/>
+              <a:t>Click icon to add picture</a:t>
+            </a:r>
+            <a:endParaRPr lang="en-US" dirty="0"/>
+          </a:p>
+        </p:txBody>
+      </p:sp>
+      <p:sp>
+        <p:nvSpPr>
+          <p:cNvPr id="24" name="Text Placeholder 3"/>
+          <p:cNvSpPr>
+            <a:spLocks noGrp="1"/>
+          </p:cNvSpPr>
+          <p:nvPr>
+            <p:ph type="body" sz="half" idx="19"/>
+          </p:nvPr>
+        </p:nvSpPr>
+        <p:spPr>
+          <a:xfrm>
+            <a:off x="4441348" y="4781080"/>
+            <a:ext cx="3303352" cy="1010119"/>
+          </a:xfrm>
+        </p:spPr>
+        <p:txBody>
+          <a:bodyPr anchor="t">
+            <a:normAutofit/>
+          </a:bodyPr>
+          <a:lstStyle>
+            <a:lvl1pPr marL="0" indent="0" algn="ctr">
+              <a:buNone/>
+              <a:defRPr sz="1400"/>
+            </a:lvl1pPr>
+            <a:lvl2pPr marL="457200" indent="0">
+              <a:buNone/>
+              <a:defRPr sz="1200"/>
+            </a:lvl2pPr>
+            <a:lvl3pPr marL="914400" indent="0">
+              <a:buNone/>
+              <a:defRPr sz="1000"/>
+            </a:lvl3pPr>
+            <a:lvl4pPr marL="1371600" indent="0">
+              <a:buNone/>
+              <a:defRPr sz="900"/>
+            </a:lvl4pPr>
+            <a:lvl5pPr marL="1828800" indent="0">
+              <a:buNone/>
+              <a:defRPr sz="900"/>
+            </a:lvl5pPr>
+            <a:lvl6pPr marL="2286000" indent="0">
+              <a:buNone/>
+              <a:defRPr sz="900"/>
+            </a:lvl6pPr>
+            <a:lvl7pPr marL="2743200" indent="0">
+              <a:buNone/>
+              <a:defRPr sz="900"/>
+            </a:lvl7pPr>
+            <a:lvl8pPr marL="3200400" indent="0">
+              <a:buNone/>
+              <a:defRPr sz="900"/>
+            </a:lvl8pPr>
+            <a:lvl9pPr marL="3657600" indent="0">
+              <a:buNone/>
+              <a:defRPr sz="900"/>
+            </a:lvl9pPr>
+          </a:lstStyle>
+          <a:p>
+            <a:pPr lvl="0"/>
+            <a:r>
+              <a:rPr lang="en-US"/>
+              <a:t>Click to edit Master text styles</a:t>
+            </a:r>
+          </a:p>
+        </p:txBody>
+      </p:sp>
+      <p:sp>
+        <p:nvSpPr>
+          <p:cNvPr id="25" name="Text Placeholder 4"/>
+          <p:cNvSpPr>
+            <a:spLocks noGrp="1"/>
+          </p:cNvSpPr>
+          <p:nvPr>
+            <p:ph type="body" sz="quarter" idx="13"/>
+          </p:nvPr>
+        </p:nvSpPr>
+        <p:spPr>
+          <a:xfrm>
+            <a:off x="7973298" y="4204820"/>
+            <a:ext cx="3300681" cy="576262"/>
+          </a:xfrm>
+        </p:spPr>
+        <p:txBody>
+          <a:bodyPr anchor="b">
+            <a:noAutofit/>
+          </a:bodyPr>
+          <a:lstStyle>
+            <a:lvl1pPr marL="0" indent="0" algn="ctr">
+              <a:lnSpc>
+                <a:spcPct val="85000"/>
+              </a:lnSpc>
+              <a:buNone/>
+              <a:defRPr sz="2200" b="0">
+                <a:solidFill>
+                  <a:schemeClr val="tx1"/>
+                </a:solidFill>
+              </a:defRPr>
+            </a:lvl1pPr>
+            <a:lvl2pPr marL="457200" indent="0">
+              <a:buNone/>
+              <a:defRPr sz="2000" b="1"/>
+            </a:lvl2pPr>
+            <a:lvl3pPr marL="914400" indent="0">
+              <a:buNone/>
+              <a:defRPr sz="1800" b="1"/>
+            </a:lvl3pPr>
+            <a:lvl4pPr marL="1371600" indent="0">
+              <a:buNone/>
+              <a:defRPr sz="1600" b="1"/>
+            </a:lvl4pPr>
+            <a:lvl5pPr marL="1828800" indent="0">
+              <a:buNone/>
+              <a:defRPr sz="1600" b="1"/>
+            </a:lvl5pPr>
+            <a:lvl6pPr marL="2286000" indent="0">
+              <a:buNone/>
+              <a:defRPr sz="1600" b="1"/>
+            </a:lvl6pPr>
+            <a:lvl7pPr marL="2743200" indent="0">
+              <a:buNone/>
+              <a:defRPr sz="1600" b="1"/>
+            </a:lvl7pPr>
+            <a:lvl8pPr marL="3200400" indent="0">
+              <a:buNone/>
+              <a:defRPr sz="1600" b="1"/>
+            </a:lvl8pPr>
+            <a:lvl9pPr marL="3657600" indent="0">
+              <a:buNone/>
+              <a:defRPr sz="1600" b="1"/>
+            </a:lvl9pPr>
+          </a:lstStyle>
+          <a:p>
+            <a:pPr lvl="0"/>
+            <a:r>
+              <a:rPr lang="en-US"/>
+              <a:t>Click to edit Master text styles</a:t>
+            </a:r>
+          </a:p>
+        </p:txBody>
+      </p:sp>
+      <p:sp>
+        <p:nvSpPr>
+          <p:cNvPr id="26" name="Picture Placeholder 2"/>
+          <p:cNvSpPr>
+            <a:spLocks noGrp="1" noChangeAspect="1"/>
+          </p:cNvSpPr>
+          <p:nvPr>
+            <p:ph type="pic" idx="22"/>
+          </p:nvPr>
+        </p:nvSpPr>
+        <p:spPr>
+          <a:xfrm>
+            <a:off x="7973298" y="2367093"/>
+            <a:ext cx="3304928" cy="1524000"/>
+          </a:xfrm>
+          <a:prstGeom prst="roundRect">
+            <a:avLst>
+              <a:gd name="adj" fmla="val 8841"/>
+            </a:avLst>
+          </a:prstGeom>
+          <a:noFill/>
+          <a:ln w="82550" cap="sq">
+            <a:solidFill>
+              <a:srgbClr val="EAEAEA"/>
+            </a:solidFill>
+            <a:miter lim="800000"/>
+          </a:ln>
+          <a:effectLst/>
+          <a:scene3d>
+            <a:camera prst="orthographicFront"/>
+            <a:lightRig rig="threePt" dir="t">
+              <a:rot lat="0" lon="0" rev="2700000"/>
+            </a:lightRig>
+          </a:scene3d>
+          <a:sp3d contourW="6350">
+            <a:bevelT h="38100"/>
+            <a:contourClr>
+              <a:srgbClr val="C0C0C0"/>
+            </a:contourClr>
+          </a:sp3d>
+        </p:spPr>
+        <p:txBody>
+          <a:bodyPr anchor="t">
+            <a:normAutofit/>
+          </a:bodyPr>
+          <a:lstStyle>
+            <a:lvl1pPr marL="0" indent="0" algn="ctr">
+              <a:buNone/>
+              <a:defRPr sz="1600"/>
+            </a:lvl1pPr>
+            <a:lvl2pPr marL="457200" indent="0">
+              <a:buNone/>
+              <a:defRPr sz="1600"/>
+            </a:lvl2pPr>
+            <a:lvl3pPr marL="914400" indent="0">
+              <a:buNone/>
+              <a:defRPr sz="1600"/>
+            </a:lvl3pPr>
+            <a:lvl4pPr marL="1371600" indent="0">
+              <a:buNone/>
+              <a:defRPr sz="1600"/>
+            </a:lvl4pPr>
+            <a:lvl5pPr marL="1828800" indent="0">
+              <a:buNone/>
+              <a:defRPr sz="1600"/>
+            </a:lvl5pPr>
+            <a:lvl6pPr marL="2286000" indent="0">
+              <a:buNone/>
+              <a:defRPr sz="1600"/>
+            </a:lvl6pPr>
+            <a:lvl7pPr marL="2743200" indent="0">
+              <a:buNone/>
+              <a:defRPr sz="1600"/>
+            </a:lvl7pPr>
+            <a:lvl8pPr marL="3200400" indent="0">
+              <a:buNone/>
+              <a:defRPr sz="1600"/>
+            </a:lvl8pPr>
+            <a:lvl9pPr marL="3657600" indent="0">
+              <a:buNone/>
+              <a:defRPr sz="1600"/>
+            </a:lvl9pPr>
+          </a:lstStyle>
+          <a:p>
+            <a:r>
+              <a:rPr lang="en-US"/>
+              <a:t>Click icon to add picture</a:t>
+            </a:r>
+            <a:endParaRPr lang="en-US" dirty="0"/>
+          </a:p>
+        </p:txBody>
+      </p:sp>
+      <p:sp>
+        <p:nvSpPr>
+          <p:cNvPr id="27" name="Text Placeholder 3"/>
+          <p:cNvSpPr>
+            <a:spLocks noGrp="1"/>
+          </p:cNvSpPr>
+          <p:nvPr>
+            <p:ph type="body" sz="half" idx="20"/>
+          </p:nvPr>
+        </p:nvSpPr>
+        <p:spPr>
+          <a:xfrm>
+            <a:off x="7973173" y="4781078"/>
+            <a:ext cx="3305053" cy="1010121"/>
+          </a:xfrm>
+        </p:spPr>
+        <p:txBody>
+          <a:bodyPr anchor="t">
+            <a:normAutofit/>
+          </a:bodyPr>
+          <a:lstStyle>
+            <a:lvl1pPr marL="0" indent="0" algn="ctr">
+              <a:buNone/>
+              <a:defRPr sz="1400"/>
+            </a:lvl1pPr>
+            <a:lvl2pPr marL="457200" indent="0">
+              <a:buNone/>
+              <a:defRPr sz="1200"/>
+            </a:lvl2pPr>
+            <a:lvl3pPr marL="914400" indent="0">
+              <a:buNone/>
+              <a:defRPr sz="1000"/>
+            </a:lvl3pPr>
+            <a:lvl4pPr marL="1371600" indent="0">
+              <a:buNone/>
+              <a:defRPr sz="900"/>
+            </a:lvl4pPr>
+            <a:lvl5pPr marL="1828800" indent="0">
+              <a:buNone/>
+              <a:defRPr sz="900"/>
+            </a:lvl5pPr>
+            <a:lvl6pPr marL="2286000" indent="0">
+              <a:buNone/>
+              <a:defRPr sz="900"/>
+            </a:lvl6pPr>
+            <a:lvl7pPr marL="2743200" indent="0">
+              <a:buNone/>
+              <a:defRPr sz="900"/>
+            </a:lvl7pPr>
+            <a:lvl8pPr marL="3200400" indent="0">
+              <a:buNone/>
+              <a:defRPr sz="900"/>
+            </a:lvl8pPr>
+            <a:lvl9pPr marL="3657600" indent="0">
+              <a:buNone/>
+              <a:defRPr sz="900"/>
+            </a:lvl9pPr>
+          </a:lstStyle>
+          <a:p>
+            <a:pPr lvl="0"/>
+            <a:r>
+              <a:rPr lang="en-US"/>
+              <a:t>Click to edit Master text styles</a:t>
+            </a:r>
+          </a:p>
+        </p:txBody>
+      </p:sp>
+      <p:sp>
+        <p:nvSpPr>
+          <p:cNvPr id="3" name="Date Placeholder 2"/>
+          <p:cNvSpPr>
+            <a:spLocks noGrp="1"/>
+          </p:cNvSpPr>
+          <p:nvPr>
+            <p:ph type="dt" sz="half" idx="10"/>
+          </p:nvPr>
+        </p:nvSpPr>
+        <p:spPr/>
+        <p:txBody>
+          <a:bodyPr/>
+          <a:lstStyle/>
+          <a:p>
+            <a:fld id="{846CE7D5-CF57-46EF-B807-FDD0502418D4}" type="datetimeFigureOut">
+              <a:rPr lang="en-US" smtClean="0"/>
+              <a:t>13-Jul-21</a:t>
+            </a:fld>
+            <a:endParaRPr lang="en-US"/>
+          </a:p>
+        </p:txBody>
+      </p:sp>
+      <p:sp>
+        <p:nvSpPr>
+          <p:cNvPr id="4" name="Footer Placeholder 3"/>
+          <p:cNvSpPr>
+            <a:spLocks noGrp="1"/>
+          </p:cNvSpPr>
+          <p:nvPr>
+            <p:ph type="ftr" sz="quarter" idx="11"/>
+          </p:nvPr>
+        </p:nvSpPr>
+        <p:spPr/>
+        <p:txBody>
+          <a:bodyPr/>
+          <a:lstStyle/>
+          <a:p>
+            <a:endParaRPr lang="en-US"/>
+          </a:p>
+        </p:txBody>
+      </p:sp>
+      <p:sp>
+        <p:nvSpPr>
+          <p:cNvPr id="5" name="Slide Number Placeholder 4"/>
+          <p:cNvSpPr>
+            <a:spLocks noGrp="1"/>
+          </p:cNvSpPr>
+          <p:nvPr>
+            <p:ph type="sldNum" sz="quarter" idx="12"/>
+          </p:nvPr>
+        </p:nvSpPr>
+        <p:spPr/>
+        <p:txBody>
+          <a:bodyPr/>
+          <a:lstStyle/>
+          <a:p>
+            <a:fld id="{330EA680-D336-4FF7-8B7A-9848BB0A1C32}" type="slidenum">
+              <a:rPr lang="en-US" smtClean="0"/>
+              <a:t>‹#›</a:t>
+            </a:fld>
+            <a:endParaRPr lang="en-US"/>
+          </a:p>
+        </p:txBody>
+      </p:sp>
+    </p:spTree>
+    <p:extLst>
+      <p:ext uri="{BB962C8B-B14F-4D97-AF65-F5344CB8AC3E}">
+        <p14:creationId xmlns:p14="http://schemas.microsoft.com/office/powerpoint/2010/main" val="3067771271"/>
+      </p:ext>
+    </p:extLst>
+  </p:cSld>
+  <p:clrMapOvr>
+    <a:masterClrMapping/>
+  </p:clrMapOvr>
+</p:sldLayout>
+</file>
+
+<file path=ppt/slideLayouts/slideLayout16.xml><?xml version="1.0" encoding="utf-8"?>
 <p:sldLayout xmlns:a="http://schemas.openxmlformats.org/drawingml/2006/main" xmlns:r="http://schemas.openxmlformats.org/officeDocument/2006/relationships" xmlns:p="http://schemas.openxmlformats.org/presentationml/2006/main" type="vertTx" preserve="1">
   <p:cSld name="Title and Vertical Text">
     <p:spTree>
@@ -334,6 +3082,36 @@
           <a:chExt cx="0" cy="0"/>
         </a:xfrm>
       </p:grpSpPr>
+      <p:pic>
+        <p:nvPicPr>
+          <p:cNvPr id="8" name="Picture 7" descr="Droplets-HD-Content-R1d.png"/>
+          <p:cNvPicPr>
+            <a:picLocks noChangeAspect="1"/>
+          </p:cNvPicPr>
+          <p:nvPr/>
+        </p:nvPicPr>
+        <p:blipFill>
+          <a:blip r:embed="rId2">
+            <a:extLst>
+              <a:ext uri="{28A0092B-C50C-407E-A947-70E740481C1C}">
+                <a14:useLocalDpi xmlns:a14="http://schemas.microsoft.com/office/drawing/2010/main" val="0"/>
+              </a:ext>
+            </a:extLst>
+          </a:blip>
+          <a:stretch>
+            <a:fillRect/>
+          </a:stretch>
+        </p:blipFill>
+        <p:spPr>
+          <a:xfrm>
+            <a:off x="0" y="0"/>
+            <a:ext cx="12192000" cy="6858000"/>
+          </a:xfrm>
+          <a:prstGeom prst="rect">
+            <a:avLst/>
+          </a:prstGeom>
+        </p:spPr>
+      </p:pic>
       <p:sp>
         <p:nvSpPr>
           <p:cNvPr id="2" name="Title 1"/>
@@ -359,15 +3137,20 @@
       </p:sp>
       <p:sp>
         <p:nvSpPr>
-          <p:cNvPr id="3" name="Vertical Text Placeholder 2"/>
-          <p:cNvSpPr>
-            <a:spLocks noGrp="1"/>
-          </p:cNvSpPr>
-          <p:nvPr>
-            <p:ph type="body" orient="vert" idx="1"/>
-          </p:nvPr>
-        </p:nvSpPr>
-        <p:spPr/>
+          <p:cNvPr id="11" name="Vertical Text Placeholder 2"/>
+          <p:cNvSpPr>
+            <a:spLocks noGrp="1"/>
+          </p:cNvSpPr>
+          <p:nvPr>
+            <p:ph type="body" orient="vert" sz="quarter" idx="13"/>
+          </p:nvPr>
+        </p:nvSpPr>
+        <p:spPr>
+          <a:xfrm>
+            <a:off x="913775" y="2367093"/>
+            <a:ext cx="10364452" cy="3424107"/>
+          </a:xfrm>
+        </p:spPr>
         <p:txBody>
           <a:bodyPr vert="eaVert"/>
           <a:lstStyle/>
@@ -426,7 +3209,7 @@
           <a:p>
             <a:fld id="{846CE7D5-CF57-46EF-B807-FDD0502418D4}" type="datetimeFigureOut">
               <a:rPr lang="en-US" smtClean="0"/>
-              <a:t>7/13/2021</a:t>
+              <a:t>13-Jul-21</a:t>
             </a:fld>
             <a:endParaRPr lang="en-US"/>
           </a:p>
@@ -477,7 +3260,7 @@
     </p:spTree>
     <p:extLst>
       <p:ext uri="{BB962C8B-B14F-4D97-AF65-F5344CB8AC3E}">
-        <p14:creationId xmlns:p14="http://schemas.microsoft.com/office/powerpoint/2010/main" val="2202905451"/>
+        <p14:creationId xmlns:p14="http://schemas.microsoft.com/office/powerpoint/2010/main" val="3872005936"/>
       </p:ext>
     </p:extLst>
   </p:cSld>
@@ -487,7 +3270,7 @@
 </p:sldLayout>
 </file>
 
-<file path=ppt/slideLayouts/slideLayout11.xml><?xml version="1.0" encoding="utf-8"?>
+<file path=ppt/slideLayouts/slideLayout17.xml><?xml version="1.0" encoding="utf-8"?>
 <p:sldLayout xmlns:a="http://schemas.openxmlformats.org/drawingml/2006/main" xmlns:r="http://schemas.openxmlformats.org/officeDocument/2006/relationships" xmlns:p="http://schemas.openxmlformats.org/presentationml/2006/main" type="vertTitleAndTx" preserve="1">
   <p:cSld name="Vertical Title and Text">
     <p:spTree>
@@ -504,6 +3287,36 @@
           <a:chExt cx="0" cy="0"/>
         </a:xfrm>
       </p:grpSpPr>
+      <p:pic>
+        <p:nvPicPr>
+          <p:cNvPr id="9" name="Picture 8" descr="Droplets-HD-Content-R1d.png"/>
+          <p:cNvPicPr>
+            <a:picLocks noChangeAspect="1"/>
+          </p:cNvPicPr>
+          <p:nvPr/>
+        </p:nvPicPr>
+        <p:blipFill>
+          <a:blip r:embed="rId2">
+            <a:extLst>
+              <a:ext uri="{28A0092B-C50C-407E-A947-70E740481C1C}">
+                <a14:useLocalDpi xmlns:a14="http://schemas.microsoft.com/office/drawing/2010/main" val="0"/>
+              </a:ext>
+            </a:extLst>
+          </a:blip>
+          <a:stretch>
+            <a:fillRect/>
+          </a:stretch>
+        </p:blipFill>
+        <p:spPr>
+          <a:xfrm>
+            <a:off x="0" y="0"/>
+            <a:ext cx="12192000" cy="6858000"/>
+          </a:xfrm>
+          <a:prstGeom prst="rect">
+            <a:avLst/>
+          </a:prstGeom>
+        </p:spPr>
+      </p:pic>
       <p:sp>
         <p:nvSpPr>
           <p:cNvPr id="2" name="Vertical Title 1"/>
@@ -516,13 +3329,17 @@
         </p:nvSpPr>
         <p:spPr>
           <a:xfrm>
-            <a:off x="8724900" y="365125"/>
-            <a:ext cx="2628900" cy="5811838"/>
+            <a:off x="8724900" y="609601"/>
+            <a:ext cx="2553326" cy="5181599"/>
           </a:xfrm>
         </p:spPr>
         <p:txBody>
           <a:bodyPr vert="eaVert"/>
-          <a:lstStyle/>
+          <a:lstStyle>
+            <a:lvl1pPr algn="l">
+              <a:defRPr/>
+            </a:lvl1pPr>
+          </a:lstStyle>
           <a:p>
             <a:r>
               <a:rPr lang="en-US"/>
@@ -534,18 +3351,18 @@
       </p:sp>
       <p:sp>
         <p:nvSpPr>
-          <p:cNvPr id="3" name="Vertical Text Placeholder 2"/>
-          <p:cNvSpPr>
-            <a:spLocks noGrp="1"/>
-          </p:cNvSpPr>
-          <p:nvPr>
-            <p:ph type="body" orient="vert" idx="1"/>
-          </p:nvPr>
-        </p:nvSpPr>
-        <p:spPr>
-          <a:xfrm>
-            <a:off x="838200" y="365125"/>
-            <a:ext cx="7734300" cy="5811838"/>
+          <p:cNvPr id="8" name="Vertical Text Placeholder 2"/>
+          <p:cNvSpPr>
+            <a:spLocks noGrp="1"/>
+          </p:cNvSpPr>
+          <p:nvPr>
+            <p:ph type="body" orient="vert" sz="quarter" idx="13"/>
+          </p:nvPr>
+        </p:nvSpPr>
+        <p:spPr>
+          <a:xfrm>
+            <a:off x="913775" y="609601"/>
+            <a:ext cx="7658724" cy="5181599"/>
           </a:xfrm>
         </p:spPr>
         <p:txBody>
@@ -606,7 +3423,7 @@
           <a:p>
             <a:fld id="{846CE7D5-CF57-46EF-B807-FDD0502418D4}" type="datetimeFigureOut">
               <a:rPr lang="en-US" smtClean="0"/>
-              <a:t>7/13/2021</a:t>
+              <a:t>13-Jul-21</a:t>
             </a:fld>
             <a:endParaRPr lang="en-US"/>
           </a:p>
@@ -657,7 +3474,187 @@
     </p:spTree>
     <p:extLst>
       <p:ext uri="{BB962C8B-B14F-4D97-AF65-F5344CB8AC3E}">
-        <p14:creationId xmlns:p14="http://schemas.microsoft.com/office/powerpoint/2010/main" val="3479445657"/>
+        <p14:creationId xmlns:p14="http://schemas.microsoft.com/office/powerpoint/2010/main" val="3609583912"/>
+      </p:ext>
+    </p:extLst>
+  </p:cSld>
+  <p:clrMapOvr>
+    <a:masterClrMapping/>
+  </p:clrMapOvr>
+</p:sldLayout>
+</file>
+
+<file path=ppt/slideLayouts/slideLayout18.xml><?xml version="1.0" encoding="utf-8"?>
+<p:sldLayout xmlns:a="http://schemas.openxmlformats.org/drawingml/2006/main" xmlns:r="http://schemas.openxmlformats.org/officeDocument/2006/relationships" xmlns:p="http://schemas.openxmlformats.org/presentationml/2006/main" type="obj">
+  <p:cSld name="1_Title and Content">
+    <p:spTree>
+      <p:nvGrpSpPr>
+        <p:cNvPr id="1" name=""/>
+        <p:cNvGrpSpPr/>
+        <p:nvPr/>
+      </p:nvGrpSpPr>
+      <p:grpSpPr>
+        <a:xfrm>
+          <a:off x="0" y="0"/>
+          <a:ext cx="0" cy="0"/>
+          <a:chOff x="0" y="0"/>
+          <a:chExt cx="0" cy="0"/>
+        </a:xfrm>
+      </p:grpSpPr>
+      <p:sp>
+        <p:nvSpPr>
+          <p:cNvPr id="2" name="Title 1"/>
+          <p:cNvSpPr>
+            <a:spLocks noGrp="1"/>
+          </p:cNvSpPr>
+          <p:nvPr>
+            <p:ph type="title"/>
+          </p:nvPr>
+        </p:nvSpPr>
+        <p:spPr>
+          <a:xfrm>
+            <a:off x="2592925" y="624110"/>
+            <a:ext cx="8911687" cy="1280890"/>
+          </a:xfrm>
+        </p:spPr>
+        <p:txBody>
+          <a:bodyPr/>
+          <a:lstStyle/>
+          <a:p>
+            <a:r>
+              <a:rPr lang="en-US"/>
+              <a:t>Click to edit Master title style</a:t>
+            </a:r>
+            <a:endParaRPr lang="en-US" dirty="0"/>
+          </a:p>
+        </p:txBody>
+      </p:sp>
+      <p:sp>
+        <p:nvSpPr>
+          <p:cNvPr id="3" name="Content Placeholder 2"/>
+          <p:cNvSpPr>
+            <a:spLocks noGrp="1"/>
+          </p:cNvSpPr>
+          <p:nvPr>
+            <p:ph idx="1"/>
+          </p:nvPr>
+        </p:nvSpPr>
+        <p:spPr>
+          <a:xfrm>
+            <a:off x="2589212" y="2133600"/>
+            <a:ext cx="8915400" cy="3777622"/>
+          </a:xfrm>
+        </p:spPr>
+        <p:txBody>
+          <a:bodyPr/>
+          <a:lstStyle/>
+          <a:p>
+            <a:pPr lvl="0"/>
+            <a:r>
+              <a:rPr lang="en-US"/>
+              <a:t>Click to edit Master text styles</a:t>
+            </a:r>
+          </a:p>
+          <a:p>
+            <a:pPr lvl="1"/>
+            <a:r>
+              <a:rPr lang="en-US"/>
+              <a:t>Second level</a:t>
+            </a:r>
+          </a:p>
+          <a:p>
+            <a:pPr lvl="2"/>
+            <a:r>
+              <a:rPr lang="en-US"/>
+              <a:t>Third level</a:t>
+            </a:r>
+          </a:p>
+          <a:p>
+            <a:pPr lvl="3"/>
+            <a:r>
+              <a:rPr lang="en-US"/>
+              <a:t>Fourth level</a:t>
+            </a:r>
+          </a:p>
+          <a:p>
+            <a:pPr lvl="4"/>
+            <a:r>
+              <a:rPr lang="en-US"/>
+              <a:t>Fifth level</a:t>
+            </a:r>
+            <a:endParaRPr lang="en-US" dirty="0"/>
+          </a:p>
+        </p:txBody>
+      </p:sp>
+      <p:sp>
+        <p:nvSpPr>
+          <p:cNvPr id="4" name="Date Placeholder 3"/>
+          <p:cNvSpPr>
+            <a:spLocks noGrp="1"/>
+          </p:cNvSpPr>
+          <p:nvPr>
+            <p:ph type="dt" sz="half" idx="10"/>
+          </p:nvPr>
+        </p:nvSpPr>
+        <p:spPr/>
+        <p:txBody>
+          <a:bodyPr/>
+          <a:lstStyle/>
+          <a:p>
+            <a:fld id="{846CE7D5-CF57-46EF-B807-FDD0502418D4}" type="datetimeFigureOut">
+              <a:rPr lang="en-US" smtClean="0"/>
+              <a:t>13-Jul-21</a:t>
+            </a:fld>
+            <a:endParaRPr lang="en-US"/>
+          </a:p>
+        </p:txBody>
+      </p:sp>
+      <p:sp>
+        <p:nvSpPr>
+          <p:cNvPr id="5" name="Footer Placeholder 4"/>
+          <p:cNvSpPr>
+            <a:spLocks noGrp="1"/>
+          </p:cNvSpPr>
+          <p:nvPr>
+            <p:ph type="ftr" sz="quarter" idx="11"/>
+          </p:nvPr>
+        </p:nvSpPr>
+        <p:spPr/>
+        <p:txBody>
+          <a:bodyPr/>
+          <a:lstStyle/>
+          <a:p>
+            <a:endParaRPr lang="en-US"/>
+          </a:p>
+        </p:txBody>
+      </p:sp>
+      <p:sp>
+        <p:nvSpPr>
+          <p:cNvPr id="6" name="Slide Number Placeholder 5"/>
+          <p:cNvSpPr>
+            <a:spLocks noGrp="1"/>
+          </p:cNvSpPr>
+          <p:nvPr>
+            <p:ph type="sldNum" sz="quarter" idx="12"/>
+          </p:nvPr>
+        </p:nvSpPr>
+        <p:spPr/>
+        <p:txBody>
+          <a:bodyPr/>
+          <a:lstStyle/>
+          <a:p>
+            <a:fld id="{330EA680-D336-4FF7-8B7A-9848BB0A1C32}" type="slidenum">
+              <a:rPr lang="en-US" smtClean="0"/>
+              <a:t>‹#›</a:t>
+            </a:fld>
+            <a:endParaRPr lang="en-US"/>
+          </a:p>
+        </p:txBody>
+      </p:sp>
+    </p:spTree>
+    <p:extLst>
+      <p:ext uri="{BB962C8B-B14F-4D97-AF65-F5344CB8AC3E}">
+        <p14:creationId xmlns:p14="http://schemas.microsoft.com/office/powerpoint/2010/main" val="765416329"/>
       </p:ext>
     </p:extLst>
   </p:cSld>
@@ -684,6 +3681,36 @@
           <a:chExt cx="0" cy="0"/>
         </a:xfrm>
       </p:grpSpPr>
+      <p:pic>
+        <p:nvPicPr>
+          <p:cNvPr id="3" name="Picture 2" descr="Droplets-HD-Content-R1d.png"/>
+          <p:cNvPicPr>
+            <a:picLocks noChangeAspect="1"/>
+          </p:cNvPicPr>
+          <p:nvPr/>
+        </p:nvPicPr>
+        <p:blipFill>
+          <a:blip r:embed="rId2">
+            <a:extLst>
+              <a:ext uri="{28A0092B-C50C-407E-A947-70E740481C1C}">
+                <a14:useLocalDpi xmlns:a14="http://schemas.microsoft.com/office/drawing/2010/main" val="0"/>
+              </a:ext>
+            </a:extLst>
+          </a:blip>
+          <a:stretch>
+            <a:fillRect/>
+          </a:stretch>
+        </p:blipFill>
+        <p:spPr>
+          <a:xfrm>
+            <a:off x="0" y="0"/>
+            <a:ext cx="12192000" cy="6858000"/>
+          </a:xfrm>
+          <a:prstGeom prst="rect">
+            <a:avLst/>
+          </a:prstGeom>
+        </p:spPr>
+      </p:pic>
       <p:sp>
         <p:nvSpPr>
           <p:cNvPr id="2" name="Title 1"/>
@@ -709,15 +3736,20 @@
       </p:sp>
       <p:sp>
         <p:nvSpPr>
-          <p:cNvPr id="3" name="Content Placeholder 2"/>
-          <p:cNvSpPr>
-            <a:spLocks noGrp="1"/>
-          </p:cNvSpPr>
-          <p:nvPr>
-            <p:ph idx="1"/>
-          </p:nvPr>
-        </p:nvSpPr>
-        <p:spPr/>
+          <p:cNvPr id="12" name="Content Placeholder 2"/>
+          <p:cNvSpPr>
+            <a:spLocks noGrp="1"/>
+          </p:cNvSpPr>
+          <p:nvPr>
+            <p:ph sz="quarter" idx="13"/>
+          </p:nvPr>
+        </p:nvSpPr>
+        <p:spPr>
+          <a:xfrm>
+            <a:off x="913774" y="2367092"/>
+            <a:ext cx="10363826" cy="3424107"/>
+          </a:xfrm>
+        </p:spPr>
         <p:txBody>
           <a:bodyPr/>
           <a:lstStyle/>
@@ -776,7 +3808,7 @@
           <a:p>
             <a:fld id="{846CE7D5-CF57-46EF-B807-FDD0502418D4}" type="datetimeFigureOut">
               <a:rPr lang="en-US" smtClean="0"/>
-              <a:t>7/13/2021</a:t>
+              <a:t>13-Jul-21</a:t>
             </a:fld>
             <a:endParaRPr lang="en-US"/>
           </a:p>
@@ -827,7 +3859,7 @@
     </p:spTree>
     <p:extLst>
       <p:ext uri="{BB962C8B-B14F-4D97-AF65-F5344CB8AC3E}">
-        <p14:creationId xmlns:p14="http://schemas.microsoft.com/office/powerpoint/2010/main" val="949138452"/>
+        <p14:creationId xmlns:p14="http://schemas.microsoft.com/office/powerpoint/2010/main" val="3597637063"/>
       </p:ext>
     </p:extLst>
   </p:cSld>
@@ -854,6 +3886,36 @@
           <a:chExt cx="0" cy="0"/>
         </a:xfrm>
       </p:grpSpPr>
+      <p:pic>
+        <p:nvPicPr>
+          <p:cNvPr id="9" name="Picture 8" descr="Droplets-HD-Content-R1d.png"/>
+          <p:cNvPicPr>
+            <a:picLocks noChangeAspect="1"/>
+          </p:cNvPicPr>
+          <p:nvPr/>
+        </p:nvPicPr>
+        <p:blipFill>
+          <a:blip r:embed="rId2">
+            <a:extLst>
+              <a:ext uri="{28A0092B-C50C-407E-A947-70E740481C1C}">
+                <a14:useLocalDpi xmlns:a14="http://schemas.microsoft.com/office/drawing/2010/main" val="0"/>
+              </a:ext>
+            </a:extLst>
+          </a:blip>
+          <a:stretch>
+            <a:fillRect/>
+          </a:stretch>
+        </p:blipFill>
+        <p:spPr>
+          <a:xfrm>
+            <a:off x="0" y="0"/>
+            <a:ext cx="12192000" cy="6858000"/>
+          </a:xfrm>
+          <a:prstGeom prst="rect">
+            <a:avLst/>
+          </a:prstGeom>
+        </p:spPr>
+      </p:pic>
       <p:sp>
         <p:nvSpPr>
           <p:cNvPr id="2" name="Title 1"/>
@@ -866,15 +3928,17 @@
         </p:nvSpPr>
         <p:spPr>
           <a:xfrm>
-            <a:off x="831850" y="1709738"/>
-            <a:ext cx="10515600" cy="2852737"/>
-          </a:xfrm>
-        </p:spPr>
-        <p:txBody>
-          <a:bodyPr anchor="b"/>
+            <a:off x="913774" y="828563"/>
+            <a:ext cx="10351752" cy="2736819"/>
+          </a:xfrm>
+        </p:spPr>
+        <p:txBody>
+          <a:bodyPr anchor="b">
+            <a:normAutofit/>
+          </a:bodyPr>
           <a:lstStyle>
             <a:lvl1pPr>
-              <a:defRPr sz="6000"/>
+              <a:defRPr sz="4000"/>
             </a:lvl1pPr>
           </a:lstStyle>
           <a:p>
@@ -898,19 +3962,21 @@
         </p:nvSpPr>
         <p:spPr>
           <a:xfrm>
-            <a:off x="831850" y="4589463"/>
-            <a:ext cx="10515600" cy="1500187"/>
-          </a:xfrm>
-        </p:spPr>
-        <p:txBody>
-          <a:bodyPr/>
+            <a:off x="913774" y="3657457"/>
+            <a:ext cx="10351752" cy="1368183"/>
+          </a:xfrm>
+        </p:spPr>
+        <p:txBody>
+          <a:bodyPr>
+            <a:normAutofit/>
+          </a:bodyPr>
           <a:lstStyle>
-            <a:lvl1pPr marL="0" indent="0">
-              <a:buNone/>
-              <a:defRPr sz="2400">
+            <a:lvl1pPr marL="0" indent="0" algn="ctr">
+              <a:buNone/>
+              <a:defRPr sz="2000">
                 <a:solidFill>
-                  <a:schemeClr val="tx1">
-                    <a:tint val="75000"/>
+                  <a:schemeClr val="bg1">
+                    <a:lumMod val="50000"/>
                   </a:schemeClr>
                 </a:solidFill>
               </a:defRPr>
@@ -1022,7 +4088,7 @@
           <a:p>
             <a:fld id="{846CE7D5-CF57-46EF-B807-FDD0502418D4}" type="datetimeFigureOut">
               <a:rPr lang="en-US" smtClean="0"/>
-              <a:t>7/13/2021</a:t>
+              <a:t>13-Jul-21</a:t>
             </a:fld>
             <a:endParaRPr lang="en-US"/>
           </a:p>
@@ -1073,7 +4139,7 @@
     </p:spTree>
     <p:extLst>
       <p:ext uri="{BB962C8B-B14F-4D97-AF65-F5344CB8AC3E}">
-        <p14:creationId xmlns:p14="http://schemas.microsoft.com/office/powerpoint/2010/main" val="2591524520"/>
+        <p14:creationId xmlns:p14="http://schemas.microsoft.com/office/powerpoint/2010/main" val="2536353993"/>
       </p:ext>
     </p:extLst>
   </p:cSld>
@@ -1100,9 +4166,39 @@
           <a:chExt cx="0" cy="0"/>
         </a:xfrm>
       </p:grpSpPr>
-      <p:sp>
-        <p:nvSpPr>
-          <p:cNvPr id="2" name="Title 1"/>
+      <p:pic>
+        <p:nvPicPr>
+          <p:cNvPr id="10" name="Picture 9" descr="Droplets-HD-Content-R1d.png"/>
+          <p:cNvPicPr>
+            <a:picLocks noChangeAspect="1"/>
+          </p:cNvPicPr>
+          <p:nvPr/>
+        </p:nvPicPr>
+        <p:blipFill>
+          <a:blip r:embed="rId2">
+            <a:extLst>
+              <a:ext uri="{28A0092B-C50C-407E-A947-70E740481C1C}">
+                <a14:useLocalDpi xmlns:a14="http://schemas.microsoft.com/office/drawing/2010/main" val="0"/>
+              </a:ext>
+            </a:extLst>
+          </a:blip>
+          <a:stretch>
+            <a:fillRect/>
+          </a:stretch>
+        </p:blipFill>
+        <p:spPr>
+          <a:xfrm>
+            <a:off x="0" y="0"/>
+            <a:ext cx="12192000" cy="6858000"/>
+          </a:xfrm>
+          <a:prstGeom prst="rect">
+            <a:avLst/>
+          </a:prstGeom>
+        </p:spPr>
+      </p:pic>
+      <p:sp>
+        <p:nvSpPr>
+          <p:cNvPr id="14" name="Title 1"/>
           <p:cNvSpPr>
             <a:spLocks noGrp="1"/>
           </p:cNvSpPr>
@@ -1110,7 +4206,12 @@
             <p:ph type="title"/>
           </p:nvPr>
         </p:nvSpPr>
-        <p:spPr/>
+        <p:spPr>
+          <a:xfrm>
+            <a:off x="913775" y="618517"/>
+            <a:ext cx="10364451" cy="1596177"/>
+          </a:xfrm>
+        </p:spPr>
         <p:txBody>
           <a:bodyPr/>
           <a:lstStyle/>
@@ -1125,18 +4226,18 @@
       </p:sp>
       <p:sp>
         <p:nvSpPr>
-          <p:cNvPr id="3" name="Content Placeholder 2"/>
-          <p:cNvSpPr>
-            <a:spLocks noGrp="1"/>
-          </p:cNvSpPr>
-          <p:nvPr>
-            <p:ph sz="half" idx="1"/>
-          </p:nvPr>
-        </p:nvSpPr>
-        <p:spPr>
-          <a:xfrm>
-            <a:off x="838200" y="1825625"/>
-            <a:ext cx="5181600" cy="4351338"/>
+          <p:cNvPr id="12" name="Content Placeholder 2"/>
+          <p:cNvSpPr>
+            <a:spLocks noGrp="1"/>
+          </p:cNvSpPr>
+          <p:nvPr>
+            <p:ph sz="quarter" idx="13"/>
+          </p:nvPr>
+        </p:nvSpPr>
+        <p:spPr>
+          <a:xfrm>
+            <a:off x="913774" y="2367092"/>
+            <a:ext cx="5106026" cy="3424107"/>
           </a:xfrm>
         </p:spPr>
         <p:txBody>
@@ -1182,18 +4283,18 @@
       </p:sp>
       <p:sp>
         <p:nvSpPr>
-          <p:cNvPr id="4" name="Content Placeholder 3"/>
-          <p:cNvSpPr>
-            <a:spLocks noGrp="1"/>
-          </p:cNvSpPr>
-          <p:nvPr>
-            <p:ph sz="half" idx="2"/>
-          </p:nvPr>
-        </p:nvSpPr>
-        <p:spPr>
-          <a:xfrm>
-            <a:off x="6172200" y="1825625"/>
-            <a:ext cx="5181600" cy="4351338"/>
+          <p:cNvPr id="13" name="Content Placeholder 3"/>
+          <p:cNvSpPr>
+            <a:spLocks noGrp="1"/>
+          </p:cNvSpPr>
+          <p:nvPr>
+            <p:ph sz="quarter" idx="14"/>
+          </p:nvPr>
+        </p:nvSpPr>
+        <p:spPr>
+          <a:xfrm>
+            <a:off x="6172200" y="2367092"/>
+            <a:ext cx="5105400" cy="3424107"/>
           </a:xfrm>
         </p:spPr>
         <p:txBody>
@@ -1254,7 +4355,7 @@
           <a:p>
             <a:fld id="{846CE7D5-CF57-46EF-B807-FDD0502418D4}" type="datetimeFigureOut">
               <a:rPr lang="en-US" smtClean="0"/>
-              <a:t>7/13/2021</a:t>
+              <a:t>13-Jul-21</a:t>
             </a:fld>
             <a:endParaRPr lang="en-US"/>
           </a:p>
@@ -1305,7 +4406,7 @@
     </p:spTree>
     <p:extLst>
       <p:ext uri="{BB962C8B-B14F-4D97-AF65-F5344CB8AC3E}">
-        <p14:creationId xmlns:p14="http://schemas.microsoft.com/office/powerpoint/2010/main" val="1203092039"/>
+        <p14:creationId xmlns:p14="http://schemas.microsoft.com/office/powerpoint/2010/main" val="1162493657"/>
       </p:ext>
     </p:extLst>
   </p:cSld>
@@ -1332,9 +4433,39 @@
           <a:chExt cx="0" cy="0"/>
         </a:xfrm>
       </p:grpSpPr>
-      <p:sp>
-        <p:nvSpPr>
-          <p:cNvPr id="2" name="Title 1"/>
+      <p:pic>
+        <p:nvPicPr>
+          <p:cNvPr id="15" name="Picture 14" descr="Droplets-HD-Content-R1d.png"/>
+          <p:cNvPicPr>
+            <a:picLocks noChangeAspect="1"/>
+          </p:cNvPicPr>
+          <p:nvPr/>
+        </p:nvPicPr>
+        <p:blipFill>
+          <a:blip r:embed="rId2">
+            <a:extLst>
+              <a:ext uri="{28A0092B-C50C-407E-A947-70E740481C1C}">
+                <a14:useLocalDpi xmlns:a14="http://schemas.microsoft.com/office/drawing/2010/main" val="0"/>
+              </a:ext>
+            </a:extLst>
+          </a:blip>
+          <a:stretch>
+            <a:fillRect/>
+          </a:stretch>
+        </p:blipFill>
+        <p:spPr>
+          <a:xfrm>
+            <a:off x="0" y="0"/>
+            <a:ext cx="12192000" cy="6858000"/>
+          </a:xfrm>
+          <a:prstGeom prst="rect">
+            <a:avLst/>
+          </a:prstGeom>
+        </p:spPr>
+      </p:pic>
+      <p:sp>
+        <p:nvSpPr>
+          <p:cNvPr id="14" name="Title 1"/>
           <p:cNvSpPr>
             <a:spLocks noGrp="1"/>
           </p:cNvSpPr>
@@ -1344,8 +4475,8 @@
         </p:nvSpPr>
         <p:spPr>
           <a:xfrm>
-            <a:off x="839788" y="365125"/>
-            <a:ext cx="10515600" cy="1325563"/>
+            <a:off x="913775" y="618517"/>
+            <a:ext cx="10364451" cy="1596177"/>
           </a:xfrm>
         </p:spPr>
         <p:txBody>
@@ -1372,16 +4503,25 @@
         </p:nvSpPr>
         <p:spPr>
           <a:xfrm>
-            <a:off x="839788" y="1681163"/>
-            <a:ext cx="5157787" cy="823912"/>
-          </a:xfrm>
-        </p:spPr>
-        <p:txBody>
-          <a:bodyPr anchor="b"/>
+            <a:off x="1146328" y="2371018"/>
+            <a:ext cx="4873474" cy="679994"/>
+          </a:xfrm>
+        </p:spPr>
+        <p:txBody>
+          <a:bodyPr anchor="b">
+            <a:noAutofit/>
+          </a:bodyPr>
           <a:lstStyle>
             <a:lvl1pPr marL="0" indent="0">
-              <a:buNone/>
-              <a:defRPr sz="2400" b="1"/>
+              <a:lnSpc>
+                <a:spcPct val="85000"/>
+              </a:lnSpc>
+              <a:buNone/>
+              <a:defRPr sz="2600" b="0">
+                <a:solidFill>
+                  <a:schemeClr val="tx1"/>
+                </a:solidFill>
+              </a:defRPr>
             </a:lvl1pPr>
             <a:lvl2pPr marL="457200" indent="0">
               <a:buNone/>
@@ -1427,18 +4567,18 @@
       </p:sp>
       <p:sp>
         <p:nvSpPr>
-          <p:cNvPr id="4" name="Content Placeholder 3"/>
-          <p:cNvSpPr>
-            <a:spLocks noGrp="1"/>
-          </p:cNvSpPr>
-          <p:nvPr>
-            <p:ph sz="half" idx="2"/>
-          </p:nvPr>
-        </p:nvSpPr>
-        <p:spPr>
-          <a:xfrm>
-            <a:off x="839788" y="2505075"/>
-            <a:ext cx="5157787" cy="3684588"/>
+          <p:cNvPr id="12" name="Content Placeholder 3"/>
+          <p:cNvSpPr>
+            <a:spLocks noGrp="1"/>
+          </p:cNvSpPr>
+          <p:nvPr>
+            <p:ph sz="quarter" idx="13"/>
+          </p:nvPr>
+        </p:nvSpPr>
+        <p:spPr>
+          <a:xfrm>
+            <a:off x="913774" y="3051012"/>
+            <a:ext cx="5106027" cy="2740187"/>
           </a:xfrm>
         </p:spPr>
         <p:txBody>
@@ -1494,16 +4634,25 @@
         </p:nvSpPr>
         <p:spPr>
           <a:xfrm>
-            <a:off x="6172200" y="1681163"/>
-            <a:ext cx="5183188" cy="823912"/>
-          </a:xfrm>
-        </p:spPr>
-        <p:txBody>
-          <a:bodyPr anchor="b"/>
+            <a:off x="6396423" y="2371018"/>
+            <a:ext cx="4881804" cy="679994"/>
+          </a:xfrm>
+        </p:spPr>
+        <p:txBody>
+          <a:bodyPr anchor="b">
+            <a:noAutofit/>
+          </a:bodyPr>
           <a:lstStyle>
             <a:lvl1pPr marL="0" indent="0">
-              <a:buNone/>
-              <a:defRPr sz="2400" b="1"/>
+              <a:lnSpc>
+                <a:spcPct val="85000"/>
+              </a:lnSpc>
+              <a:buNone/>
+              <a:defRPr sz="2600" b="0">
+                <a:solidFill>
+                  <a:schemeClr val="tx1"/>
+                </a:solidFill>
+              </a:defRPr>
             </a:lvl1pPr>
             <a:lvl2pPr marL="457200" indent="0">
               <a:buNone/>
@@ -1549,18 +4698,18 @@
       </p:sp>
       <p:sp>
         <p:nvSpPr>
-          <p:cNvPr id="6" name="Content Placeholder 5"/>
-          <p:cNvSpPr>
-            <a:spLocks noGrp="1"/>
-          </p:cNvSpPr>
-          <p:nvPr>
-            <p:ph sz="quarter" idx="4"/>
-          </p:nvPr>
-        </p:nvSpPr>
-        <p:spPr>
-          <a:xfrm>
-            <a:off x="6172200" y="2505075"/>
-            <a:ext cx="5183188" cy="3684588"/>
+          <p:cNvPr id="13" name="Content Placeholder 5"/>
+          <p:cNvSpPr>
+            <a:spLocks noGrp="1"/>
+          </p:cNvSpPr>
+          <p:nvPr>
+            <p:ph sz="quarter" idx="14"/>
+          </p:nvPr>
+        </p:nvSpPr>
+        <p:spPr>
+          <a:xfrm>
+            <a:off x="6172200" y="3051012"/>
+            <a:ext cx="5105401" cy="2740187"/>
           </a:xfrm>
         </p:spPr>
         <p:txBody>
@@ -1621,7 +4770,7 @@
           <a:p>
             <a:fld id="{846CE7D5-CF57-46EF-B807-FDD0502418D4}" type="datetimeFigureOut">
               <a:rPr lang="en-US" smtClean="0"/>
-              <a:t>7/13/2021</a:t>
+              <a:t>13-Jul-21</a:t>
             </a:fld>
             <a:endParaRPr lang="en-US"/>
           </a:p>
@@ -1672,7 +4821,7 @@
     </p:spTree>
     <p:extLst>
       <p:ext uri="{BB962C8B-B14F-4D97-AF65-F5344CB8AC3E}">
-        <p14:creationId xmlns:p14="http://schemas.microsoft.com/office/powerpoint/2010/main" val="3733172339"/>
+        <p14:creationId xmlns:p14="http://schemas.microsoft.com/office/powerpoint/2010/main" val="1290514071"/>
       </p:ext>
     </p:extLst>
   </p:cSld>
@@ -1699,6 +4848,36 @@
           <a:chExt cx="0" cy="0"/>
         </a:xfrm>
       </p:grpSpPr>
+      <p:pic>
+        <p:nvPicPr>
+          <p:cNvPr id="8" name="Picture 7" descr="Droplets-HD-Content-R1d.png"/>
+          <p:cNvPicPr>
+            <a:picLocks noChangeAspect="1"/>
+          </p:cNvPicPr>
+          <p:nvPr/>
+        </p:nvPicPr>
+        <p:blipFill>
+          <a:blip r:embed="rId2">
+            <a:extLst>
+              <a:ext uri="{28A0092B-C50C-407E-A947-70E740481C1C}">
+                <a14:useLocalDpi xmlns:a14="http://schemas.microsoft.com/office/drawing/2010/main" val="0"/>
+              </a:ext>
+            </a:extLst>
+          </a:blip>
+          <a:stretch>
+            <a:fillRect/>
+          </a:stretch>
+        </p:blipFill>
+        <p:spPr>
+          <a:xfrm>
+            <a:off x="0" y="0"/>
+            <a:ext cx="12192000" cy="6858000"/>
+          </a:xfrm>
+          <a:prstGeom prst="rect">
+            <a:avLst/>
+          </a:prstGeom>
+        </p:spPr>
+      </p:pic>
       <p:sp>
         <p:nvSpPr>
           <p:cNvPr id="2" name="Title 1"/>
@@ -1739,7 +4918,7 @@
           <a:p>
             <a:fld id="{846CE7D5-CF57-46EF-B807-FDD0502418D4}" type="datetimeFigureOut">
               <a:rPr lang="en-US" smtClean="0"/>
-              <a:t>7/13/2021</a:t>
+              <a:t>13-Jul-21</a:t>
             </a:fld>
             <a:endParaRPr lang="en-US"/>
           </a:p>
@@ -1790,7 +4969,7 @@
     </p:spTree>
     <p:extLst>
       <p:ext uri="{BB962C8B-B14F-4D97-AF65-F5344CB8AC3E}">
-        <p14:creationId xmlns:p14="http://schemas.microsoft.com/office/powerpoint/2010/main" val="3210312558"/>
+        <p14:creationId xmlns:p14="http://schemas.microsoft.com/office/powerpoint/2010/main" val="544291448"/>
       </p:ext>
     </p:extLst>
   </p:cSld>
@@ -1817,6 +4996,36 @@
           <a:chExt cx="0" cy="0"/>
         </a:xfrm>
       </p:grpSpPr>
+      <p:pic>
+        <p:nvPicPr>
+          <p:cNvPr id="7" name="Picture 6" descr="Droplets-HD-Content-R1d.png"/>
+          <p:cNvPicPr>
+            <a:picLocks noChangeAspect="1"/>
+          </p:cNvPicPr>
+          <p:nvPr/>
+        </p:nvPicPr>
+        <p:blipFill>
+          <a:blip r:embed="rId2">
+            <a:extLst>
+              <a:ext uri="{28A0092B-C50C-407E-A947-70E740481C1C}">
+                <a14:useLocalDpi xmlns:a14="http://schemas.microsoft.com/office/drawing/2010/main" val="0"/>
+              </a:ext>
+            </a:extLst>
+          </a:blip>
+          <a:stretch>
+            <a:fillRect/>
+          </a:stretch>
+        </p:blipFill>
+        <p:spPr>
+          <a:xfrm>
+            <a:off x="0" y="0"/>
+            <a:ext cx="12192000" cy="6858000"/>
+          </a:xfrm>
+          <a:prstGeom prst="rect">
+            <a:avLst/>
+          </a:prstGeom>
+        </p:spPr>
+      </p:pic>
       <p:sp>
         <p:nvSpPr>
           <p:cNvPr id="2" name="Date Placeholder 1"/>
@@ -1834,7 +5043,7 @@
           <a:p>
             <a:fld id="{846CE7D5-CF57-46EF-B807-FDD0502418D4}" type="datetimeFigureOut">
               <a:rPr lang="en-US" smtClean="0"/>
-              <a:t>7/13/2021</a:t>
+              <a:t>13-Jul-21</a:t>
             </a:fld>
             <a:endParaRPr lang="en-US"/>
           </a:p>
@@ -1885,7 +5094,7 @@
     </p:spTree>
     <p:extLst>
       <p:ext uri="{BB962C8B-B14F-4D97-AF65-F5344CB8AC3E}">
-        <p14:creationId xmlns:p14="http://schemas.microsoft.com/office/powerpoint/2010/main" val="3146388984"/>
+        <p14:creationId xmlns:p14="http://schemas.microsoft.com/office/powerpoint/2010/main" val="551469590"/>
       </p:ext>
     </p:extLst>
   </p:cSld>
@@ -1912,6 +5121,36 @@
           <a:chExt cx="0" cy="0"/>
         </a:xfrm>
       </p:grpSpPr>
+      <p:pic>
+        <p:nvPicPr>
+          <p:cNvPr id="11" name="Picture 10" descr="Droplets-HD-Content-R1d.png"/>
+          <p:cNvPicPr>
+            <a:picLocks noChangeAspect="1"/>
+          </p:cNvPicPr>
+          <p:nvPr/>
+        </p:nvPicPr>
+        <p:blipFill>
+          <a:blip r:embed="rId2">
+            <a:extLst>
+              <a:ext uri="{28A0092B-C50C-407E-A947-70E740481C1C}">
+                <a14:useLocalDpi xmlns:a14="http://schemas.microsoft.com/office/drawing/2010/main" val="0"/>
+              </a:ext>
+            </a:extLst>
+          </a:blip>
+          <a:stretch>
+            <a:fillRect/>
+          </a:stretch>
+        </p:blipFill>
+        <p:spPr>
+          <a:xfrm>
+            <a:off x="0" y="0"/>
+            <a:ext cx="12192000" cy="6858000"/>
+          </a:xfrm>
+          <a:prstGeom prst="rect">
+            <a:avLst/>
+          </a:prstGeom>
+        </p:spPr>
+      </p:pic>
       <p:sp>
         <p:nvSpPr>
           <p:cNvPr id="2" name="Title 1"/>
@@ -1924,14 +5163,14 @@
         </p:nvSpPr>
         <p:spPr>
           <a:xfrm>
-            <a:off x="839788" y="457200"/>
-            <a:ext cx="3932237" cy="1600200"/>
+            <a:off x="913775" y="609600"/>
+            <a:ext cx="3935688" cy="2023252"/>
           </a:xfrm>
         </p:spPr>
         <p:txBody>
           <a:bodyPr anchor="b"/>
           <a:lstStyle>
-            <a:lvl1pPr>
+            <a:lvl1pPr algn="ctr">
               <a:defRPr sz="3200"/>
             </a:lvl1pPr>
           </a:lstStyle>
@@ -1946,109 +5185,81 @@
       </p:sp>
       <p:sp>
         <p:nvSpPr>
-          <p:cNvPr id="3" name="Content Placeholder 2"/>
-          <p:cNvSpPr>
-            <a:spLocks noGrp="1"/>
-          </p:cNvSpPr>
-          <p:nvPr>
-            <p:ph idx="1"/>
-          </p:nvPr>
-        </p:nvSpPr>
-        <p:spPr>
-          <a:xfrm>
-            <a:off x="5183188" y="987425"/>
-            <a:ext cx="6172200" cy="4873625"/>
+          <p:cNvPr id="10" name="Content Placeholder 2"/>
+          <p:cNvSpPr>
+            <a:spLocks noGrp="1"/>
+          </p:cNvSpPr>
+          <p:nvPr>
+            <p:ph sz="quarter" idx="13"/>
+          </p:nvPr>
+        </p:nvSpPr>
+        <p:spPr>
+          <a:xfrm>
+            <a:off x="5078062" y="609600"/>
+            <a:ext cx="6200163" cy="5181599"/>
+          </a:xfrm>
+        </p:spPr>
+        <p:txBody>
+          <a:bodyPr/>
+          <a:lstStyle/>
+          <a:p>
+            <a:pPr lvl="0"/>
+            <a:r>
+              <a:rPr lang="en-US"/>
+              <a:t>Click to edit Master text styles</a:t>
+            </a:r>
+          </a:p>
+          <a:p>
+            <a:pPr lvl="1"/>
+            <a:r>
+              <a:rPr lang="en-US"/>
+              <a:t>Second level</a:t>
+            </a:r>
+          </a:p>
+          <a:p>
+            <a:pPr lvl="2"/>
+            <a:r>
+              <a:rPr lang="en-US"/>
+              <a:t>Third level</a:t>
+            </a:r>
+          </a:p>
+          <a:p>
+            <a:pPr lvl="3"/>
+            <a:r>
+              <a:rPr lang="en-US"/>
+              <a:t>Fourth level</a:t>
+            </a:r>
+          </a:p>
+          <a:p>
+            <a:pPr lvl="4"/>
+            <a:r>
+              <a:rPr lang="en-US"/>
+              <a:t>Fifth level</a:t>
+            </a:r>
+            <a:endParaRPr lang="en-US" dirty="0"/>
+          </a:p>
+        </p:txBody>
+      </p:sp>
+      <p:sp>
+        <p:nvSpPr>
+          <p:cNvPr id="4" name="Text Placeholder 3"/>
+          <p:cNvSpPr>
+            <a:spLocks noGrp="1"/>
+          </p:cNvSpPr>
+          <p:nvPr>
+            <p:ph type="body" sz="half" idx="2"/>
+          </p:nvPr>
+        </p:nvSpPr>
+        <p:spPr>
+          <a:xfrm>
+            <a:off x="913774" y="2632852"/>
+            <a:ext cx="3935689" cy="3158348"/>
           </a:xfrm>
         </p:spPr>
         <p:txBody>
           <a:bodyPr/>
           <a:lstStyle>
-            <a:lvl1pPr>
-              <a:defRPr sz="3200"/>
-            </a:lvl1pPr>
-            <a:lvl2pPr>
-              <a:defRPr sz="2800"/>
-            </a:lvl2pPr>
-            <a:lvl3pPr>
-              <a:defRPr sz="2400"/>
-            </a:lvl3pPr>
-            <a:lvl4pPr>
-              <a:defRPr sz="2000"/>
-            </a:lvl4pPr>
-            <a:lvl5pPr>
-              <a:defRPr sz="2000"/>
-            </a:lvl5pPr>
-            <a:lvl6pPr>
-              <a:defRPr sz="2000"/>
-            </a:lvl6pPr>
-            <a:lvl7pPr>
-              <a:defRPr sz="2000"/>
-            </a:lvl7pPr>
-            <a:lvl8pPr>
-              <a:defRPr sz="2000"/>
-            </a:lvl8pPr>
-            <a:lvl9pPr>
-              <a:defRPr sz="2000"/>
-            </a:lvl9pPr>
-          </a:lstStyle>
-          <a:p>
-            <a:pPr lvl="0"/>
-            <a:r>
-              <a:rPr lang="en-US"/>
-              <a:t>Click to edit Master text styles</a:t>
-            </a:r>
-          </a:p>
-          <a:p>
-            <a:pPr lvl="1"/>
-            <a:r>
-              <a:rPr lang="en-US"/>
-              <a:t>Second level</a:t>
-            </a:r>
-          </a:p>
-          <a:p>
-            <a:pPr lvl="2"/>
-            <a:r>
-              <a:rPr lang="en-US"/>
-              <a:t>Third level</a:t>
-            </a:r>
-          </a:p>
-          <a:p>
-            <a:pPr lvl="3"/>
-            <a:r>
-              <a:rPr lang="en-US"/>
-              <a:t>Fourth level</a:t>
-            </a:r>
-          </a:p>
-          <a:p>
-            <a:pPr lvl="4"/>
-            <a:r>
-              <a:rPr lang="en-US"/>
-              <a:t>Fifth level</a:t>
-            </a:r>
-            <a:endParaRPr lang="en-US" dirty="0"/>
-          </a:p>
-        </p:txBody>
-      </p:sp>
-      <p:sp>
-        <p:nvSpPr>
-          <p:cNvPr id="4" name="Text Placeholder 3"/>
-          <p:cNvSpPr>
-            <a:spLocks noGrp="1"/>
-          </p:cNvSpPr>
-          <p:nvPr>
-            <p:ph type="body" sz="half" idx="2"/>
-          </p:nvPr>
-        </p:nvSpPr>
-        <p:spPr>
-          <a:xfrm>
-            <a:off x="839788" y="2057400"/>
-            <a:ext cx="3932237" cy="3811588"/>
-          </a:xfrm>
-        </p:spPr>
-        <p:txBody>
-          <a:bodyPr/>
-          <a:lstStyle>
-            <a:lvl1pPr marL="0" indent="0">
+            <a:lvl1pPr marL="0" indent="0" algn="ctr">
               <a:buNone/>
               <a:defRPr sz="1600"/>
             </a:lvl1pPr>
@@ -2111,7 +5322,7 @@
           <a:p>
             <a:fld id="{846CE7D5-CF57-46EF-B807-FDD0502418D4}" type="datetimeFigureOut">
               <a:rPr lang="en-US" smtClean="0"/>
-              <a:t>7/13/2021</a:t>
+              <a:t>13-Jul-21</a:t>
             </a:fld>
             <a:endParaRPr lang="en-US"/>
           </a:p>
@@ -2162,7 +5373,7 @@
     </p:spTree>
     <p:extLst>
       <p:ext uri="{BB962C8B-B14F-4D97-AF65-F5344CB8AC3E}">
-        <p14:creationId xmlns:p14="http://schemas.microsoft.com/office/powerpoint/2010/main" val="3171841454"/>
+        <p14:creationId xmlns:p14="http://schemas.microsoft.com/office/powerpoint/2010/main" val="1237216994"/>
       </p:ext>
     </p:extLst>
   </p:cSld>
@@ -2189,6 +5400,36 @@
           <a:chExt cx="0" cy="0"/>
         </a:xfrm>
       </p:grpSpPr>
+      <p:pic>
+        <p:nvPicPr>
+          <p:cNvPr id="10" name="Picture 9" descr="Droplets-HD-Content-R1d.png"/>
+          <p:cNvPicPr>
+            <a:picLocks noChangeAspect="1"/>
+          </p:cNvPicPr>
+          <p:nvPr/>
+        </p:nvPicPr>
+        <p:blipFill>
+          <a:blip r:embed="rId2">
+            <a:extLst>
+              <a:ext uri="{28A0092B-C50C-407E-A947-70E740481C1C}">
+                <a14:useLocalDpi xmlns:a14="http://schemas.microsoft.com/office/drawing/2010/main" val="0"/>
+              </a:ext>
+            </a:extLst>
+          </a:blip>
+          <a:stretch>
+            <a:fillRect/>
+          </a:stretch>
+        </p:blipFill>
+        <p:spPr>
+          <a:xfrm>
+            <a:off x="0" y="0"/>
+            <a:ext cx="12192000" cy="6858000"/>
+          </a:xfrm>
+          <a:prstGeom prst="rect">
+            <a:avLst/>
+          </a:prstGeom>
+        </p:spPr>
+      </p:pic>
       <p:sp>
         <p:nvSpPr>
           <p:cNvPr id="2" name="Title 1"/>
@@ -2201,14 +5442,14 @@
         </p:nvSpPr>
         <p:spPr>
           <a:xfrm>
-            <a:off x="839788" y="457200"/>
-            <a:ext cx="3932237" cy="1600200"/>
+            <a:off x="913774" y="609600"/>
+            <a:ext cx="5934969" cy="2023254"/>
           </a:xfrm>
         </p:spPr>
         <p:txBody>
           <a:bodyPr anchor="b"/>
           <a:lstStyle>
-            <a:lvl1pPr>
+            <a:lvl1pPr algn="ctr">
               <a:defRPr sz="3200"/>
             </a:lvl1pPr>
           </a:lstStyle>
@@ -2233,9 +5474,34 @@
         </p:nvSpPr>
         <p:spPr>
           <a:xfrm>
-            <a:off x="5183188" y="987425"/>
-            <a:ext cx="6172200" cy="4873625"/>
-          </a:xfrm>
+            <a:off x="7424803" y="609601"/>
+            <a:ext cx="3255358" cy="5181600"/>
+          </a:xfrm>
+          <a:prstGeom prst="roundRect">
+            <a:avLst>
+              <a:gd name="adj" fmla="val 4943"/>
+            </a:avLst>
+          </a:prstGeom>
+          <a:noFill/>
+          <a:ln w="82550" cap="sq">
+            <a:solidFill>
+              <a:srgbClr val="EAEAEA"/>
+            </a:solidFill>
+            <a:miter lim="800000"/>
+          </a:ln>
+          <a:effectLst/>
+          <a:scene3d>
+            <a:camera prst="orthographicFront"/>
+            <a:lightRig rig="threePt" dir="t">
+              <a:rot lat="0" lon="0" rev="2700000"/>
+            </a:lightRig>
+          </a:scene3d>
+          <a:sp3d contourW="6350">
+            <a:bevelT h="38100"/>
+            <a:contourClr>
+              <a:srgbClr val="C0C0C0"/>
+            </a:contourClr>
+          </a:sp3d>
         </p:spPr>
         <p:txBody>
           <a:bodyPr anchor="t"/>
@@ -2298,14 +5564,14 @@
         </p:nvSpPr>
         <p:spPr>
           <a:xfrm>
-            <a:off x="839788" y="2057400"/>
-            <a:ext cx="3932237" cy="3811588"/>
+            <a:off x="913794" y="2632852"/>
+            <a:ext cx="5934949" cy="3158347"/>
           </a:xfrm>
         </p:spPr>
         <p:txBody>
           <a:bodyPr/>
           <a:lstStyle>
-            <a:lvl1pPr marL="0" indent="0">
+            <a:lvl1pPr marL="0" indent="0" algn="ctr">
               <a:buNone/>
               <a:defRPr sz="1600"/>
             </a:lvl1pPr>
@@ -2368,7 +5634,7 @@
           <a:p>
             <a:fld id="{846CE7D5-CF57-46EF-B807-FDD0502418D4}" type="datetimeFigureOut">
               <a:rPr lang="en-US" smtClean="0"/>
-              <a:t>7/13/2021</a:t>
+              <a:t>13-Jul-21</a:t>
             </a:fld>
             <a:endParaRPr lang="en-US"/>
           </a:p>
@@ -2419,7 +5685,7 @@
     </p:spTree>
     <p:extLst>
       <p:ext uri="{BB962C8B-B14F-4D97-AF65-F5344CB8AC3E}">
-        <p14:creationId xmlns:p14="http://schemas.microsoft.com/office/powerpoint/2010/main" val="1718958274"/>
+        <p14:creationId xmlns:p14="http://schemas.microsoft.com/office/powerpoint/2010/main" val="855256756"/>
       </p:ext>
     </p:extLst>
   </p:cSld>
@@ -2433,7 +5699,7 @@
 <p:sldMaster xmlns:a="http://schemas.openxmlformats.org/drawingml/2006/main" xmlns:r="http://schemas.openxmlformats.org/officeDocument/2006/relationships" xmlns:p="http://schemas.openxmlformats.org/presentationml/2006/main">
   <p:cSld>
     <p:bg>
-      <p:bgRef idx="1001">
+      <p:bgRef idx="1002">
         <a:schemeClr val="bg1"/>
       </p:bgRef>
     </p:bg>
@@ -2451,24 +5717,66 @@
           <a:chExt cx="0" cy="0"/>
         </a:xfrm>
       </p:grpSpPr>
-      <p:sp>
-        <p:nvSpPr>
-          <p:cNvPr id="2" name="Title Placeholder 1"/>
-          <p:cNvSpPr>
-            <a:spLocks noGrp="1"/>
-          </p:cNvSpPr>
-          <p:nvPr>
-            <p:ph type="title"/>
-          </p:nvPr>
-        </p:nvSpPr>
-        <p:spPr>
-          <a:xfrm>
-            <a:off x="838200" y="365125"/>
-            <a:ext cx="10515600" cy="1325563"/>
+      <p:pic>
+        <p:nvPicPr>
+          <p:cNvPr id="1026" name="Picture 2" descr="\\DROBO-FS\QuickDrops\JB\PPTX NG\Droplets\LightingOverlay.png"/>
+          <p:cNvPicPr>
+            <a:picLocks noChangeAspect="1" noChangeArrowheads="1"/>
+          </p:cNvPicPr>
+          <p:nvPr/>
+        </p:nvPicPr>
+        <p:blipFill>
+          <a:blip r:embed="rId20">
+            <a:alphaModFix/>
+            <a:extLst>
+              <a:ext uri="{28A0092B-C50C-407E-A947-70E740481C1C}">
+                <a14:useLocalDpi xmlns:a14="http://schemas.microsoft.com/office/drawing/2010/main" val="0"/>
+              </a:ext>
+            </a:extLst>
+          </a:blip>
+          <a:srcRect/>
+          <a:stretch>
+            <a:fillRect/>
+          </a:stretch>
+        </p:blipFill>
+        <p:spPr bwMode="auto">
+          <a:xfrm>
+            <a:off x="0" y="-1"/>
+            <a:ext cx="12192003" cy="6858001"/>
           </a:xfrm>
           <a:prstGeom prst="rect">
             <a:avLst/>
           </a:prstGeom>
+          <a:noFill/>
+          <a:extLst>
+            <a:ext uri="{909E8E84-426E-40DD-AFC4-6F175D3DCCD1}">
+              <a14:hiddenFill xmlns:a14="http://schemas.microsoft.com/office/drawing/2010/main">
+                <a:solidFill>
+                  <a:srgbClr val="FFFFFF"/>
+                </a:solidFill>
+              </a14:hiddenFill>
+            </a:ext>
+          </a:extLst>
+        </p:spPr>
+      </p:pic>
+      <p:sp>
+        <p:nvSpPr>
+          <p:cNvPr id="2" name="Title Placeholder 1"/>
+          <p:cNvSpPr>
+            <a:spLocks noGrp="1"/>
+          </p:cNvSpPr>
+          <p:nvPr>
+            <p:ph type="title"/>
+          </p:nvPr>
+        </p:nvSpPr>
+        <p:spPr>
+          <a:xfrm>
+            <a:off x="913775" y="618517"/>
+            <a:ext cx="10364451" cy="1596177"/>
+          </a:xfrm>
+          <a:prstGeom prst="rect">
+            <a:avLst/>
+          </a:prstGeom>
         </p:spPr>
         <p:txBody>
           <a:bodyPr vert="horz" lIns="91440" tIns="45720" rIns="91440" bIns="45720" rtlCol="0" anchor="ctr">
@@ -2496,8 +5804,8 @@
         </p:nvSpPr>
         <p:spPr>
           <a:xfrm>
-            <a:off x="838200" y="1825625"/>
-            <a:ext cx="10515600" cy="4351338"/>
+            <a:off x="913775" y="2367093"/>
+            <a:ext cx="10364452" cy="3424107"/>
           </a:xfrm>
           <a:prstGeom prst="rect">
             <a:avLst/>
@@ -2558,7 +5866,7 @@
         </p:nvSpPr>
         <p:spPr>
           <a:xfrm>
-            <a:off x="838200" y="6356350"/>
+            <a:off x="7678737" y="5883275"/>
             <a:ext cx="2743200" cy="365125"/>
           </a:xfrm>
           <a:prstGeom prst="rect">
@@ -2568,12 +5876,10 @@
         <p:txBody>
           <a:bodyPr vert="horz" lIns="91440" tIns="45720" rIns="91440" bIns="45720" rtlCol="0" anchor="ctr"/>
           <a:lstStyle>
-            <a:lvl1pPr algn="l">
-              <a:defRPr sz="1200">
+            <a:lvl1pPr algn="r">
+              <a:defRPr sz="1000">
                 <a:solidFill>
-                  <a:schemeClr val="tx1">
-                    <a:tint val="75000"/>
-                  </a:schemeClr>
+                  <a:schemeClr val="tx1"/>
                 </a:solidFill>
               </a:defRPr>
             </a:lvl1pPr>
@@ -2581,7 +5887,7 @@
           <a:p>
             <a:fld id="{846CE7D5-CF57-46EF-B807-FDD0502418D4}" type="datetimeFigureOut">
               <a:rPr lang="en-US" smtClean="0"/>
-              <a:t>7/13/2021</a:t>
+              <a:t>13-Jul-21</a:t>
             </a:fld>
             <a:endParaRPr lang="en-US"/>
           </a:p>
@@ -2599,8 +5905,8 @@
         </p:nvSpPr>
         <p:spPr>
           <a:xfrm>
-            <a:off x="4038600" y="6356350"/>
-            <a:ext cx="4114800" cy="365125"/>
+            <a:off x="913774" y="5883275"/>
+            <a:ext cx="6672887" cy="365125"/>
           </a:xfrm>
           <a:prstGeom prst="rect">
             <a:avLst/>
@@ -2609,12 +5915,10 @@
         <p:txBody>
           <a:bodyPr vert="horz" lIns="91440" tIns="45720" rIns="91440" bIns="45720" rtlCol="0" anchor="ctr"/>
           <a:lstStyle>
-            <a:lvl1pPr algn="ctr">
-              <a:defRPr sz="1200">
+            <a:lvl1pPr algn="l">
+              <a:defRPr sz="1000">
                 <a:solidFill>
-                  <a:schemeClr val="tx1">
-                    <a:tint val="75000"/>
-                  </a:schemeClr>
+                  <a:schemeClr val="tx1"/>
                 </a:solidFill>
               </a:defRPr>
             </a:lvl1pPr>
@@ -2636,8 +5940,8 @@
         </p:nvSpPr>
         <p:spPr>
           <a:xfrm>
-            <a:off x="8610600" y="6356350"/>
-            <a:ext cx="2743200" cy="365125"/>
+            <a:off x="10514011" y="5883275"/>
+            <a:ext cx="764215" cy="365125"/>
           </a:xfrm>
           <a:prstGeom prst="rect">
             <a:avLst/>
@@ -2647,11 +5951,9 @@
           <a:bodyPr vert="horz" lIns="91440" tIns="45720" rIns="91440" bIns="45720" rtlCol="0" anchor="ctr"/>
           <a:lstStyle>
             <a:lvl1pPr algn="r">
-              <a:defRPr sz="1200">
+              <a:defRPr sz="1000">
                 <a:solidFill>
-                  <a:schemeClr val="tx1">
-                    <a:tint val="75000"/>
-                  </a:schemeClr>
+                  <a:schemeClr val="tx1"/>
                 </a:solidFill>
               </a:defRPr>
             </a:lvl1pPr>
@@ -2668,27 +5970,34 @@
     </p:spTree>
     <p:extLst>
       <p:ext uri="{BB962C8B-B14F-4D97-AF65-F5344CB8AC3E}">
-        <p14:creationId xmlns:p14="http://schemas.microsoft.com/office/powerpoint/2010/main" val="2460954070"/>
+        <p14:creationId xmlns:p14="http://schemas.microsoft.com/office/powerpoint/2010/main" val="2866595610"/>
       </p:ext>
     </p:extLst>
   </p:cSld>
   <p:clrMap bg1="lt1" tx1="dk1" bg2="lt2" tx2="dk2" accent1="accent1" accent2="accent2" accent3="accent3" accent4="accent4" accent5="accent5" accent6="accent6" hlink="hlink" folHlink="folHlink"/>
   <p:sldLayoutIdLst>
-    <p:sldLayoutId id="2147483661" r:id="rId1"/>
-    <p:sldLayoutId id="2147483662" r:id="rId2"/>
-    <p:sldLayoutId id="2147483663" r:id="rId3"/>
-    <p:sldLayoutId id="2147483664" r:id="rId4"/>
-    <p:sldLayoutId id="2147483665" r:id="rId5"/>
-    <p:sldLayoutId id="2147483666" r:id="rId6"/>
-    <p:sldLayoutId id="2147483667" r:id="rId7"/>
-    <p:sldLayoutId id="2147483668" r:id="rId8"/>
-    <p:sldLayoutId id="2147483669" r:id="rId9"/>
-    <p:sldLayoutId id="2147483670" r:id="rId10"/>
-    <p:sldLayoutId id="2147483671" r:id="rId11"/>
+    <p:sldLayoutId id="2147483748" r:id="rId1"/>
+    <p:sldLayoutId id="2147483749" r:id="rId2"/>
+    <p:sldLayoutId id="2147483750" r:id="rId3"/>
+    <p:sldLayoutId id="2147483751" r:id="rId4"/>
+    <p:sldLayoutId id="2147483752" r:id="rId5"/>
+    <p:sldLayoutId id="2147483753" r:id="rId6"/>
+    <p:sldLayoutId id="2147483754" r:id="rId7"/>
+    <p:sldLayoutId id="2147483755" r:id="rId8"/>
+    <p:sldLayoutId id="2147483756" r:id="rId9"/>
+    <p:sldLayoutId id="2147483757" r:id="rId10"/>
+    <p:sldLayoutId id="2147483758" r:id="rId11"/>
+    <p:sldLayoutId id="2147483759" r:id="rId12"/>
+    <p:sldLayoutId id="2147483760" r:id="rId13"/>
+    <p:sldLayoutId id="2147483761" r:id="rId14"/>
+    <p:sldLayoutId id="2147483762" r:id="rId15"/>
+    <p:sldLayoutId id="2147483763" r:id="rId16"/>
+    <p:sldLayoutId id="2147483764" r:id="rId17"/>
+    <p:sldLayoutId id="2147483765" r:id="rId18"/>
   </p:sldLayoutIdLst>
   <p:txStyles>
     <p:titleStyle>
-      <a:lvl1pPr algn="l" defTabSz="914400" rtl="0" eaLnBrk="1" latinLnBrk="0" hangingPunct="1">
+      <a:lvl1pPr algn="ctr" defTabSz="914400" rtl="0" eaLnBrk="1" latinLnBrk="0" hangingPunct="1">
         <a:lnSpc>
           <a:spcPct val="90000"/>
         </a:lnSpc>
@@ -2696,10 +6005,11 @@
           <a:spcPct val="0"/>
         </a:spcBef>
         <a:buNone/>
-        <a:defRPr sz="4400" kern="1200">
+        <a:defRPr sz="3600" kern="1200" cap="all" baseline="0">
           <a:solidFill>
             <a:schemeClr val="tx1"/>
           </a:solidFill>
+          <a:effectLst/>
           <a:latin typeface="+mj-lt"/>
           <a:ea typeface="+mj-ea"/>
           <a:cs typeface="+mj-cs"/>
@@ -2709,17 +6019,21 @@
     <p:bodyStyle>
       <a:lvl1pPr marL="228600" indent="-228600" algn="l" defTabSz="914400" rtl="0" eaLnBrk="1" latinLnBrk="0" hangingPunct="1">
         <a:lnSpc>
-          <a:spcPct val="90000"/>
+          <a:spcPct val="120000"/>
         </a:lnSpc>
         <a:spcBef>
           <a:spcPts val="1000"/>
         </a:spcBef>
+        <a:buClr>
+          <a:schemeClr val="tx1"/>
+        </a:buClr>
         <a:buFont typeface="Arial" panose="020B0604020202020204" pitchFamily="34" charset="0"/>
         <a:buChar char="•"/>
-        <a:defRPr sz="2800" kern="1200">
+        <a:defRPr sz="2000" kern="1200" cap="all" baseline="0">
           <a:solidFill>
             <a:schemeClr val="tx1"/>
           </a:solidFill>
+          <a:effectLst/>
           <a:latin typeface="+mn-lt"/>
           <a:ea typeface="+mn-ea"/>
           <a:cs typeface="+mn-cs"/>
@@ -2727,17 +6041,21 @@
       </a:lvl1pPr>
       <a:lvl2pPr marL="685800" indent="-228600" algn="l" defTabSz="914400" rtl="0" eaLnBrk="1" latinLnBrk="0" hangingPunct="1">
         <a:lnSpc>
-          <a:spcPct val="90000"/>
+          <a:spcPct val="120000"/>
         </a:lnSpc>
         <a:spcBef>
           <a:spcPts val="500"/>
         </a:spcBef>
+        <a:buClr>
+          <a:schemeClr val="tx1"/>
+        </a:buClr>
         <a:buFont typeface="Arial" panose="020B0604020202020204" pitchFamily="34" charset="0"/>
         <a:buChar char="•"/>
-        <a:defRPr sz="2400" kern="1200">
+        <a:defRPr sz="1800" kern="1200" cap="all" baseline="0">
           <a:solidFill>
             <a:schemeClr val="tx1"/>
           </a:solidFill>
+          <a:effectLst/>
           <a:latin typeface="+mn-lt"/>
           <a:ea typeface="+mn-ea"/>
           <a:cs typeface="+mn-cs"/>
@@ -2745,17 +6063,21 @@
       </a:lvl2pPr>
       <a:lvl3pPr marL="1143000" indent="-228600" algn="l" defTabSz="914400" rtl="0" eaLnBrk="1" latinLnBrk="0" hangingPunct="1">
         <a:lnSpc>
-          <a:spcPct val="90000"/>
+          <a:spcPct val="120000"/>
         </a:lnSpc>
         <a:spcBef>
           <a:spcPts val="500"/>
         </a:spcBef>
+        <a:buClr>
+          <a:schemeClr val="tx1"/>
+        </a:buClr>
         <a:buFont typeface="Arial" panose="020B0604020202020204" pitchFamily="34" charset="0"/>
         <a:buChar char="•"/>
-        <a:defRPr sz="2000" kern="1200">
+        <a:defRPr sz="1600" kern="1200" cap="all" baseline="0">
           <a:solidFill>
             <a:schemeClr val="tx1"/>
           </a:solidFill>
+          <a:effectLst/>
           <a:latin typeface="+mn-lt"/>
           <a:ea typeface="+mn-ea"/>
           <a:cs typeface="+mn-cs"/>
@@ -2763,17 +6085,21 @@
       </a:lvl3pPr>
       <a:lvl4pPr marL="1600200" indent="-228600" algn="l" defTabSz="914400" rtl="0" eaLnBrk="1" latinLnBrk="0" hangingPunct="1">
         <a:lnSpc>
-          <a:spcPct val="90000"/>
+          <a:spcPct val="120000"/>
         </a:lnSpc>
         <a:spcBef>
           <a:spcPts val="500"/>
         </a:spcBef>
+        <a:buClr>
+          <a:schemeClr val="tx1"/>
+        </a:buClr>
         <a:buFont typeface="Arial" panose="020B0604020202020204" pitchFamily="34" charset="0"/>
         <a:buChar char="•"/>
-        <a:defRPr sz="1800" kern="1200">
+        <a:defRPr sz="1400" kern="1200" cap="all" baseline="0">
           <a:solidFill>
             <a:schemeClr val="tx1"/>
           </a:solidFill>
+          <a:effectLst/>
           <a:latin typeface="+mn-lt"/>
           <a:ea typeface="+mn-ea"/>
           <a:cs typeface="+mn-cs"/>
@@ -2781,17 +6107,21 @@
       </a:lvl4pPr>
       <a:lvl5pPr marL="2057400" indent="-228600" algn="l" defTabSz="914400" rtl="0" eaLnBrk="1" latinLnBrk="0" hangingPunct="1">
         <a:lnSpc>
-          <a:spcPct val="90000"/>
+          <a:spcPct val="120000"/>
         </a:lnSpc>
         <a:spcBef>
           <a:spcPts val="500"/>
         </a:spcBef>
+        <a:buClr>
+          <a:schemeClr val="tx1"/>
+        </a:buClr>
         <a:buFont typeface="Arial" panose="020B0604020202020204" pitchFamily="34" charset="0"/>
         <a:buChar char="•"/>
-        <a:defRPr sz="1800" kern="1200">
+        <a:defRPr sz="1400" kern="1200" cap="all" baseline="0">
           <a:solidFill>
             <a:schemeClr val="tx1"/>
           </a:solidFill>
+          <a:effectLst/>
           <a:latin typeface="+mn-lt"/>
           <a:ea typeface="+mn-ea"/>
           <a:cs typeface="+mn-cs"/>
@@ -2799,17 +6129,21 @@
       </a:lvl5pPr>
       <a:lvl6pPr marL="2514600" indent="-228600" algn="l" defTabSz="914400" rtl="0" eaLnBrk="1" latinLnBrk="0" hangingPunct="1">
         <a:lnSpc>
-          <a:spcPct val="90000"/>
+          <a:spcPct val="120000"/>
         </a:lnSpc>
         <a:spcBef>
           <a:spcPts val="500"/>
         </a:spcBef>
+        <a:buClr>
+          <a:schemeClr val="tx1"/>
+        </a:buClr>
         <a:buFont typeface="Arial" panose="020B0604020202020204" pitchFamily="34" charset="0"/>
         <a:buChar char="•"/>
-        <a:defRPr sz="1800" kern="1200">
+        <a:defRPr sz="1400" kern="1200" cap="all" baseline="0">
           <a:solidFill>
             <a:schemeClr val="tx1"/>
           </a:solidFill>
+          <a:effectLst/>
           <a:latin typeface="+mn-lt"/>
           <a:ea typeface="+mn-ea"/>
           <a:cs typeface="+mn-cs"/>
@@ -2817,17 +6151,21 @@
       </a:lvl6pPr>
       <a:lvl7pPr marL="2971800" indent="-228600" algn="l" defTabSz="914400" rtl="0" eaLnBrk="1" latinLnBrk="0" hangingPunct="1">
         <a:lnSpc>
-          <a:spcPct val="90000"/>
+          <a:spcPct val="120000"/>
         </a:lnSpc>
         <a:spcBef>
           <a:spcPts val="500"/>
         </a:spcBef>
+        <a:buClr>
+          <a:schemeClr val="tx1"/>
+        </a:buClr>
         <a:buFont typeface="Arial" panose="020B0604020202020204" pitchFamily="34" charset="0"/>
         <a:buChar char="•"/>
-        <a:defRPr sz="1800" kern="1200">
+        <a:defRPr sz="1400" kern="1200" cap="all" baseline="0">
           <a:solidFill>
             <a:schemeClr val="tx1"/>
           </a:solidFill>
+          <a:effectLst/>
           <a:latin typeface="+mn-lt"/>
           <a:ea typeface="+mn-ea"/>
           <a:cs typeface="+mn-cs"/>
@@ -2835,17 +6173,21 @@
       </a:lvl7pPr>
       <a:lvl8pPr marL="3429000" indent="-228600" algn="l" defTabSz="914400" rtl="0" eaLnBrk="1" latinLnBrk="0" hangingPunct="1">
         <a:lnSpc>
-          <a:spcPct val="90000"/>
+          <a:spcPct val="120000"/>
         </a:lnSpc>
         <a:spcBef>
           <a:spcPts val="500"/>
         </a:spcBef>
+        <a:buClr>
+          <a:schemeClr val="tx1"/>
+        </a:buClr>
         <a:buFont typeface="Arial" panose="020B0604020202020204" pitchFamily="34" charset="0"/>
         <a:buChar char="•"/>
-        <a:defRPr sz="1800" kern="1200">
+        <a:defRPr sz="1400" kern="1200" cap="all" baseline="0">
           <a:solidFill>
             <a:schemeClr val="tx1"/>
           </a:solidFill>
+          <a:effectLst/>
           <a:latin typeface="+mn-lt"/>
           <a:ea typeface="+mn-ea"/>
           <a:cs typeface="+mn-cs"/>
@@ -2853,17 +6195,21 @@
       </a:lvl8pPr>
       <a:lvl9pPr marL="3886200" indent="-228600" algn="l" defTabSz="914400" rtl="0" eaLnBrk="1" latinLnBrk="0" hangingPunct="1">
         <a:lnSpc>
-          <a:spcPct val="90000"/>
+          <a:spcPct val="120000"/>
         </a:lnSpc>
         <a:spcBef>
           <a:spcPts val="500"/>
         </a:spcBef>
+        <a:buClr>
+          <a:schemeClr val="tx1"/>
+        </a:buClr>
         <a:buFont typeface="Arial" panose="020B0604020202020204" pitchFamily="34" charset="0"/>
         <a:buChar char="•"/>
-        <a:defRPr sz="1800" kern="1200">
+        <a:defRPr sz="1400" kern="1200" cap="all" baseline="0">
           <a:solidFill>
             <a:schemeClr val="tx1"/>
           </a:solidFill>
+          <a:effectLst/>
           <a:latin typeface="+mn-lt"/>
           <a:ea typeface="+mn-ea"/>
           <a:cs typeface="+mn-cs"/>
@@ -3090,7 +6436,7 @@
         </p:nvSpPr>
         <p:spPr>
           <a:xfrm>
-            <a:off x="838200" y="200984"/>
+            <a:off x="838200" y="441010"/>
             <a:ext cx="10515600" cy="5975979"/>
           </a:xfrm>
         </p:spPr>
@@ -3194,7 +6540,7 @@
             </a:endParaRPr>
           </a:p>
           <a:p>
-            <a:endParaRPr lang="en-US">
+            <a:endParaRPr lang="en-US" dirty="0">
               <a:cs typeface="Calibri" panose="020F0502020204030204"/>
             </a:endParaRPr>
           </a:p>
@@ -3240,7 +6586,7 @@
               <a:t>-        </a:t>
             </a:r>
             <a:r>
-              <a:rPr lang="en-US" err="1">
+              <a:rPr lang="en-US" dirty="0" err="1">
                 <a:ea typeface="+mn-lt"/>
                 <a:cs typeface="+mn-lt"/>
               </a:rPr>
@@ -3333,8 +6679,8 @@
         </p:blipFill>
         <p:spPr>
           <a:xfrm>
-            <a:off x="2244014" y="-298"/>
-            <a:ext cx="7833367" cy="6867373"/>
+            <a:off x="1626269" y="0"/>
+            <a:ext cx="8939461" cy="6867373"/>
           </a:xfrm>
         </p:spPr>
       </p:pic>
@@ -3384,7 +6730,12 @@
             <p:ph type="title"/>
           </p:nvPr>
         </p:nvSpPr>
-        <p:spPr/>
+        <p:spPr>
+          <a:xfrm>
+            <a:off x="838199" y="-142875"/>
+            <a:ext cx="10515600" cy="1325563"/>
+          </a:xfrm>
+        </p:spPr>
         <p:txBody>
           <a:bodyPr/>
           <a:lstStyle/>
@@ -3402,31 +6753,41 @@
           </a:p>
         </p:txBody>
       </p:sp>
-      <p:sp>
-        <p:nvSpPr>
-          <p:cNvPr id="3" name="Content Placeholder 2">
+      <p:pic>
+        <p:nvPicPr>
+          <p:cNvPr id="5" name="Content Placeholder 4" descr="Graphical user interface, application&#10;&#10;Description automatically generated">
             <a:extLst>
               <a:ext uri="{FF2B5EF4-FFF2-40B4-BE49-F238E27FC236}">
-                <a16:creationId xmlns:a16="http://schemas.microsoft.com/office/drawing/2014/main" id="{6B88CA79-05DC-44F3-883D-4E1152315478}"/>
+                <a16:creationId xmlns:a16="http://schemas.microsoft.com/office/drawing/2014/main" id="{50EB0ED4-566D-4B13-9190-6F7BDF341931}"/>
               </a:ext>
             </a:extLst>
           </p:cNvPr>
-          <p:cNvSpPr>
-            <a:spLocks noGrp="1"/>
-          </p:cNvSpPr>
+          <p:cNvPicPr>
+            <a:picLocks noGrp="1" noChangeAspect="1"/>
+          </p:cNvPicPr>
           <p:nvPr>
             <p:ph idx="1"/>
           </p:nvPr>
-        </p:nvSpPr>
-        <p:spPr/>
-        <p:txBody>
-          <a:bodyPr/>
-          <a:lstStyle/>
-          <a:p>
-            <a:endParaRPr lang="en-US"/>
-          </a:p>
-        </p:txBody>
-      </p:sp>
+        </p:nvPicPr>
+        <p:blipFill>
+          <a:blip r:embed="rId2">
+            <a:extLst>
+              <a:ext uri="{28A0092B-C50C-407E-A947-70E740481C1C}">
+                <a14:useLocalDpi xmlns:a14="http://schemas.microsoft.com/office/drawing/2010/main" val="0"/>
+              </a:ext>
+            </a:extLst>
+          </a:blip>
+          <a:stretch>
+            <a:fillRect/>
+          </a:stretch>
+        </p:blipFill>
+        <p:spPr>
+          <a:xfrm>
+            <a:off x="356680" y="975360"/>
+            <a:ext cx="11478639" cy="5882640"/>
+          </a:xfrm>
+        </p:spPr>
+      </p:pic>
     </p:spTree>
     <p:extLst>
       <p:ext uri="{BB962C8B-B14F-4D97-AF65-F5344CB8AC3E}">
@@ -3473,7 +6834,12 @@
             <p:ph type="title"/>
           </p:nvPr>
         </p:nvSpPr>
-        <p:spPr/>
+        <p:spPr>
+          <a:xfrm>
+            <a:off x="1640156" y="532670"/>
+            <a:ext cx="8911687" cy="1280890"/>
+          </a:xfrm>
+        </p:spPr>
         <p:txBody>
           <a:bodyPr/>
           <a:lstStyle/>
@@ -3507,7 +6873,12 @@
             <p:ph idx="1"/>
           </p:nvPr>
         </p:nvSpPr>
-        <p:spPr/>
+        <p:spPr>
+          <a:xfrm>
+            <a:off x="1640156" y="2377440"/>
+            <a:ext cx="8915400" cy="3777622"/>
+          </a:xfrm>
+        </p:spPr>
         <p:txBody>
           <a:bodyPr vert="horz" lIns="91440" tIns="45720" rIns="91440" bIns="45720" rtlCol="0" anchor="t">
             <a:normAutofit/>
@@ -3575,6 +6946,125 @@
           <p:cNvPr id="2" name="Title 1">
             <a:extLst>
               <a:ext uri="{FF2B5EF4-FFF2-40B4-BE49-F238E27FC236}">
+                <a16:creationId xmlns:a16="http://schemas.microsoft.com/office/drawing/2014/main" id="{96CCF401-9FE4-4277-8737-2B6D7D93198C}"/>
+              </a:ext>
+            </a:extLst>
+          </p:cNvPr>
+          <p:cNvSpPr>
+            <a:spLocks noGrp="1"/>
+          </p:cNvSpPr>
+          <p:nvPr>
+            <p:ph type="title"/>
+          </p:nvPr>
+        </p:nvSpPr>
+        <p:spPr>
+          <a:xfrm>
+            <a:off x="1640156" y="624110"/>
+            <a:ext cx="8911687" cy="1280890"/>
+          </a:xfrm>
+        </p:spPr>
+        <p:txBody>
+          <a:bodyPr/>
+          <a:lstStyle/>
+          <a:p>
+            <a:r>
+              <a:rPr lang="en-US" b="1" dirty="0"/>
+              <a:t>If we had more time, we would…</a:t>
+            </a:r>
+          </a:p>
+        </p:txBody>
+      </p:sp>
+      <p:sp>
+        <p:nvSpPr>
+          <p:cNvPr id="3" name="Content Placeholder 2">
+            <a:extLst>
+              <a:ext uri="{FF2B5EF4-FFF2-40B4-BE49-F238E27FC236}">
+                <a16:creationId xmlns:a16="http://schemas.microsoft.com/office/drawing/2014/main" id="{39931E97-FC17-44B0-B509-26BE737F99DB}"/>
+              </a:ext>
+            </a:extLst>
+          </p:cNvPr>
+          <p:cNvSpPr>
+            <a:spLocks noGrp="1"/>
+          </p:cNvSpPr>
+          <p:nvPr>
+            <p:ph idx="1"/>
+          </p:nvPr>
+        </p:nvSpPr>
+        <p:spPr>
+          <a:xfrm>
+            <a:off x="1636443" y="2456268"/>
+            <a:ext cx="8915400" cy="3777622"/>
+          </a:xfrm>
+        </p:spPr>
+        <p:txBody>
+          <a:bodyPr/>
+          <a:lstStyle/>
+          <a:p>
+            <a:r>
+              <a:rPr lang="en-US" dirty="0"/>
+              <a:t>New schema according to data model</a:t>
+            </a:r>
+          </a:p>
+          <a:p>
+            <a:r>
+              <a:rPr lang="en-US" dirty="0"/>
+              <a:t>Mapped bike stations to weather stations</a:t>
+            </a:r>
+          </a:p>
+          <a:p>
+            <a:r>
+              <a:rPr lang="en-US" dirty="0" err="1"/>
+              <a:t>Analysed</a:t>
+            </a:r>
+            <a:r>
+              <a:rPr lang="en-US" dirty="0"/>
+              <a:t> our data and answered the question </a:t>
+            </a:r>
+            <a:r>
+              <a:rPr lang="en-US" dirty="0">
+                <a:sym typeface="Wingdings" panose="05000000000000000000" pitchFamily="2" charset="2"/>
+              </a:rPr>
+              <a:t></a:t>
+            </a:r>
+            <a:endParaRPr lang="en-US" dirty="0"/>
+          </a:p>
+        </p:txBody>
+      </p:sp>
+    </p:spTree>
+    <p:extLst>
+      <p:ext uri="{BB962C8B-B14F-4D97-AF65-F5344CB8AC3E}">
+        <p14:creationId xmlns:p14="http://schemas.microsoft.com/office/powerpoint/2010/main" val="3867033487"/>
+      </p:ext>
+    </p:extLst>
+  </p:cSld>
+  <p:clrMapOvr>
+    <a:masterClrMapping/>
+  </p:clrMapOvr>
+</p:sld>
+</file>
+
+<file path=ppt/slides/slide7.xml><?xml version="1.0" encoding="utf-8"?>
+<p:sld xmlns:a="http://schemas.openxmlformats.org/drawingml/2006/main" xmlns:r="http://schemas.openxmlformats.org/officeDocument/2006/relationships" xmlns:p="http://schemas.openxmlformats.org/presentationml/2006/main">
+  <p:cSld>
+    <p:spTree>
+      <p:nvGrpSpPr>
+        <p:cNvPr id="1" name=""/>
+        <p:cNvGrpSpPr/>
+        <p:nvPr/>
+      </p:nvGrpSpPr>
+      <p:grpSpPr>
+        <a:xfrm>
+          <a:off x="0" y="0"/>
+          <a:ext cx="0" cy="0"/>
+          <a:chOff x="0" y="0"/>
+          <a:chExt cx="0" cy="0"/>
+        </a:xfrm>
+      </p:grpSpPr>
+      <p:sp>
+        <p:nvSpPr>
+          <p:cNvPr id="2" name="Title 1">
+            <a:extLst>
+              <a:ext uri="{FF2B5EF4-FFF2-40B4-BE49-F238E27FC236}">
                 <a16:creationId xmlns:a16="http://schemas.microsoft.com/office/drawing/2014/main" id="{A774C762-1D84-4858-93B1-2CF476BBA9C5}"/>
               </a:ext>
             </a:extLst>
@@ -3586,7 +7076,12 @@
             <p:ph type="title"/>
           </p:nvPr>
         </p:nvSpPr>
-        <p:spPr/>
+        <p:spPr>
+          <a:xfrm>
+            <a:off x="1640156" y="305705"/>
+            <a:ext cx="8911687" cy="1280890"/>
+          </a:xfrm>
+        </p:spPr>
         <p:txBody>
           <a:bodyPr/>
           <a:lstStyle/>
@@ -3596,15 +7091,9 @@
               <a:rPr lang="en-US" b="1" dirty="0">
                 <a:cs typeface="Calibri Light"/>
               </a:rPr>
-              <a:t>Data </a:t>
-            </a:r>
-            <a:r>
-              <a:rPr lang="en-US" b="1" dirty="0" err="1">
-                <a:cs typeface="Calibri Light"/>
-              </a:rPr>
-              <a:t>modell</a:t>
-            </a:r>
-            <a:endParaRPr lang="en-US"/>
+              <a:t>Data model</a:t>
+            </a:r>
+            <a:endParaRPr lang="en-US" dirty="0"/>
           </a:p>
         </p:txBody>
       </p:sp>
@@ -3632,8 +7121,8 @@
         </p:blipFill>
         <p:spPr>
           <a:xfrm>
-            <a:off x="2210631" y="1696229"/>
-            <a:ext cx="8345831" cy="4998319"/>
+            <a:off x="1793182" y="1470162"/>
+            <a:ext cx="8605633" cy="5082133"/>
           </a:xfrm>
         </p:spPr>
       </p:pic>
@@ -3651,9 +7140,9 @@
 </file>
 
 <file path=ppt/theme/theme1.xml><?xml version="1.0" encoding="utf-8"?>
-<a:theme xmlns:a="http://schemas.openxmlformats.org/drawingml/2006/main" name="office theme">
+<a:theme xmlns:a="http://schemas.openxmlformats.org/drawingml/2006/main" name="Droplet">
   <a:themeElements>
-    <a:clrScheme name="Office Theme">
+    <a:clrScheme name="Droplet">
       <a:dk1>
         <a:sysClr val="windowText" lastClr="000000"/>
       </a:dk1>
@@ -3661,39 +7150,39 @@
         <a:sysClr val="window" lastClr="FFFFFF"/>
       </a:lt1>
       <a:dk2>
-        <a:srgbClr val="44546A"/>
+        <a:srgbClr val="355071"/>
       </a:dk2>
       <a:lt2>
-        <a:srgbClr val="E7E6E6"/>
+        <a:srgbClr val="AABED7"/>
       </a:lt2>
       <a:accent1>
-        <a:srgbClr val="4472C4"/>
+        <a:srgbClr val="2FA3EE"/>
       </a:accent1>
       <a:accent2>
-        <a:srgbClr val="ED7D31"/>
+        <a:srgbClr val="4BCAAD"/>
       </a:accent2>
       <a:accent3>
-        <a:srgbClr val="A5A5A5"/>
+        <a:srgbClr val="86C157"/>
       </a:accent3>
       <a:accent4>
-        <a:srgbClr val="FFC000"/>
+        <a:srgbClr val="D99C3F"/>
       </a:accent4>
       <a:accent5>
-        <a:srgbClr val="5B9BD5"/>
+        <a:srgbClr val="CE6633"/>
       </a:accent5>
       <a:accent6>
-        <a:srgbClr val="70AD47"/>
+        <a:srgbClr val="A35DD1"/>
       </a:accent6>
       <a:hlink>
-        <a:srgbClr val="0563C1"/>
+        <a:srgbClr val="56BCFE"/>
       </a:hlink>
       <a:folHlink>
-        <a:srgbClr val="954F72"/>
+        <a:srgbClr val="97C5E3"/>
       </a:folHlink>
     </a:clrScheme>
-    <a:fontScheme name="Office Theme">
+    <a:fontScheme name="Droplet">
       <a:majorFont>
-        <a:latin typeface="Calibri Light" panose="020F0302020204030204"/>
+        <a:latin typeface="Tw Cen MT" panose="020B0602020104020603"/>
         <a:ea typeface=""/>
         <a:cs typeface=""/>
         <a:font script="Jpan" typeface="ＭＳ Ｐゴシック"/>
@@ -3728,7 +7217,7 @@
         <a:font script="Geor" typeface="Sylfaen"/>
       </a:majorFont>
       <a:minorFont>
-        <a:latin typeface="Calibri" panose="020F0502020204030204"/>
+        <a:latin typeface="Tw Cen MT" panose="020B0602020104020603"/>
         <a:ea typeface=""/>
         <a:cs typeface=""/>
         <a:font script="Jpan" typeface="ＭＳ Ｐゴシック"/>
@@ -3763,8 +7252,103 @@
         <a:font script="Geor" typeface="Sylfaen"/>
       </a:minorFont>
     </a:fontScheme>
-    <a:fmtScheme name="Office Theme">
+    <a:fmtScheme name="Droplet">
       <a:fillStyleLst>
+        <a:solidFill>
+          <a:schemeClr val="phClr"/>
+        </a:solidFill>
+        <a:solidFill>
+          <a:schemeClr val="phClr">
+            <a:tint val="69000"/>
+            <a:satMod val="105000"/>
+            <a:lumMod val="110000"/>
+          </a:schemeClr>
+        </a:solidFill>
+        <a:gradFill rotWithShape="1">
+          <a:gsLst>
+            <a:gs pos="0">
+              <a:schemeClr val="phClr">
+                <a:tint val="94000"/>
+                <a:satMod val="100000"/>
+                <a:lumMod val="108000"/>
+              </a:schemeClr>
+            </a:gs>
+            <a:gs pos="50000">
+              <a:schemeClr val="phClr">
+                <a:tint val="98000"/>
+                <a:shade val="100000"/>
+                <a:satMod val="100000"/>
+                <a:lumMod val="100000"/>
+              </a:schemeClr>
+            </a:gs>
+            <a:gs pos="100000">
+              <a:schemeClr val="phClr">
+                <a:shade val="72000"/>
+                <a:satMod val="120000"/>
+                <a:lumMod val="100000"/>
+              </a:schemeClr>
+            </a:gs>
+          </a:gsLst>
+          <a:lin ang="5400000" scaled="0"/>
+        </a:gradFill>
+      </a:fillStyleLst>
+      <a:lnStyleLst>
+        <a:ln w="9525" cap="flat" cmpd="sng" algn="ctr">
+          <a:solidFill>
+            <a:schemeClr val="phClr">
+              <a:shade val="60000"/>
+            </a:schemeClr>
+          </a:solidFill>
+          <a:prstDash val="solid"/>
+        </a:ln>
+        <a:ln w="15875" cap="flat" cmpd="sng" algn="ctr">
+          <a:solidFill>
+            <a:schemeClr val="phClr"/>
+          </a:solidFill>
+          <a:prstDash val="solid"/>
+        </a:ln>
+        <a:ln w="22225" cap="flat" cmpd="sng" algn="ctr">
+          <a:solidFill>
+            <a:schemeClr val="phClr"/>
+          </a:solidFill>
+          <a:prstDash val="solid"/>
+        </a:ln>
+      </a:lnStyleLst>
+      <a:effectStyleLst>
+        <a:effectStyle>
+          <a:effectLst/>
+        </a:effectStyle>
+        <a:effectStyle>
+          <a:effectLst>
+            <a:outerShdw blurRad="50800" dist="25400" dir="5400000" rotWithShape="0">
+              <a:srgbClr val="000000">
+                <a:alpha val="28000"/>
+              </a:srgbClr>
+            </a:outerShdw>
+          </a:effectLst>
+        </a:effectStyle>
+        <a:effectStyle>
+          <a:effectLst>
+            <a:outerShdw blurRad="63500" dist="25400" dir="5400000" algn="ctr" rotWithShape="0">
+              <a:srgbClr val="000000">
+                <a:alpha val="69000"/>
+              </a:srgbClr>
+            </a:outerShdw>
+          </a:effectLst>
+          <a:scene3d>
+            <a:camera prst="orthographicFront">
+              <a:rot lat="0" lon="0" rev="0"/>
+            </a:camera>
+            <a:lightRig rig="balanced" dir="t">
+              <a:rot lat="0" lon="0" rev="1200000"/>
+            </a:lightRig>
+          </a:scene3d>
+          <a:sp3d prstMaterial="plastic">
+            <a:bevelT w="25400" h="25400"/>
+          </a:sp3d>
+        </a:effectStyle>
+      </a:effectStyleLst>
+      <a:bgFillStyleLst>
         <a:solidFill>
           <a:schemeClr val="phClr"/>
         </a:solidFill>
@@ -3772,23 +7356,14 @@
           <a:gsLst>
             <a:gs pos="0">
               <a:schemeClr val="phClr">
+                <a:tint val="90000"/>
                 <a:lumMod val="110000"/>
-                <a:satMod val="105000"/>
-                <a:tint val="67000"/>
-              </a:schemeClr>
-            </a:gs>
-            <a:gs pos="50000">
-              <a:schemeClr val="phClr">
-                <a:lumMod val="105000"/>
-                <a:satMod val="103000"/>
-                <a:tint val="73000"/>
               </a:schemeClr>
             </a:gs>
             <a:gs pos="100000">
               <a:schemeClr val="phClr">
-                <a:lumMod val="105000"/>
-                <a:satMod val="109000"/>
-                <a:tint val="81000"/>
+                <a:shade val="64000"/>
+                <a:lumMod val="88000"/>
               </a:schemeClr>
             </a:gs>
           </a:gsLst>
@@ -3798,101 +7373,18 @@
           <a:gsLst>
             <a:gs pos="0">
               <a:schemeClr val="phClr">
-                <a:satMod val="103000"/>
-                <a:lumMod val="102000"/>
-                <a:tint val="94000"/>
-              </a:schemeClr>
-            </a:gs>
-            <a:gs pos="50000">
-              <a:schemeClr val="phClr">
-                <a:satMod val="110000"/>
-                <a:lumMod val="100000"/>
+                <a:tint val="84000"/>
                 <a:shade val="100000"/>
+                <a:hueMod val="130000"/>
+                <a:satMod val="150000"/>
+                <a:lumMod val="112000"/>
               </a:schemeClr>
             </a:gs>
             <a:gs pos="100000">
               <a:schemeClr val="phClr">
-                <a:lumMod val="99000"/>
-                <a:satMod val="120000"/>
-                <a:shade val="78000"/>
-              </a:schemeClr>
-            </a:gs>
-          </a:gsLst>
-          <a:lin ang="5400000" scaled="0"/>
-        </a:gradFill>
-      </a:fillStyleLst>
-      <a:lnStyleLst>
-        <a:ln w="6350" cap="flat" cmpd="sng" algn="ctr">
-          <a:solidFill>
-            <a:schemeClr val="phClr"/>
-          </a:solidFill>
-          <a:prstDash val="solid"/>
-          <a:miter lim="800000"/>
-        </a:ln>
-        <a:ln w="12700" cap="flat" cmpd="sng" algn="ctr">
-          <a:solidFill>
-            <a:schemeClr val="phClr"/>
-          </a:solidFill>
-          <a:prstDash val="solid"/>
-          <a:miter lim="800000"/>
-        </a:ln>
-        <a:ln w="19050" cap="flat" cmpd="sng" algn="ctr">
-          <a:solidFill>
-            <a:schemeClr val="phClr"/>
-          </a:solidFill>
-          <a:prstDash val="solid"/>
-          <a:miter lim="800000"/>
-        </a:ln>
-      </a:lnStyleLst>
-      <a:effectStyleLst>
-        <a:effectStyle>
-          <a:effectLst/>
-        </a:effectStyle>
-        <a:effectStyle>
-          <a:effectLst/>
-        </a:effectStyle>
-        <a:effectStyle>
-          <a:effectLst>
-            <a:outerShdw blurRad="57150" dist="19050" dir="5400000" algn="ctr" rotWithShape="0">
-              <a:srgbClr val="000000">
-                <a:alpha val="63000"/>
-              </a:srgbClr>
-            </a:outerShdw>
-          </a:effectLst>
-        </a:effectStyle>
-      </a:effectStyleLst>
-      <a:bgFillStyleLst>
-        <a:solidFill>
-          <a:schemeClr val="phClr"/>
-        </a:solidFill>
-        <a:solidFill>
-          <a:schemeClr val="phClr">
-            <a:tint val="95000"/>
-            <a:satMod val="170000"/>
-          </a:schemeClr>
-        </a:solidFill>
-        <a:gradFill rotWithShape="1">
-          <a:gsLst>
-            <a:gs pos="0">
-              <a:schemeClr val="phClr">
-                <a:tint val="93000"/>
-                <a:satMod val="150000"/>
-                <a:shade val="98000"/>
-                <a:lumMod val="102000"/>
-              </a:schemeClr>
-            </a:gs>
-            <a:gs pos="50000">
-              <a:schemeClr val="phClr">
-                <a:tint val="98000"/>
-                <a:satMod val="130000"/>
-                <a:shade val="90000"/>
-                <a:lumMod val="103000"/>
-              </a:schemeClr>
-            </a:gs>
-            <a:gs pos="100000">
-              <a:schemeClr val="phClr">
-                <a:shade val="63000"/>
-                <a:satMod val="120000"/>
+                <a:shade val="92000"/>
+                <a:satMod val="140000"/>
+                <a:lumMod val="110000"/>
               </a:schemeClr>
             </a:gs>
           </a:gsLst>
@@ -3905,7 +7397,7 @@
   <a:extraClrSchemeLst/>
   <a:extLst>
     <a:ext uri="{05A4C25C-085E-4340-85A3-A5531E510DB2}">
-      <thm15:themeFamily xmlns:thm15="http://schemas.microsoft.com/office/thememl/2012/main" name="Office Theme" id="{62F939B6-93AF-4DB8-9C6B-D6C7DFDC589F}" vid="{4A3C46E8-61CC-4603-A589-7422A47A8E4A}"/>
+      <thm15:themeFamily xmlns:thm15="http://schemas.microsoft.com/office/thememl/2012/main" name="Droplet" id="{8984A317-299A-4E50-B45D-BFC9EDE2337A}" vid="{A633B6A3-9E7F-4C10-9C98-2517A3134361}"/>
     </a:ext>
   </a:extLst>
 </a:theme>

--- a/_planning_and_organising/Presentation 1.pptx
+++ b/_planning_and_organising/Presentation 1.pptx
@@ -297,7 +297,7 @@
           <a:p>
             <a:fld id="{846CE7D5-CF57-46EF-B807-FDD0502418D4}" type="datetimeFigureOut">
               <a:rPr lang="en-US" smtClean="0"/>
-              <a:t>13-Jul-21</a:t>
+              <a:t>7/13/2021</a:t>
             </a:fld>
             <a:endParaRPr lang="en-US"/>
           </a:p>
@@ -609,7 +609,7 @@
           <a:p>
             <a:fld id="{846CE7D5-CF57-46EF-B807-FDD0502418D4}" type="datetimeFigureOut">
               <a:rPr lang="en-US" smtClean="0"/>
-              <a:t>13-Jul-21</a:t>
+              <a:t>7/13/2021</a:t>
             </a:fld>
             <a:endParaRPr lang="en-US"/>
           </a:p>
@@ -831,7 +831,7 @@
           <a:p>
             <a:fld id="{846CE7D5-CF57-46EF-B807-FDD0502418D4}" type="datetimeFigureOut">
               <a:rPr lang="en-US" smtClean="0"/>
-              <a:t>13-Jul-21</a:t>
+              <a:t>7/13/2021</a:t>
             </a:fld>
             <a:endParaRPr lang="en-US"/>
           </a:p>
@@ -1122,7 +1122,7 @@
           <a:p>
             <a:fld id="{846CE7D5-CF57-46EF-B807-FDD0502418D4}" type="datetimeFigureOut">
               <a:rPr lang="en-US" smtClean="0"/>
-              <a:t>13-Jul-21</a:t>
+              <a:t>7/13/2021</a:t>
             </a:fld>
             <a:endParaRPr lang="en-US"/>
           </a:p>
@@ -1576,7 +1576,7 @@
           <a:p>
             <a:fld id="{846CE7D5-CF57-46EF-B807-FDD0502418D4}" type="datetimeFigureOut">
               <a:rPr lang="en-US" smtClean="0"/>
-              <a:t>13-Jul-21</a:t>
+              <a:t>7/13/2021</a:t>
             </a:fld>
             <a:endParaRPr lang="en-US"/>
           </a:p>
@@ -2152,7 +2152,7 @@
           <a:p>
             <a:fld id="{846CE7D5-CF57-46EF-B807-FDD0502418D4}" type="datetimeFigureOut">
               <a:rPr lang="en-US" smtClean="0"/>
-              <a:t>13-Jul-21</a:t>
+              <a:t>7/13/2021</a:t>
             </a:fld>
             <a:endParaRPr lang="en-US"/>
           </a:p>
@@ -3004,7 +3004,7 @@
           <a:p>
             <a:fld id="{846CE7D5-CF57-46EF-B807-FDD0502418D4}" type="datetimeFigureOut">
               <a:rPr lang="en-US" smtClean="0"/>
-              <a:t>13-Jul-21</a:t>
+              <a:t>7/13/2021</a:t>
             </a:fld>
             <a:endParaRPr lang="en-US"/>
           </a:p>
@@ -3209,7 +3209,7 @@
           <a:p>
             <a:fld id="{846CE7D5-CF57-46EF-B807-FDD0502418D4}" type="datetimeFigureOut">
               <a:rPr lang="en-US" smtClean="0"/>
-              <a:t>13-Jul-21</a:t>
+              <a:t>7/13/2021</a:t>
             </a:fld>
             <a:endParaRPr lang="en-US"/>
           </a:p>
@@ -3423,7 +3423,7 @@
           <a:p>
             <a:fld id="{846CE7D5-CF57-46EF-B807-FDD0502418D4}" type="datetimeFigureOut">
               <a:rPr lang="en-US" smtClean="0"/>
-              <a:t>13-Jul-21</a:t>
+              <a:t>7/13/2021</a:t>
             </a:fld>
             <a:endParaRPr lang="en-US"/>
           </a:p>
@@ -3603,7 +3603,7 @@
           <a:p>
             <a:fld id="{846CE7D5-CF57-46EF-B807-FDD0502418D4}" type="datetimeFigureOut">
               <a:rPr lang="en-US" smtClean="0"/>
-              <a:t>13-Jul-21</a:t>
+              <a:t>7/13/2021</a:t>
             </a:fld>
             <a:endParaRPr lang="en-US"/>
           </a:p>
@@ -3808,7 +3808,7 @@
           <a:p>
             <a:fld id="{846CE7D5-CF57-46EF-B807-FDD0502418D4}" type="datetimeFigureOut">
               <a:rPr lang="en-US" smtClean="0"/>
-              <a:t>13-Jul-21</a:t>
+              <a:t>7/13/2021</a:t>
             </a:fld>
             <a:endParaRPr lang="en-US"/>
           </a:p>
@@ -4088,7 +4088,7 @@
           <a:p>
             <a:fld id="{846CE7D5-CF57-46EF-B807-FDD0502418D4}" type="datetimeFigureOut">
               <a:rPr lang="en-US" smtClean="0"/>
-              <a:t>13-Jul-21</a:t>
+              <a:t>7/13/2021</a:t>
             </a:fld>
             <a:endParaRPr lang="en-US"/>
           </a:p>
@@ -4355,7 +4355,7 @@
           <a:p>
             <a:fld id="{846CE7D5-CF57-46EF-B807-FDD0502418D4}" type="datetimeFigureOut">
               <a:rPr lang="en-US" smtClean="0"/>
-              <a:t>13-Jul-21</a:t>
+              <a:t>7/13/2021</a:t>
             </a:fld>
             <a:endParaRPr lang="en-US"/>
           </a:p>
@@ -4770,7 +4770,7 @@
           <a:p>
             <a:fld id="{846CE7D5-CF57-46EF-B807-FDD0502418D4}" type="datetimeFigureOut">
               <a:rPr lang="en-US" smtClean="0"/>
-              <a:t>13-Jul-21</a:t>
+              <a:t>7/13/2021</a:t>
             </a:fld>
             <a:endParaRPr lang="en-US"/>
           </a:p>
@@ -4918,7 +4918,7 @@
           <a:p>
             <a:fld id="{846CE7D5-CF57-46EF-B807-FDD0502418D4}" type="datetimeFigureOut">
               <a:rPr lang="en-US" smtClean="0"/>
-              <a:t>13-Jul-21</a:t>
+              <a:t>7/13/2021</a:t>
             </a:fld>
             <a:endParaRPr lang="en-US"/>
           </a:p>
@@ -5043,7 +5043,7 @@
           <a:p>
             <a:fld id="{846CE7D5-CF57-46EF-B807-FDD0502418D4}" type="datetimeFigureOut">
               <a:rPr lang="en-US" smtClean="0"/>
-              <a:t>13-Jul-21</a:t>
+              <a:t>7/13/2021</a:t>
             </a:fld>
             <a:endParaRPr lang="en-US"/>
           </a:p>
@@ -5322,7 +5322,7 @@
           <a:p>
             <a:fld id="{846CE7D5-CF57-46EF-B807-FDD0502418D4}" type="datetimeFigureOut">
               <a:rPr lang="en-US" smtClean="0"/>
-              <a:t>13-Jul-21</a:t>
+              <a:t>7/13/2021</a:t>
             </a:fld>
             <a:endParaRPr lang="en-US"/>
           </a:p>
@@ -5634,7 +5634,7 @@
           <a:p>
             <a:fld id="{846CE7D5-CF57-46EF-B807-FDD0502418D4}" type="datetimeFigureOut">
               <a:rPr lang="en-US" smtClean="0"/>
-              <a:t>13-Jul-21</a:t>
+              <a:t>7/13/2021</a:t>
             </a:fld>
             <a:endParaRPr lang="en-US"/>
           </a:p>
@@ -5887,7 +5887,7 @@
           <a:p>
             <a:fld id="{846CE7D5-CF57-46EF-B807-FDD0502418D4}" type="datetimeFigureOut">
               <a:rPr lang="en-US" smtClean="0"/>
-              <a:t>13-Jul-21</a:t>
+              <a:t>7/13/2021</a:t>
             </a:fld>
             <a:endParaRPr lang="en-US"/>
           </a:p>
@@ -6657,13 +6657,7 @@
       </p:grpSpPr>
       <p:pic>
         <p:nvPicPr>
-          <p:cNvPr id="22" name="Picture 22" descr="Diagram&#10;&#10;Description automatically generated">
-            <a:extLst>
-              <a:ext uri="{FF2B5EF4-FFF2-40B4-BE49-F238E27FC236}">
-                <a16:creationId xmlns:a16="http://schemas.microsoft.com/office/drawing/2014/main" id="{071B0F98-E0A1-4567-AC1A-1BF1F52ED6C4}"/>
-              </a:ext>
-            </a:extLst>
-          </p:cNvPr>
+          <p:cNvPr id="3" name="Content Placeholder 2"/>
           <p:cNvPicPr>
             <a:picLocks noGrp="1" noChangeAspect="1"/>
           </p:cNvPicPr>
@@ -6672,15 +6666,21 @@
           </p:nvPr>
         </p:nvPicPr>
         <p:blipFill>
-          <a:blip r:embed="rId2"/>
+          <a:blip r:embed="rId2">
+            <a:extLst>
+              <a:ext uri="{28A0092B-C50C-407E-A947-70E740481C1C}">
+                <a14:useLocalDpi xmlns:a14="http://schemas.microsoft.com/office/drawing/2010/main" val="0"/>
+              </a:ext>
+            </a:extLst>
+          </a:blip>
           <a:stretch>
             <a:fillRect/>
           </a:stretch>
         </p:blipFill>
         <p:spPr>
           <a:xfrm>
-            <a:off x="1626269" y="0"/>
-            <a:ext cx="8939461" cy="6867373"/>
+            <a:off x="2047818" y="187976"/>
+            <a:ext cx="8333633" cy="6392636"/>
           </a:xfrm>
         </p:spPr>
       </p:pic>
